--- a/data/denoising/DIP-Fusion-Loss.pptx
+++ b/data/denoising/DIP-Fusion-Loss.pptx
@@ -1,11 +1,13 @@
 
 <file path=ppt/presentation.xml><?xml version="1.0" encoding="utf-8"?>
-<p:presentation xmlns:a="http://schemas.openxmlformats.org/drawingml/2006/main" xmlns:r="http://schemas.openxmlformats.org/officeDocument/2006/relationships" xmlns:p="http://schemas.openxmlformats.org/presentationml/2006/main" saveSubsetFonts="1" autoCompressPictures="0">
+<p:presentation xmlns:a="http://schemas.openxmlformats.org/drawingml/2006/main" xmlns:r="http://schemas.openxmlformats.org/officeDocument/2006/relationships" xmlns:p="http://schemas.openxmlformats.org/presentationml/2006/main" autoCompressPictures="0">
   <p:sldMasterIdLst>
     <p:sldMasterId id="2147483648" r:id="rId1"/>
+    <p:sldMasterId id="2147483660" r:id="rId3"/>
   </p:sldMasterIdLst>
   <p:sldIdLst>
-    <p:sldId id="256" r:id="rId2"/>
+    <p:sldId id="256" r:id="rId4"/>
+    <p:sldId id="257" r:id="rId5"/>
   </p:sldIdLst>
   <p:sldSz cx="12192000" cy="6858000"/>
   <p:notesSz cx="6858000" cy="9144000"/>
@@ -126,13 +128,7 @@
       </p:grpSpPr>
       <p:sp>
         <p:nvSpPr>
-          <p:cNvPr id="2" name="标题 1">
-            <a:extLst>
-              <a:ext uri="{FF2B5EF4-FFF2-40B4-BE49-F238E27FC236}">
-                <a16:creationId xmlns:a16="http://schemas.microsoft.com/office/drawing/2014/main" id="{4264A33B-9129-604E-9DDF-EF41FABC5B8C}"/>
-              </a:ext>
-            </a:extLst>
-          </p:cNvPr>
+          <p:cNvPr id="2" name="标题 1"/>
           <p:cNvSpPr>
             <a:spLocks noGrp="1"/>
           </p:cNvSpPr>
@@ -158,18 +154,13 @@
               <a:rPr kumimoji="1" lang="zh-CN" altLang="en-US"/>
               <a:t>单击此处编辑母版标题样式</a:t>
             </a:r>
-          </a:p>
-        </p:txBody>
-      </p:sp>
-      <p:sp>
-        <p:nvSpPr>
-          <p:cNvPr id="3" name="副标题 2">
-            <a:extLst>
-              <a:ext uri="{FF2B5EF4-FFF2-40B4-BE49-F238E27FC236}">
-                <a16:creationId xmlns:a16="http://schemas.microsoft.com/office/drawing/2014/main" id="{02D44181-3CF0-3D4B-8324-9F64AFB8DFB8}"/>
-              </a:ext>
-            </a:extLst>
-          </p:cNvPr>
+            <a:endParaRPr kumimoji="1" lang="zh-CN" altLang="en-US"/>
+          </a:p>
+        </p:txBody>
+      </p:sp>
+      <p:sp>
+        <p:nvSpPr>
+          <p:cNvPr id="3" name="副标题 2"/>
           <p:cNvSpPr>
             <a:spLocks noGrp="1"/>
           </p:cNvSpPr>
@@ -228,18 +219,13 @@
               <a:rPr kumimoji="1" lang="zh-CN" altLang="en-US"/>
               <a:t>单击此处编辑母版副标题样式</a:t>
             </a:r>
-          </a:p>
-        </p:txBody>
-      </p:sp>
-      <p:sp>
-        <p:nvSpPr>
-          <p:cNvPr id="4" name="日期占位符 3">
-            <a:extLst>
-              <a:ext uri="{FF2B5EF4-FFF2-40B4-BE49-F238E27FC236}">
-                <a16:creationId xmlns:a16="http://schemas.microsoft.com/office/drawing/2014/main" id="{02C33B84-AAEB-5148-81BE-1310F86C7F2A}"/>
-              </a:ext>
-            </a:extLst>
-          </p:cNvPr>
+            <a:endParaRPr kumimoji="1" lang="zh-CN" altLang="en-US"/>
+          </a:p>
+        </p:txBody>
+      </p:sp>
+      <p:sp>
+        <p:nvSpPr>
+          <p:cNvPr id="4" name="日期占位符 3"/>
           <p:cNvSpPr>
             <a:spLocks noGrp="1"/>
           </p:cNvSpPr>
@@ -254,7 +240,6 @@
           <a:p>
             <a:fld id="{6CF924FE-3B57-434F-BAF7-60F422A09515}" type="datetimeFigureOut">
               <a:rPr kumimoji="1" lang="zh-CN" altLang="en-US" smtClean="0"/>
-              <a:t>2021/5/6</a:t>
             </a:fld>
             <a:endParaRPr kumimoji="1" lang="zh-CN" altLang="en-US"/>
           </a:p>
@@ -262,13 +247,7 @@
       </p:sp>
       <p:sp>
         <p:nvSpPr>
-          <p:cNvPr id="5" name="页脚占位符 4">
-            <a:extLst>
-              <a:ext uri="{FF2B5EF4-FFF2-40B4-BE49-F238E27FC236}">
-                <a16:creationId xmlns:a16="http://schemas.microsoft.com/office/drawing/2014/main" id="{DFDF55F3-19E9-0042-98D3-31645051C696}"/>
-              </a:ext>
-            </a:extLst>
-          </p:cNvPr>
+          <p:cNvPr id="5" name="页脚占位符 4"/>
           <p:cNvSpPr>
             <a:spLocks noGrp="1"/>
           </p:cNvSpPr>
@@ -287,13 +266,7 @@
       </p:sp>
       <p:sp>
         <p:nvSpPr>
-          <p:cNvPr id="6" name="灯片编号占位符 5">
-            <a:extLst>
-              <a:ext uri="{FF2B5EF4-FFF2-40B4-BE49-F238E27FC236}">
-                <a16:creationId xmlns:a16="http://schemas.microsoft.com/office/drawing/2014/main" id="{401EC4BA-9D87-C542-9314-BD182DDE90BE}"/>
-              </a:ext>
-            </a:extLst>
-          </p:cNvPr>
+          <p:cNvPr id="6" name="灯片编号占位符 5"/>
           <p:cNvSpPr>
             <a:spLocks noGrp="1"/>
           </p:cNvSpPr>
@@ -308,18 +281,12 @@
           <a:p>
             <a:fld id="{CB110DF6-DFA0-144C-B003-2EC38CB03D50}" type="slidenum">
               <a:rPr kumimoji="1" lang="zh-CN" altLang="en-US" smtClean="0"/>
-              <a:t>‹#›</a:t>
             </a:fld>
             <a:endParaRPr kumimoji="1" lang="zh-CN" altLang="en-US"/>
           </a:p>
         </p:txBody>
       </p:sp>
     </p:spTree>
-    <p:extLst>
-      <p:ext uri="{BB962C8B-B14F-4D97-AF65-F5344CB8AC3E}">
-        <p14:creationId xmlns:p14="http://schemas.microsoft.com/office/powerpoint/2010/main" val="3362236823"/>
-      </p:ext>
-    </p:extLst>
   </p:cSld>
   <p:clrMapOvr>
     <a:masterClrMapping/>
@@ -346,13 +313,7 @@
       </p:grpSpPr>
       <p:sp>
         <p:nvSpPr>
-          <p:cNvPr id="2" name="标题 1">
-            <a:extLst>
-              <a:ext uri="{FF2B5EF4-FFF2-40B4-BE49-F238E27FC236}">
-                <a16:creationId xmlns:a16="http://schemas.microsoft.com/office/drawing/2014/main" id="{5AAFBEBF-6B08-D046-BD38-D2B65DCB24A6}"/>
-              </a:ext>
-            </a:extLst>
-          </p:cNvPr>
+          <p:cNvPr id="2" name="标题 1"/>
           <p:cNvSpPr>
             <a:spLocks noGrp="1"/>
           </p:cNvSpPr>
@@ -369,18 +330,13 @@
               <a:rPr kumimoji="1" lang="zh-CN" altLang="en-US"/>
               <a:t>单击此处编辑母版标题样式</a:t>
             </a:r>
-          </a:p>
-        </p:txBody>
-      </p:sp>
-      <p:sp>
-        <p:nvSpPr>
-          <p:cNvPr id="3" name="竖排文字占位符 2">
-            <a:extLst>
-              <a:ext uri="{FF2B5EF4-FFF2-40B4-BE49-F238E27FC236}">
-                <a16:creationId xmlns:a16="http://schemas.microsoft.com/office/drawing/2014/main" id="{7DDBEAD5-42B6-C34D-A7FA-6893C2EA81C1}"/>
-              </a:ext>
-            </a:extLst>
-          </p:cNvPr>
+            <a:endParaRPr kumimoji="1" lang="zh-CN" altLang="en-US"/>
+          </a:p>
+        </p:txBody>
+      </p:sp>
+      <p:sp>
+        <p:nvSpPr>
+          <p:cNvPr id="3" name="竖排文字占位符 2"/>
           <p:cNvSpPr>
             <a:spLocks noGrp="1"/>
           </p:cNvSpPr>
@@ -398,6 +354,7 @@
               <a:rPr kumimoji="1" lang="zh-CN" altLang="en-US"/>
               <a:t>单击此处编辑母版文本样式</a:t>
             </a:r>
+            <a:endParaRPr kumimoji="1" lang="zh-CN" altLang="en-US"/>
           </a:p>
           <a:p>
             <a:pPr lvl="1"/>
@@ -405,6 +362,7 @@
               <a:rPr kumimoji="1" lang="zh-CN" altLang="en-US"/>
               <a:t>二级</a:t>
             </a:r>
+            <a:endParaRPr kumimoji="1" lang="zh-CN" altLang="en-US"/>
           </a:p>
           <a:p>
             <a:pPr lvl="2"/>
@@ -412,6 +370,7 @@
               <a:rPr kumimoji="1" lang="zh-CN" altLang="en-US"/>
               <a:t>三级</a:t>
             </a:r>
+            <a:endParaRPr kumimoji="1" lang="zh-CN" altLang="en-US"/>
           </a:p>
           <a:p>
             <a:pPr lvl="3"/>
@@ -419,6 +378,7 @@
               <a:rPr kumimoji="1" lang="zh-CN" altLang="en-US"/>
               <a:t>四级</a:t>
             </a:r>
+            <a:endParaRPr kumimoji="1" lang="zh-CN" altLang="en-US"/>
           </a:p>
           <a:p>
             <a:pPr lvl="4"/>
@@ -426,18 +386,13 @@
               <a:rPr kumimoji="1" lang="zh-CN" altLang="en-US"/>
               <a:t>五级</a:t>
             </a:r>
-          </a:p>
-        </p:txBody>
-      </p:sp>
-      <p:sp>
-        <p:nvSpPr>
-          <p:cNvPr id="4" name="日期占位符 3">
-            <a:extLst>
-              <a:ext uri="{FF2B5EF4-FFF2-40B4-BE49-F238E27FC236}">
-                <a16:creationId xmlns:a16="http://schemas.microsoft.com/office/drawing/2014/main" id="{CDB65FC6-1297-C04F-A4BC-D531FE7367DC}"/>
-              </a:ext>
-            </a:extLst>
-          </p:cNvPr>
+            <a:endParaRPr kumimoji="1" lang="zh-CN" altLang="en-US"/>
+          </a:p>
+        </p:txBody>
+      </p:sp>
+      <p:sp>
+        <p:nvSpPr>
+          <p:cNvPr id="4" name="日期占位符 3"/>
           <p:cNvSpPr>
             <a:spLocks noGrp="1"/>
           </p:cNvSpPr>
@@ -452,7 +407,6 @@
           <a:p>
             <a:fld id="{6CF924FE-3B57-434F-BAF7-60F422A09515}" type="datetimeFigureOut">
               <a:rPr kumimoji="1" lang="zh-CN" altLang="en-US" smtClean="0"/>
-              <a:t>2021/5/6</a:t>
             </a:fld>
             <a:endParaRPr kumimoji="1" lang="zh-CN" altLang="en-US"/>
           </a:p>
@@ -460,13 +414,7 @@
       </p:sp>
       <p:sp>
         <p:nvSpPr>
-          <p:cNvPr id="5" name="页脚占位符 4">
-            <a:extLst>
-              <a:ext uri="{FF2B5EF4-FFF2-40B4-BE49-F238E27FC236}">
-                <a16:creationId xmlns:a16="http://schemas.microsoft.com/office/drawing/2014/main" id="{E0B5F873-4571-1F46-BCB4-014880E42291}"/>
-              </a:ext>
-            </a:extLst>
-          </p:cNvPr>
+          <p:cNvPr id="5" name="页脚占位符 4"/>
           <p:cNvSpPr>
             <a:spLocks noGrp="1"/>
           </p:cNvSpPr>
@@ -485,13 +433,7 @@
       </p:sp>
       <p:sp>
         <p:nvSpPr>
-          <p:cNvPr id="6" name="灯片编号占位符 5">
-            <a:extLst>
-              <a:ext uri="{FF2B5EF4-FFF2-40B4-BE49-F238E27FC236}">
-                <a16:creationId xmlns:a16="http://schemas.microsoft.com/office/drawing/2014/main" id="{5F298DF2-256C-5A4E-A608-BB3C37CFB3A8}"/>
-              </a:ext>
-            </a:extLst>
-          </p:cNvPr>
+          <p:cNvPr id="6" name="灯片编号占位符 5"/>
           <p:cNvSpPr>
             <a:spLocks noGrp="1"/>
           </p:cNvSpPr>
@@ -506,18 +448,12 @@
           <a:p>
             <a:fld id="{CB110DF6-DFA0-144C-B003-2EC38CB03D50}" type="slidenum">
               <a:rPr kumimoji="1" lang="zh-CN" altLang="en-US" smtClean="0"/>
-              <a:t>‹#›</a:t>
             </a:fld>
             <a:endParaRPr kumimoji="1" lang="zh-CN" altLang="en-US"/>
           </a:p>
         </p:txBody>
       </p:sp>
     </p:spTree>
-    <p:extLst>
-      <p:ext uri="{BB962C8B-B14F-4D97-AF65-F5344CB8AC3E}">
-        <p14:creationId xmlns:p14="http://schemas.microsoft.com/office/powerpoint/2010/main" val="3824819306"/>
-      </p:ext>
-    </p:extLst>
   </p:cSld>
   <p:clrMapOvr>
     <a:masterClrMapping/>
@@ -544,13 +480,7 @@
       </p:grpSpPr>
       <p:sp>
         <p:nvSpPr>
-          <p:cNvPr id="2" name="竖排标题 1">
-            <a:extLst>
-              <a:ext uri="{FF2B5EF4-FFF2-40B4-BE49-F238E27FC236}">
-                <a16:creationId xmlns:a16="http://schemas.microsoft.com/office/drawing/2014/main" id="{18FB75FE-762C-BF4B-8572-3DAB227C5C53}"/>
-              </a:ext>
-            </a:extLst>
-          </p:cNvPr>
+          <p:cNvPr id="2" name="竖排标题 1"/>
           <p:cNvSpPr>
             <a:spLocks noGrp="1"/>
           </p:cNvSpPr>
@@ -572,18 +502,13 @@
               <a:rPr kumimoji="1" lang="zh-CN" altLang="en-US"/>
               <a:t>单击此处编辑母版标题样式</a:t>
             </a:r>
-          </a:p>
-        </p:txBody>
-      </p:sp>
-      <p:sp>
-        <p:nvSpPr>
-          <p:cNvPr id="3" name="竖排文字占位符 2">
-            <a:extLst>
-              <a:ext uri="{FF2B5EF4-FFF2-40B4-BE49-F238E27FC236}">
-                <a16:creationId xmlns:a16="http://schemas.microsoft.com/office/drawing/2014/main" id="{D42FDFCA-3304-2F47-8CE8-2A01D48F9162}"/>
-              </a:ext>
-            </a:extLst>
-          </p:cNvPr>
+            <a:endParaRPr kumimoji="1" lang="zh-CN" altLang="en-US"/>
+          </a:p>
+        </p:txBody>
+      </p:sp>
+      <p:sp>
+        <p:nvSpPr>
+          <p:cNvPr id="3" name="竖排文字占位符 2"/>
           <p:cNvSpPr>
             <a:spLocks noGrp="1"/>
           </p:cNvSpPr>
@@ -606,6 +531,7 @@
               <a:rPr kumimoji="1" lang="zh-CN" altLang="en-US"/>
               <a:t>单击此处编辑母版文本样式</a:t>
             </a:r>
+            <a:endParaRPr kumimoji="1" lang="zh-CN" altLang="en-US"/>
           </a:p>
           <a:p>
             <a:pPr lvl="1"/>
@@ -613,6 +539,7 @@
               <a:rPr kumimoji="1" lang="zh-CN" altLang="en-US"/>
               <a:t>二级</a:t>
             </a:r>
+            <a:endParaRPr kumimoji="1" lang="zh-CN" altLang="en-US"/>
           </a:p>
           <a:p>
             <a:pPr lvl="2"/>
@@ -620,6 +547,7 @@
               <a:rPr kumimoji="1" lang="zh-CN" altLang="en-US"/>
               <a:t>三级</a:t>
             </a:r>
+            <a:endParaRPr kumimoji="1" lang="zh-CN" altLang="en-US"/>
           </a:p>
           <a:p>
             <a:pPr lvl="3"/>
@@ -627,6 +555,7 @@
               <a:rPr kumimoji="1" lang="zh-CN" altLang="en-US"/>
               <a:t>四级</a:t>
             </a:r>
+            <a:endParaRPr kumimoji="1" lang="zh-CN" altLang="en-US"/>
           </a:p>
           <a:p>
             <a:pPr lvl="4"/>
@@ -634,18 +563,13 @@
               <a:rPr kumimoji="1" lang="zh-CN" altLang="en-US"/>
               <a:t>五级</a:t>
             </a:r>
-          </a:p>
-        </p:txBody>
-      </p:sp>
-      <p:sp>
-        <p:nvSpPr>
-          <p:cNvPr id="4" name="日期占位符 3">
-            <a:extLst>
-              <a:ext uri="{FF2B5EF4-FFF2-40B4-BE49-F238E27FC236}">
-                <a16:creationId xmlns:a16="http://schemas.microsoft.com/office/drawing/2014/main" id="{159EADE4-EC21-9240-AEA5-08893827B26C}"/>
-              </a:ext>
-            </a:extLst>
-          </p:cNvPr>
+            <a:endParaRPr kumimoji="1" lang="zh-CN" altLang="en-US"/>
+          </a:p>
+        </p:txBody>
+      </p:sp>
+      <p:sp>
+        <p:nvSpPr>
+          <p:cNvPr id="4" name="日期占位符 3"/>
           <p:cNvSpPr>
             <a:spLocks noGrp="1"/>
           </p:cNvSpPr>
@@ -660,7 +584,6 @@
           <a:p>
             <a:fld id="{6CF924FE-3B57-434F-BAF7-60F422A09515}" type="datetimeFigureOut">
               <a:rPr kumimoji="1" lang="zh-CN" altLang="en-US" smtClean="0"/>
-              <a:t>2021/5/6</a:t>
             </a:fld>
             <a:endParaRPr kumimoji="1" lang="zh-CN" altLang="en-US"/>
           </a:p>
@@ -668,13 +591,7 @@
       </p:sp>
       <p:sp>
         <p:nvSpPr>
-          <p:cNvPr id="5" name="页脚占位符 4">
-            <a:extLst>
-              <a:ext uri="{FF2B5EF4-FFF2-40B4-BE49-F238E27FC236}">
-                <a16:creationId xmlns:a16="http://schemas.microsoft.com/office/drawing/2014/main" id="{CD7A6233-435C-8F45-875A-6ADD61653996}"/>
-              </a:ext>
-            </a:extLst>
-          </p:cNvPr>
+          <p:cNvPr id="5" name="页脚占位符 4"/>
           <p:cNvSpPr>
             <a:spLocks noGrp="1"/>
           </p:cNvSpPr>
@@ -693,13 +610,7 @@
       </p:sp>
       <p:sp>
         <p:nvSpPr>
-          <p:cNvPr id="6" name="灯片编号占位符 5">
-            <a:extLst>
-              <a:ext uri="{FF2B5EF4-FFF2-40B4-BE49-F238E27FC236}">
-                <a16:creationId xmlns:a16="http://schemas.microsoft.com/office/drawing/2014/main" id="{2CDF8840-3169-144D-AD64-7474E068EE1D}"/>
-              </a:ext>
-            </a:extLst>
-          </p:cNvPr>
+          <p:cNvPr id="6" name="灯片编号占位符 5"/>
           <p:cNvSpPr>
             <a:spLocks noGrp="1"/>
           </p:cNvSpPr>
@@ -714,18 +625,12 @@
           <a:p>
             <a:fld id="{CB110DF6-DFA0-144C-B003-2EC38CB03D50}" type="slidenum">
               <a:rPr kumimoji="1" lang="zh-CN" altLang="en-US" smtClean="0"/>
-              <a:t>‹#›</a:t>
             </a:fld>
             <a:endParaRPr kumimoji="1" lang="zh-CN" altLang="en-US"/>
           </a:p>
         </p:txBody>
       </p:sp>
     </p:spTree>
-    <p:extLst>
-      <p:ext uri="{BB962C8B-B14F-4D97-AF65-F5344CB8AC3E}">
-        <p14:creationId xmlns:p14="http://schemas.microsoft.com/office/powerpoint/2010/main" val="3830856197"/>
-      </p:ext>
-    </p:extLst>
   </p:cSld>
   <p:clrMapOvr>
     <a:masterClrMapping/>
@@ -733,7 +638,192 @@
 </p:sldLayout>
 </file>
 
-<file path=ppt/slideLayouts/slideLayout2.xml><?xml version="1.0" encoding="utf-8"?>
+<file path=ppt/slideLayouts/slideLayout12.xml><?xml version="1.0" encoding="utf-8"?>
+<p:sldLayout xmlns:a="http://schemas.openxmlformats.org/drawingml/2006/main" xmlns:r="http://schemas.openxmlformats.org/officeDocument/2006/relationships" xmlns:p="http://schemas.openxmlformats.org/presentationml/2006/main" type="title" preserve="1">
+  <p:cSld name="标题幻灯片">
+    <p:spTree>
+      <p:nvGrpSpPr>
+        <p:cNvPr id="1" name=""/>
+        <p:cNvGrpSpPr/>
+        <p:nvPr/>
+      </p:nvGrpSpPr>
+      <p:grpSpPr>
+        <a:xfrm>
+          <a:off x="0" y="0"/>
+          <a:ext cx="0" cy="0"/>
+          <a:chOff x="0" y="0"/>
+          <a:chExt cx="0" cy="0"/>
+        </a:xfrm>
+      </p:grpSpPr>
+      <p:sp>
+        <p:nvSpPr>
+          <p:cNvPr id="2" name="标题 1"/>
+          <p:cNvSpPr>
+            <a:spLocks noGrp="1"/>
+          </p:cNvSpPr>
+          <p:nvPr>
+            <p:ph type="ctrTitle"/>
+          </p:nvPr>
+        </p:nvSpPr>
+        <p:spPr>
+          <a:xfrm>
+            <a:off x="1524000" y="1122363"/>
+            <a:ext cx="9144000" cy="2387600"/>
+          </a:xfrm>
+        </p:spPr>
+        <p:txBody>
+          <a:bodyPr anchor="b"/>
+          <a:lstStyle>
+            <a:lvl1pPr algn="ctr">
+              <a:defRPr sz="6000"/>
+            </a:lvl1pPr>
+          </a:lstStyle>
+          <a:p>
+            <a:r>
+              <a:rPr kumimoji="1" lang="zh-CN" altLang="en-US"/>
+              <a:t>单击此处编辑母版标题样式</a:t>
+            </a:r>
+            <a:endParaRPr kumimoji="1" lang="zh-CN" altLang="en-US"/>
+          </a:p>
+        </p:txBody>
+      </p:sp>
+      <p:sp>
+        <p:nvSpPr>
+          <p:cNvPr id="3" name="副标题 2"/>
+          <p:cNvSpPr>
+            <a:spLocks noGrp="1"/>
+          </p:cNvSpPr>
+          <p:nvPr>
+            <p:ph type="subTitle" idx="1"/>
+          </p:nvPr>
+        </p:nvSpPr>
+        <p:spPr>
+          <a:xfrm>
+            <a:off x="1524000" y="3602038"/>
+            <a:ext cx="9144000" cy="1655762"/>
+          </a:xfrm>
+        </p:spPr>
+        <p:txBody>
+          <a:bodyPr/>
+          <a:lstStyle>
+            <a:lvl1pPr marL="0" indent="0" algn="ctr">
+              <a:buNone/>
+              <a:defRPr sz="2400"/>
+            </a:lvl1pPr>
+            <a:lvl2pPr marL="457200" indent="0" algn="ctr">
+              <a:buNone/>
+              <a:defRPr sz="2000"/>
+            </a:lvl2pPr>
+            <a:lvl3pPr marL="914400" indent="0" algn="ctr">
+              <a:buNone/>
+              <a:defRPr sz="1800"/>
+            </a:lvl3pPr>
+            <a:lvl4pPr marL="1371600" indent="0" algn="ctr">
+              <a:buNone/>
+              <a:defRPr sz="1600"/>
+            </a:lvl4pPr>
+            <a:lvl5pPr marL="1828800" indent="0" algn="ctr">
+              <a:buNone/>
+              <a:defRPr sz="1600"/>
+            </a:lvl5pPr>
+            <a:lvl6pPr marL="2286000" indent="0" algn="ctr">
+              <a:buNone/>
+              <a:defRPr sz="1600"/>
+            </a:lvl6pPr>
+            <a:lvl7pPr marL="2743200" indent="0" algn="ctr">
+              <a:buNone/>
+              <a:defRPr sz="1600"/>
+            </a:lvl7pPr>
+            <a:lvl8pPr marL="3200400" indent="0" algn="ctr">
+              <a:buNone/>
+              <a:defRPr sz="1600"/>
+            </a:lvl8pPr>
+            <a:lvl9pPr marL="3657600" indent="0" algn="ctr">
+              <a:buNone/>
+              <a:defRPr sz="1600"/>
+            </a:lvl9pPr>
+          </a:lstStyle>
+          <a:p>
+            <a:r>
+              <a:rPr kumimoji="1" lang="zh-CN" altLang="en-US"/>
+              <a:t>单击此处编辑母版副标题样式</a:t>
+            </a:r>
+            <a:endParaRPr kumimoji="1" lang="zh-CN" altLang="en-US"/>
+          </a:p>
+        </p:txBody>
+      </p:sp>
+      <p:sp>
+        <p:nvSpPr>
+          <p:cNvPr id="4" name="日期占位符 3"/>
+          <p:cNvSpPr>
+            <a:spLocks noGrp="1"/>
+          </p:cNvSpPr>
+          <p:nvPr>
+            <p:ph type="dt" sz="half" idx="10"/>
+          </p:nvPr>
+        </p:nvSpPr>
+        <p:spPr/>
+        <p:txBody>
+          <a:bodyPr/>
+          <a:lstStyle/>
+          <a:p>
+            <a:fld id="{6CF924FE-3B57-434F-BAF7-60F422A09515}" type="datetimeFigureOut">
+              <a:rPr kumimoji="1" lang="zh-CN" altLang="en-US" smtClean="0"/>
+            </a:fld>
+            <a:endParaRPr kumimoji="1" lang="zh-CN" altLang="en-US"/>
+          </a:p>
+        </p:txBody>
+      </p:sp>
+      <p:sp>
+        <p:nvSpPr>
+          <p:cNvPr id="5" name="页脚占位符 4"/>
+          <p:cNvSpPr>
+            <a:spLocks noGrp="1"/>
+          </p:cNvSpPr>
+          <p:nvPr>
+            <p:ph type="ftr" sz="quarter" idx="11"/>
+          </p:nvPr>
+        </p:nvSpPr>
+        <p:spPr/>
+        <p:txBody>
+          <a:bodyPr/>
+          <a:lstStyle/>
+          <a:p>
+            <a:endParaRPr kumimoji="1" lang="zh-CN" altLang="en-US"/>
+          </a:p>
+        </p:txBody>
+      </p:sp>
+      <p:sp>
+        <p:nvSpPr>
+          <p:cNvPr id="6" name="灯片编号占位符 5"/>
+          <p:cNvSpPr>
+            <a:spLocks noGrp="1"/>
+          </p:cNvSpPr>
+          <p:nvPr>
+            <p:ph type="sldNum" sz="quarter" idx="12"/>
+          </p:nvPr>
+        </p:nvSpPr>
+        <p:spPr/>
+        <p:txBody>
+          <a:bodyPr/>
+          <a:lstStyle/>
+          <a:p>
+            <a:fld id="{CB110DF6-DFA0-144C-B003-2EC38CB03D50}" type="slidenum">
+              <a:rPr kumimoji="1" lang="zh-CN" altLang="en-US" smtClean="0"/>
+            </a:fld>
+            <a:endParaRPr kumimoji="1" lang="zh-CN" altLang="en-US"/>
+          </a:p>
+        </p:txBody>
+      </p:sp>
+    </p:spTree>
+  </p:cSld>
+  <p:clrMapOvr>
+    <a:masterClrMapping/>
+  </p:clrMapOvr>
+</p:sldLayout>
+</file>
+
+<file path=ppt/slideLayouts/slideLayout13.xml><?xml version="1.0" encoding="utf-8"?>
 <p:sldLayout xmlns:a="http://schemas.openxmlformats.org/drawingml/2006/main" xmlns:r="http://schemas.openxmlformats.org/officeDocument/2006/relationships" xmlns:p="http://schemas.openxmlformats.org/presentationml/2006/main" type="obj" preserve="1">
   <p:cSld name="标题和内容">
     <p:spTree>
@@ -752,13 +842,7 @@
       </p:grpSpPr>
       <p:sp>
         <p:nvSpPr>
-          <p:cNvPr id="2" name="标题 1">
-            <a:extLst>
-              <a:ext uri="{FF2B5EF4-FFF2-40B4-BE49-F238E27FC236}">
-                <a16:creationId xmlns:a16="http://schemas.microsoft.com/office/drawing/2014/main" id="{99BA0B25-416D-C34B-9851-607B0ECC047B}"/>
-              </a:ext>
-            </a:extLst>
-          </p:cNvPr>
+          <p:cNvPr id="2" name="标题 1"/>
           <p:cNvSpPr>
             <a:spLocks noGrp="1"/>
           </p:cNvSpPr>
@@ -775,18 +859,13 @@
               <a:rPr kumimoji="1" lang="zh-CN" altLang="en-US"/>
               <a:t>单击此处编辑母版标题样式</a:t>
             </a:r>
-          </a:p>
-        </p:txBody>
-      </p:sp>
-      <p:sp>
-        <p:nvSpPr>
-          <p:cNvPr id="3" name="内容占位符 2">
-            <a:extLst>
-              <a:ext uri="{FF2B5EF4-FFF2-40B4-BE49-F238E27FC236}">
-                <a16:creationId xmlns:a16="http://schemas.microsoft.com/office/drawing/2014/main" id="{A147E294-EDE3-304C-A154-A08EEE725E71}"/>
-              </a:ext>
-            </a:extLst>
-          </p:cNvPr>
+            <a:endParaRPr kumimoji="1" lang="zh-CN" altLang="en-US"/>
+          </a:p>
+        </p:txBody>
+      </p:sp>
+      <p:sp>
+        <p:nvSpPr>
+          <p:cNvPr id="3" name="内容占位符 2"/>
           <p:cNvSpPr>
             <a:spLocks noGrp="1"/>
           </p:cNvSpPr>
@@ -804,6 +883,7 @@
               <a:rPr kumimoji="1" lang="zh-CN" altLang="en-US"/>
               <a:t>单击此处编辑母版文本样式</a:t>
             </a:r>
+            <a:endParaRPr kumimoji="1" lang="zh-CN" altLang="en-US"/>
           </a:p>
           <a:p>
             <a:pPr lvl="1"/>
@@ -811,6 +891,7 @@
               <a:rPr kumimoji="1" lang="zh-CN" altLang="en-US"/>
               <a:t>二级</a:t>
             </a:r>
+            <a:endParaRPr kumimoji="1" lang="zh-CN" altLang="en-US"/>
           </a:p>
           <a:p>
             <a:pPr lvl="2"/>
@@ -818,6 +899,7 @@
               <a:rPr kumimoji="1" lang="zh-CN" altLang="en-US"/>
               <a:t>三级</a:t>
             </a:r>
+            <a:endParaRPr kumimoji="1" lang="zh-CN" altLang="en-US"/>
           </a:p>
           <a:p>
             <a:pPr lvl="3"/>
@@ -825,6 +907,7 @@
               <a:rPr kumimoji="1" lang="zh-CN" altLang="en-US"/>
               <a:t>四级</a:t>
             </a:r>
+            <a:endParaRPr kumimoji="1" lang="zh-CN" altLang="en-US"/>
           </a:p>
           <a:p>
             <a:pPr lvl="4"/>
@@ -832,18 +915,13 @@
               <a:rPr kumimoji="1" lang="zh-CN" altLang="en-US"/>
               <a:t>五级</a:t>
             </a:r>
-          </a:p>
-        </p:txBody>
-      </p:sp>
-      <p:sp>
-        <p:nvSpPr>
-          <p:cNvPr id="4" name="日期占位符 3">
-            <a:extLst>
-              <a:ext uri="{FF2B5EF4-FFF2-40B4-BE49-F238E27FC236}">
-                <a16:creationId xmlns:a16="http://schemas.microsoft.com/office/drawing/2014/main" id="{06B2CE9C-DFE7-1949-8E4C-9A5644587466}"/>
-              </a:ext>
-            </a:extLst>
-          </p:cNvPr>
+            <a:endParaRPr kumimoji="1" lang="zh-CN" altLang="en-US"/>
+          </a:p>
+        </p:txBody>
+      </p:sp>
+      <p:sp>
+        <p:nvSpPr>
+          <p:cNvPr id="4" name="日期占位符 3"/>
           <p:cNvSpPr>
             <a:spLocks noGrp="1"/>
           </p:cNvSpPr>
@@ -858,7 +936,6 @@
           <a:p>
             <a:fld id="{6CF924FE-3B57-434F-BAF7-60F422A09515}" type="datetimeFigureOut">
               <a:rPr kumimoji="1" lang="zh-CN" altLang="en-US" smtClean="0"/>
-              <a:t>2021/5/6</a:t>
             </a:fld>
             <a:endParaRPr kumimoji="1" lang="zh-CN" altLang="en-US"/>
           </a:p>
@@ -866,13 +943,7 @@
       </p:sp>
       <p:sp>
         <p:nvSpPr>
-          <p:cNvPr id="5" name="页脚占位符 4">
-            <a:extLst>
-              <a:ext uri="{FF2B5EF4-FFF2-40B4-BE49-F238E27FC236}">
-                <a16:creationId xmlns:a16="http://schemas.microsoft.com/office/drawing/2014/main" id="{D56BE35C-9150-C34C-BEDF-F6145131CBEA}"/>
-              </a:ext>
-            </a:extLst>
-          </p:cNvPr>
+          <p:cNvPr id="5" name="页脚占位符 4"/>
           <p:cNvSpPr>
             <a:spLocks noGrp="1"/>
           </p:cNvSpPr>
@@ -891,13 +962,7 @@
       </p:sp>
       <p:sp>
         <p:nvSpPr>
-          <p:cNvPr id="6" name="灯片编号占位符 5">
-            <a:extLst>
-              <a:ext uri="{FF2B5EF4-FFF2-40B4-BE49-F238E27FC236}">
-                <a16:creationId xmlns:a16="http://schemas.microsoft.com/office/drawing/2014/main" id="{F5391403-302E-4B48-8952-4459B10EF7D1}"/>
-              </a:ext>
-            </a:extLst>
-          </p:cNvPr>
+          <p:cNvPr id="6" name="灯片编号占位符 5"/>
           <p:cNvSpPr>
             <a:spLocks noGrp="1"/>
           </p:cNvSpPr>
@@ -912,18 +977,12 @@
           <a:p>
             <a:fld id="{CB110DF6-DFA0-144C-B003-2EC38CB03D50}" type="slidenum">
               <a:rPr kumimoji="1" lang="zh-CN" altLang="en-US" smtClean="0"/>
-              <a:t>‹#›</a:t>
             </a:fld>
             <a:endParaRPr kumimoji="1" lang="zh-CN" altLang="en-US"/>
           </a:p>
         </p:txBody>
       </p:sp>
     </p:spTree>
-    <p:extLst>
-      <p:ext uri="{BB962C8B-B14F-4D97-AF65-F5344CB8AC3E}">
-        <p14:creationId xmlns:p14="http://schemas.microsoft.com/office/powerpoint/2010/main" val="16822116"/>
-      </p:ext>
-    </p:extLst>
   </p:cSld>
   <p:clrMapOvr>
     <a:masterClrMapping/>
@@ -931,7 +990,7 @@
 </p:sldLayout>
 </file>
 
-<file path=ppt/slideLayouts/slideLayout3.xml><?xml version="1.0" encoding="utf-8"?>
+<file path=ppt/slideLayouts/slideLayout14.xml><?xml version="1.0" encoding="utf-8"?>
 <p:sldLayout xmlns:a="http://schemas.openxmlformats.org/drawingml/2006/main" xmlns:r="http://schemas.openxmlformats.org/officeDocument/2006/relationships" xmlns:p="http://schemas.openxmlformats.org/presentationml/2006/main" type="secHead" preserve="1">
   <p:cSld name="节标题">
     <p:spTree>
@@ -950,13 +1009,7 @@
       </p:grpSpPr>
       <p:sp>
         <p:nvSpPr>
-          <p:cNvPr id="2" name="标题 1">
-            <a:extLst>
-              <a:ext uri="{FF2B5EF4-FFF2-40B4-BE49-F238E27FC236}">
-                <a16:creationId xmlns:a16="http://schemas.microsoft.com/office/drawing/2014/main" id="{B63033D4-059A-5842-B831-9A812ABD6E60}"/>
-              </a:ext>
-            </a:extLst>
-          </p:cNvPr>
+          <p:cNvPr id="2" name="标题 1"/>
           <p:cNvSpPr>
             <a:spLocks noGrp="1"/>
           </p:cNvSpPr>
@@ -982,18 +1035,13 @@
               <a:rPr kumimoji="1" lang="zh-CN" altLang="en-US"/>
               <a:t>单击此处编辑母版标题样式</a:t>
             </a:r>
-          </a:p>
-        </p:txBody>
-      </p:sp>
-      <p:sp>
-        <p:nvSpPr>
-          <p:cNvPr id="3" name="文本占位符 2">
-            <a:extLst>
-              <a:ext uri="{FF2B5EF4-FFF2-40B4-BE49-F238E27FC236}">
-                <a16:creationId xmlns:a16="http://schemas.microsoft.com/office/drawing/2014/main" id="{1FEAA217-608D-B445-B141-ABCC55394E07}"/>
-              </a:ext>
-            </a:extLst>
-          </p:cNvPr>
+            <a:endParaRPr kumimoji="1" lang="zh-CN" altLang="en-US"/>
+          </a:p>
+        </p:txBody>
+      </p:sp>
+      <p:sp>
+        <p:nvSpPr>
+          <p:cNvPr id="3" name="文本占位符 2"/>
           <p:cNvSpPr>
             <a:spLocks noGrp="1"/>
           </p:cNvSpPr>
@@ -1107,18 +1155,13 @@
               <a:rPr kumimoji="1" lang="zh-CN" altLang="en-US"/>
               <a:t>单击此处编辑母版文本样式</a:t>
             </a:r>
-          </a:p>
-        </p:txBody>
-      </p:sp>
-      <p:sp>
-        <p:nvSpPr>
-          <p:cNvPr id="4" name="日期占位符 3">
-            <a:extLst>
-              <a:ext uri="{FF2B5EF4-FFF2-40B4-BE49-F238E27FC236}">
-                <a16:creationId xmlns:a16="http://schemas.microsoft.com/office/drawing/2014/main" id="{3F0534C5-8162-7843-BD7C-D2A2B17F9098}"/>
-              </a:ext>
-            </a:extLst>
-          </p:cNvPr>
+            <a:endParaRPr kumimoji="1" lang="zh-CN" altLang="en-US"/>
+          </a:p>
+        </p:txBody>
+      </p:sp>
+      <p:sp>
+        <p:nvSpPr>
+          <p:cNvPr id="4" name="日期占位符 3"/>
           <p:cNvSpPr>
             <a:spLocks noGrp="1"/>
           </p:cNvSpPr>
@@ -1133,7 +1176,6 @@
           <a:p>
             <a:fld id="{6CF924FE-3B57-434F-BAF7-60F422A09515}" type="datetimeFigureOut">
               <a:rPr kumimoji="1" lang="zh-CN" altLang="en-US" smtClean="0"/>
-              <a:t>2021/5/6</a:t>
             </a:fld>
             <a:endParaRPr kumimoji="1" lang="zh-CN" altLang="en-US"/>
           </a:p>
@@ -1141,13 +1183,7 @@
       </p:sp>
       <p:sp>
         <p:nvSpPr>
-          <p:cNvPr id="5" name="页脚占位符 4">
-            <a:extLst>
-              <a:ext uri="{FF2B5EF4-FFF2-40B4-BE49-F238E27FC236}">
-                <a16:creationId xmlns:a16="http://schemas.microsoft.com/office/drawing/2014/main" id="{92EF3BC7-C4EE-4849-8A77-F953810747A8}"/>
-              </a:ext>
-            </a:extLst>
-          </p:cNvPr>
+          <p:cNvPr id="5" name="页脚占位符 4"/>
           <p:cNvSpPr>
             <a:spLocks noGrp="1"/>
           </p:cNvSpPr>
@@ -1166,13 +1202,7 @@
       </p:sp>
       <p:sp>
         <p:nvSpPr>
-          <p:cNvPr id="6" name="灯片编号占位符 5">
-            <a:extLst>
-              <a:ext uri="{FF2B5EF4-FFF2-40B4-BE49-F238E27FC236}">
-                <a16:creationId xmlns:a16="http://schemas.microsoft.com/office/drawing/2014/main" id="{91086214-0A26-7740-8B98-77CBC3DD0F67}"/>
-              </a:ext>
-            </a:extLst>
-          </p:cNvPr>
+          <p:cNvPr id="6" name="灯片编号占位符 5"/>
           <p:cNvSpPr>
             <a:spLocks noGrp="1"/>
           </p:cNvSpPr>
@@ -1187,18 +1217,12 @@
           <a:p>
             <a:fld id="{CB110DF6-DFA0-144C-B003-2EC38CB03D50}" type="slidenum">
               <a:rPr kumimoji="1" lang="zh-CN" altLang="en-US" smtClean="0"/>
-              <a:t>‹#›</a:t>
             </a:fld>
             <a:endParaRPr kumimoji="1" lang="zh-CN" altLang="en-US"/>
           </a:p>
         </p:txBody>
       </p:sp>
     </p:spTree>
-    <p:extLst>
-      <p:ext uri="{BB962C8B-B14F-4D97-AF65-F5344CB8AC3E}">
-        <p14:creationId xmlns:p14="http://schemas.microsoft.com/office/powerpoint/2010/main" val="106429873"/>
-      </p:ext>
-    </p:extLst>
   </p:cSld>
   <p:clrMapOvr>
     <a:masterClrMapping/>
@@ -1206,7 +1230,7 @@
 </p:sldLayout>
 </file>
 
-<file path=ppt/slideLayouts/slideLayout4.xml><?xml version="1.0" encoding="utf-8"?>
+<file path=ppt/slideLayouts/slideLayout15.xml><?xml version="1.0" encoding="utf-8"?>
 <p:sldLayout xmlns:a="http://schemas.openxmlformats.org/drawingml/2006/main" xmlns:r="http://schemas.openxmlformats.org/officeDocument/2006/relationships" xmlns:p="http://schemas.openxmlformats.org/presentationml/2006/main" type="twoObj" preserve="1">
   <p:cSld name="两栏内容">
     <p:spTree>
@@ -1225,13 +1249,7 @@
       </p:grpSpPr>
       <p:sp>
         <p:nvSpPr>
-          <p:cNvPr id="2" name="标题 1">
-            <a:extLst>
-              <a:ext uri="{FF2B5EF4-FFF2-40B4-BE49-F238E27FC236}">
-                <a16:creationId xmlns:a16="http://schemas.microsoft.com/office/drawing/2014/main" id="{49851B7A-3257-6640-8723-119674E030C1}"/>
-              </a:ext>
-            </a:extLst>
-          </p:cNvPr>
+          <p:cNvPr id="2" name="标题 1"/>
           <p:cNvSpPr>
             <a:spLocks noGrp="1"/>
           </p:cNvSpPr>
@@ -1248,18 +1266,13 @@
               <a:rPr kumimoji="1" lang="zh-CN" altLang="en-US"/>
               <a:t>单击此处编辑母版标题样式</a:t>
             </a:r>
-          </a:p>
-        </p:txBody>
-      </p:sp>
-      <p:sp>
-        <p:nvSpPr>
-          <p:cNvPr id="3" name="内容占位符 2">
-            <a:extLst>
-              <a:ext uri="{FF2B5EF4-FFF2-40B4-BE49-F238E27FC236}">
-                <a16:creationId xmlns:a16="http://schemas.microsoft.com/office/drawing/2014/main" id="{829295B4-A915-9043-91CF-245E95A46B9C}"/>
-              </a:ext>
-            </a:extLst>
-          </p:cNvPr>
+            <a:endParaRPr kumimoji="1" lang="zh-CN" altLang="en-US"/>
+          </a:p>
+        </p:txBody>
+      </p:sp>
+      <p:sp>
+        <p:nvSpPr>
+          <p:cNvPr id="3" name="内容占位符 2"/>
           <p:cNvSpPr>
             <a:spLocks noGrp="1"/>
           </p:cNvSpPr>
@@ -1282,6 +1295,7 @@
               <a:rPr kumimoji="1" lang="zh-CN" altLang="en-US"/>
               <a:t>单击此处编辑母版文本样式</a:t>
             </a:r>
+            <a:endParaRPr kumimoji="1" lang="zh-CN" altLang="en-US"/>
           </a:p>
           <a:p>
             <a:pPr lvl="1"/>
@@ -1289,6 +1303,7 @@
               <a:rPr kumimoji="1" lang="zh-CN" altLang="en-US"/>
               <a:t>二级</a:t>
             </a:r>
+            <a:endParaRPr kumimoji="1" lang="zh-CN" altLang="en-US"/>
           </a:p>
           <a:p>
             <a:pPr lvl="2"/>
@@ -1296,6 +1311,7 @@
               <a:rPr kumimoji="1" lang="zh-CN" altLang="en-US"/>
               <a:t>三级</a:t>
             </a:r>
+            <a:endParaRPr kumimoji="1" lang="zh-CN" altLang="en-US"/>
           </a:p>
           <a:p>
             <a:pPr lvl="3"/>
@@ -1303,6 +1319,7 @@
               <a:rPr kumimoji="1" lang="zh-CN" altLang="en-US"/>
               <a:t>四级</a:t>
             </a:r>
+            <a:endParaRPr kumimoji="1" lang="zh-CN" altLang="en-US"/>
           </a:p>
           <a:p>
             <a:pPr lvl="4"/>
@@ -1310,18 +1327,13 @@
               <a:rPr kumimoji="1" lang="zh-CN" altLang="en-US"/>
               <a:t>五级</a:t>
             </a:r>
-          </a:p>
-        </p:txBody>
-      </p:sp>
-      <p:sp>
-        <p:nvSpPr>
-          <p:cNvPr id="4" name="内容占位符 3">
-            <a:extLst>
-              <a:ext uri="{FF2B5EF4-FFF2-40B4-BE49-F238E27FC236}">
-                <a16:creationId xmlns:a16="http://schemas.microsoft.com/office/drawing/2014/main" id="{BAD3BC02-5B35-2140-ACDF-E9D77343B7DF}"/>
-              </a:ext>
-            </a:extLst>
-          </p:cNvPr>
+            <a:endParaRPr kumimoji="1" lang="zh-CN" altLang="en-US"/>
+          </a:p>
+        </p:txBody>
+      </p:sp>
+      <p:sp>
+        <p:nvSpPr>
+          <p:cNvPr id="4" name="内容占位符 3"/>
           <p:cNvSpPr>
             <a:spLocks noGrp="1"/>
           </p:cNvSpPr>
@@ -1344,6 +1356,7 @@
               <a:rPr kumimoji="1" lang="zh-CN" altLang="en-US"/>
               <a:t>单击此处编辑母版文本样式</a:t>
             </a:r>
+            <a:endParaRPr kumimoji="1" lang="zh-CN" altLang="en-US"/>
           </a:p>
           <a:p>
             <a:pPr lvl="1"/>
@@ -1351,6 +1364,7 @@
               <a:rPr kumimoji="1" lang="zh-CN" altLang="en-US"/>
               <a:t>二级</a:t>
             </a:r>
+            <a:endParaRPr kumimoji="1" lang="zh-CN" altLang="en-US"/>
           </a:p>
           <a:p>
             <a:pPr lvl="2"/>
@@ -1358,6 +1372,7 @@
               <a:rPr kumimoji="1" lang="zh-CN" altLang="en-US"/>
               <a:t>三级</a:t>
             </a:r>
+            <a:endParaRPr kumimoji="1" lang="zh-CN" altLang="en-US"/>
           </a:p>
           <a:p>
             <a:pPr lvl="3"/>
@@ -1365,6 +1380,7 @@
               <a:rPr kumimoji="1" lang="zh-CN" altLang="en-US"/>
               <a:t>四级</a:t>
             </a:r>
+            <a:endParaRPr kumimoji="1" lang="zh-CN" altLang="en-US"/>
           </a:p>
           <a:p>
             <a:pPr lvl="4"/>
@@ -1372,18 +1388,13 @@
               <a:rPr kumimoji="1" lang="zh-CN" altLang="en-US"/>
               <a:t>五级</a:t>
             </a:r>
-          </a:p>
-        </p:txBody>
-      </p:sp>
-      <p:sp>
-        <p:nvSpPr>
-          <p:cNvPr id="5" name="日期占位符 4">
-            <a:extLst>
-              <a:ext uri="{FF2B5EF4-FFF2-40B4-BE49-F238E27FC236}">
-                <a16:creationId xmlns:a16="http://schemas.microsoft.com/office/drawing/2014/main" id="{2F2CB17B-BD98-FF40-B703-77A276F0309F}"/>
-              </a:ext>
-            </a:extLst>
-          </p:cNvPr>
+            <a:endParaRPr kumimoji="1" lang="zh-CN" altLang="en-US"/>
+          </a:p>
+        </p:txBody>
+      </p:sp>
+      <p:sp>
+        <p:nvSpPr>
+          <p:cNvPr id="5" name="日期占位符 4"/>
           <p:cNvSpPr>
             <a:spLocks noGrp="1"/>
           </p:cNvSpPr>
@@ -1398,7 +1409,6 @@
           <a:p>
             <a:fld id="{6CF924FE-3B57-434F-BAF7-60F422A09515}" type="datetimeFigureOut">
               <a:rPr kumimoji="1" lang="zh-CN" altLang="en-US" smtClean="0"/>
-              <a:t>2021/5/6</a:t>
             </a:fld>
             <a:endParaRPr kumimoji="1" lang="zh-CN" altLang="en-US"/>
           </a:p>
@@ -1406,13 +1416,7 @@
       </p:sp>
       <p:sp>
         <p:nvSpPr>
-          <p:cNvPr id="6" name="页脚占位符 5">
-            <a:extLst>
-              <a:ext uri="{FF2B5EF4-FFF2-40B4-BE49-F238E27FC236}">
-                <a16:creationId xmlns:a16="http://schemas.microsoft.com/office/drawing/2014/main" id="{1E856DF5-B05C-BE44-860A-73216BB980B5}"/>
-              </a:ext>
-            </a:extLst>
-          </p:cNvPr>
+          <p:cNvPr id="6" name="页脚占位符 5"/>
           <p:cNvSpPr>
             <a:spLocks noGrp="1"/>
           </p:cNvSpPr>
@@ -1431,13 +1435,7 @@
       </p:sp>
       <p:sp>
         <p:nvSpPr>
-          <p:cNvPr id="7" name="灯片编号占位符 6">
-            <a:extLst>
-              <a:ext uri="{FF2B5EF4-FFF2-40B4-BE49-F238E27FC236}">
-                <a16:creationId xmlns:a16="http://schemas.microsoft.com/office/drawing/2014/main" id="{ED7E4F14-1157-654A-AC2C-4BA3AFAA4549}"/>
-              </a:ext>
-            </a:extLst>
-          </p:cNvPr>
+          <p:cNvPr id="7" name="灯片编号占位符 6"/>
           <p:cNvSpPr>
             <a:spLocks noGrp="1"/>
           </p:cNvSpPr>
@@ -1452,18 +1450,12 @@
           <a:p>
             <a:fld id="{CB110DF6-DFA0-144C-B003-2EC38CB03D50}" type="slidenum">
               <a:rPr kumimoji="1" lang="zh-CN" altLang="en-US" smtClean="0"/>
-              <a:t>‹#›</a:t>
             </a:fld>
             <a:endParaRPr kumimoji="1" lang="zh-CN" altLang="en-US"/>
           </a:p>
         </p:txBody>
       </p:sp>
     </p:spTree>
-    <p:extLst>
-      <p:ext uri="{BB962C8B-B14F-4D97-AF65-F5344CB8AC3E}">
-        <p14:creationId xmlns:p14="http://schemas.microsoft.com/office/powerpoint/2010/main" val="3717426797"/>
-      </p:ext>
-    </p:extLst>
   </p:cSld>
   <p:clrMapOvr>
     <a:masterClrMapping/>
@@ -1471,7 +1463,7 @@
 </p:sldLayout>
 </file>
 
-<file path=ppt/slideLayouts/slideLayout5.xml><?xml version="1.0" encoding="utf-8"?>
+<file path=ppt/slideLayouts/slideLayout16.xml><?xml version="1.0" encoding="utf-8"?>
 <p:sldLayout xmlns:a="http://schemas.openxmlformats.org/drawingml/2006/main" xmlns:r="http://schemas.openxmlformats.org/officeDocument/2006/relationships" xmlns:p="http://schemas.openxmlformats.org/presentationml/2006/main" type="twoTxTwoObj" preserve="1">
   <p:cSld name="比较">
     <p:spTree>
@@ -1490,13 +1482,7 @@
       </p:grpSpPr>
       <p:sp>
         <p:nvSpPr>
-          <p:cNvPr id="2" name="标题 1">
-            <a:extLst>
-              <a:ext uri="{FF2B5EF4-FFF2-40B4-BE49-F238E27FC236}">
-                <a16:creationId xmlns:a16="http://schemas.microsoft.com/office/drawing/2014/main" id="{A4E985AF-A3BA-6C45-AF58-4E380CB6FC46}"/>
-              </a:ext>
-            </a:extLst>
-          </p:cNvPr>
+          <p:cNvPr id="2" name="标题 1"/>
           <p:cNvSpPr>
             <a:spLocks noGrp="1"/>
           </p:cNvSpPr>
@@ -1518,18 +1504,13 @@
               <a:rPr kumimoji="1" lang="zh-CN" altLang="en-US"/>
               <a:t>单击此处编辑母版标题样式</a:t>
             </a:r>
-          </a:p>
-        </p:txBody>
-      </p:sp>
-      <p:sp>
-        <p:nvSpPr>
-          <p:cNvPr id="3" name="文本占位符 2">
-            <a:extLst>
-              <a:ext uri="{FF2B5EF4-FFF2-40B4-BE49-F238E27FC236}">
-                <a16:creationId xmlns:a16="http://schemas.microsoft.com/office/drawing/2014/main" id="{2E57FD43-5825-2344-91AD-D8E61CEAC281}"/>
-              </a:ext>
-            </a:extLst>
-          </p:cNvPr>
+            <a:endParaRPr kumimoji="1" lang="zh-CN" altLang="en-US"/>
+          </a:p>
+        </p:txBody>
+      </p:sp>
+      <p:sp>
+        <p:nvSpPr>
+          <p:cNvPr id="3" name="文本占位符 2"/>
           <p:cNvSpPr>
             <a:spLocks noGrp="1"/>
           </p:cNvSpPr>
@@ -1589,18 +1570,13 @@
               <a:rPr kumimoji="1" lang="zh-CN" altLang="en-US"/>
               <a:t>单击此处编辑母版文本样式</a:t>
             </a:r>
-          </a:p>
-        </p:txBody>
-      </p:sp>
-      <p:sp>
-        <p:nvSpPr>
-          <p:cNvPr id="4" name="内容占位符 3">
-            <a:extLst>
-              <a:ext uri="{FF2B5EF4-FFF2-40B4-BE49-F238E27FC236}">
-                <a16:creationId xmlns:a16="http://schemas.microsoft.com/office/drawing/2014/main" id="{C97D8F53-A097-1B4E-9649-5A52806027DF}"/>
-              </a:ext>
-            </a:extLst>
-          </p:cNvPr>
+            <a:endParaRPr kumimoji="1" lang="zh-CN" altLang="en-US"/>
+          </a:p>
+        </p:txBody>
+      </p:sp>
+      <p:sp>
+        <p:nvSpPr>
+          <p:cNvPr id="4" name="内容占位符 3"/>
           <p:cNvSpPr>
             <a:spLocks noGrp="1"/>
           </p:cNvSpPr>
@@ -1623,6 +1599,7 @@
               <a:rPr kumimoji="1" lang="zh-CN" altLang="en-US"/>
               <a:t>单击此处编辑母版文本样式</a:t>
             </a:r>
+            <a:endParaRPr kumimoji="1" lang="zh-CN" altLang="en-US"/>
           </a:p>
           <a:p>
             <a:pPr lvl="1"/>
@@ -1630,6 +1607,7 @@
               <a:rPr kumimoji="1" lang="zh-CN" altLang="en-US"/>
               <a:t>二级</a:t>
             </a:r>
+            <a:endParaRPr kumimoji="1" lang="zh-CN" altLang="en-US"/>
           </a:p>
           <a:p>
             <a:pPr lvl="2"/>
@@ -1637,6 +1615,7 @@
               <a:rPr kumimoji="1" lang="zh-CN" altLang="en-US"/>
               <a:t>三级</a:t>
             </a:r>
+            <a:endParaRPr kumimoji="1" lang="zh-CN" altLang="en-US"/>
           </a:p>
           <a:p>
             <a:pPr lvl="3"/>
@@ -1644,6 +1623,7 @@
               <a:rPr kumimoji="1" lang="zh-CN" altLang="en-US"/>
               <a:t>四级</a:t>
             </a:r>
+            <a:endParaRPr kumimoji="1" lang="zh-CN" altLang="en-US"/>
           </a:p>
           <a:p>
             <a:pPr lvl="4"/>
@@ -1651,18 +1631,13 @@
               <a:rPr kumimoji="1" lang="zh-CN" altLang="en-US"/>
               <a:t>五级</a:t>
             </a:r>
-          </a:p>
-        </p:txBody>
-      </p:sp>
-      <p:sp>
-        <p:nvSpPr>
-          <p:cNvPr id="5" name="文本占位符 4">
-            <a:extLst>
-              <a:ext uri="{FF2B5EF4-FFF2-40B4-BE49-F238E27FC236}">
-                <a16:creationId xmlns:a16="http://schemas.microsoft.com/office/drawing/2014/main" id="{4CBA0172-FFC0-9A4E-AE7E-0641F47D009A}"/>
-              </a:ext>
-            </a:extLst>
-          </p:cNvPr>
+            <a:endParaRPr kumimoji="1" lang="zh-CN" altLang="en-US"/>
+          </a:p>
+        </p:txBody>
+      </p:sp>
+      <p:sp>
+        <p:nvSpPr>
+          <p:cNvPr id="5" name="文本占位符 4"/>
           <p:cNvSpPr>
             <a:spLocks noGrp="1"/>
           </p:cNvSpPr>
@@ -1722,18 +1697,13 @@
               <a:rPr kumimoji="1" lang="zh-CN" altLang="en-US"/>
               <a:t>单击此处编辑母版文本样式</a:t>
             </a:r>
-          </a:p>
-        </p:txBody>
-      </p:sp>
-      <p:sp>
-        <p:nvSpPr>
-          <p:cNvPr id="6" name="内容占位符 5">
-            <a:extLst>
-              <a:ext uri="{FF2B5EF4-FFF2-40B4-BE49-F238E27FC236}">
-                <a16:creationId xmlns:a16="http://schemas.microsoft.com/office/drawing/2014/main" id="{1F83021A-FC80-6E4F-9210-28B27DC011DD}"/>
-              </a:ext>
-            </a:extLst>
-          </p:cNvPr>
+            <a:endParaRPr kumimoji="1" lang="zh-CN" altLang="en-US"/>
+          </a:p>
+        </p:txBody>
+      </p:sp>
+      <p:sp>
+        <p:nvSpPr>
+          <p:cNvPr id="6" name="内容占位符 5"/>
           <p:cNvSpPr>
             <a:spLocks noGrp="1"/>
           </p:cNvSpPr>
@@ -1756,6 +1726,7 @@
               <a:rPr kumimoji="1" lang="zh-CN" altLang="en-US"/>
               <a:t>单击此处编辑母版文本样式</a:t>
             </a:r>
+            <a:endParaRPr kumimoji="1" lang="zh-CN" altLang="en-US"/>
           </a:p>
           <a:p>
             <a:pPr lvl="1"/>
@@ -1763,6 +1734,7 @@
               <a:rPr kumimoji="1" lang="zh-CN" altLang="en-US"/>
               <a:t>二级</a:t>
             </a:r>
+            <a:endParaRPr kumimoji="1" lang="zh-CN" altLang="en-US"/>
           </a:p>
           <a:p>
             <a:pPr lvl="2"/>
@@ -1770,6 +1742,7 @@
               <a:rPr kumimoji="1" lang="zh-CN" altLang="en-US"/>
               <a:t>三级</a:t>
             </a:r>
+            <a:endParaRPr kumimoji="1" lang="zh-CN" altLang="en-US"/>
           </a:p>
           <a:p>
             <a:pPr lvl="3"/>
@@ -1777,6 +1750,7 @@
               <a:rPr kumimoji="1" lang="zh-CN" altLang="en-US"/>
               <a:t>四级</a:t>
             </a:r>
+            <a:endParaRPr kumimoji="1" lang="zh-CN" altLang="en-US"/>
           </a:p>
           <a:p>
             <a:pPr lvl="4"/>
@@ -1784,18 +1758,13 @@
               <a:rPr kumimoji="1" lang="zh-CN" altLang="en-US"/>
               <a:t>五级</a:t>
             </a:r>
-          </a:p>
-        </p:txBody>
-      </p:sp>
-      <p:sp>
-        <p:nvSpPr>
-          <p:cNvPr id="7" name="日期占位符 6">
-            <a:extLst>
-              <a:ext uri="{FF2B5EF4-FFF2-40B4-BE49-F238E27FC236}">
-                <a16:creationId xmlns:a16="http://schemas.microsoft.com/office/drawing/2014/main" id="{4368251A-3D27-C14E-93B1-E012E9CC2861}"/>
-              </a:ext>
-            </a:extLst>
-          </p:cNvPr>
+            <a:endParaRPr kumimoji="1" lang="zh-CN" altLang="en-US"/>
+          </a:p>
+        </p:txBody>
+      </p:sp>
+      <p:sp>
+        <p:nvSpPr>
+          <p:cNvPr id="7" name="日期占位符 6"/>
           <p:cNvSpPr>
             <a:spLocks noGrp="1"/>
           </p:cNvSpPr>
@@ -1810,7 +1779,6 @@
           <a:p>
             <a:fld id="{6CF924FE-3B57-434F-BAF7-60F422A09515}" type="datetimeFigureOut">
               <a:rPr kumimoji="1" lang="zh-CN" altLang="en-US" smtClean="0"/>
-              <a:t>2021/5/6</a:t>
             </a:fld>
             <a:endParaRPr kumimoji="1" lang="zh-CN" altLang="en-US"/>
           </a:p>
@@ -1818,13 +1786,7 @@
       </p:sp>
       <p:sp>
         <p:nvSpPr>
-          <p:cNvPr id="8" name="页脚占位符 7">
-            <a:extLst>
-              <a:ext uri="{FF2B5EF4-FFF2-40B4-BE49-F238E27FC236}">
-                <a16:creationId xmlns:a16="http://schemas.microsoft.com/office/drawing/2014/main" id="{6E06F31D-4182-6440-B330-C76E9D07F7E7}"/>
-              </a:ext>
-            </a:extLst>
-          </p:cNvPr>
+          <p:cNvPr id="8" name="页脚占位符 7"/>
           <p:cNvSpPr>
             <a:spLocks noGrp="1"/>
           </p:cNvSpPr>
@@ -1843,13 +1805,7 @@
       </p:sp>
       <p:sp>
         <p:nvSpPr>
-          <p:cNvPr id="9" name="灯片编号占位符 8">
-            <a:extLst>
-              <a:ext uri="{FF2B5EF4-FFF2-40B4-BE49-F238E27FC236}">
-                <a16:creationId xmlns:a16="http://schemas.microsoft.com/office/drawing/2014/main" id="{CAC165D9-F795-A544-B3BD-543B3520263B}"/>
-              </a:ext>
-            </a:extLst>
-          </p:cNvPr>
+          <p:cNvPr id="9" name="灯片编号占位符 8"/>
           <p:cNvSpPr>
             <a:spLocks noGrp="1"/>
           </p:cNvSpPr>
@@ -1864,18 +1820,12 @@
           <a:p>
             <a:fld id="{CB110DF6-DFA0-144C-B003-2EC38CB03D50}" type="slidenum">
               <a:rPr kumimoji="1" lang="zh-CN" altLang="en-US" smtClean="0"/>
-              <a:t>‹#›</a:t>
             </a:fld>
             <a:endParaRPr kumimoji="1" lang="zh-CN" altLang="en-US"/>
           </a:p>
         </p:txBody>
       </p:sp>
     </p:spTree>
-    <p:extLst>
-      <p:ext uri="{BB962C8B-B14F-4D97-AF65-F5344CB8AC3E}">
-        <p14:creationId xmlns:p14="http://schemas.microsoft.com/office/powerpoint/2010/main" val="1004547111"/>
-      </p:ext>
-    </p:extLst>
   </p:cSld>
   <p:clrMapOvr>
     <a:masterClrMapping/>
@@ -1883,7 +1833,7 @@
 </p:sldLayout>
 </file>
 
-<file path=ppt/slideLayouts/slideLayout6.xml><?xml version="1.0" encoding="utf-8"?>
+<file path=ppt/slideLayouts/slideLayout17.xml><?xml version="1.0" encoding="utf-8"?>
 <p:sldLayout xmlns:a="http://schemas.openxmlformats.org/drawingml/2006/main" xmlns:r="http://schemas.openxmlformats.org/officeDocument/2006/relationships" xmlns:p="http://schemas.openxmlformats.org/presentationml/2006/main" type="titleOnly" preserve="1">
   <p:cSld name="仅标题">
     <p:spTree>
@@ -1902,13 +1852,7 @@
       </p:grpSpPr>
       <p:sp>
         <p:nvSpPr>
-          <p:cNvPr id="2" name="标题 1">
-            <a:extLst>
-              <a:ext uri="{FF2B5EF4-FFF2-40B4-BE49-F238E27FC236}">
-                <a16:creationId xmlns:a16="http://schemas.microsoft.com/office/drawing/2014/main" id="{28268B7B-FAD2-9042-9BA2-8E79375E8413}"/>
-              </a:ext>
-            </a:extLst>
-          </p:cNvPr>
+          <p:cNvPr id="2" name="标题 1"/>
           <p:cNvSpPr>
             <a:spLocks noGrp="1"/>
           </p:cNvSpPr>
@@ -1925,18 +1869,13 @@
               <a:rPr kumimoji="1" lang="zh-CN" altLang="en-US"/>
               <a:t>单击此处编辑母版标题样式</a:t>
             </a:r>
-          </a:p>
-        </p:txBody>
-      </p:sp>
-      <p:sp>
-        <p:nvSpPr>
-          <p:cNvPr id="3" name="日期占位符 2">
-            <a:extLst>
-              <a:ext uri="{FF2B5EF4-FFF2-40B4-BE49-F238E27FC236}">
-                <a16:creationId xmlns:a16="http://schemas.microsoft.com/office/drawing/2014/main" id="{997010A0-068C-BE4D-B87C-C671D0EAA1CC}"/>
-              </a:ext>
-            </a:extLst>
-          </p:cNvPr>
+            <a:endParaRPr kumimoji="1" lang="zh-CN" altLang="en-US"/>
+          </a:p>
+        </p:txBody>
+      </p:sp>
+      <p:sp>
+        <p:nvSpPr>
+          <p:cNvPr id="3" name="日期占位符 2"/>
           <p:cNvSpPr>
             <a:spLocks noGrp="1"/>
           </p:cNvSpPr>
@@ -1951,7 +1890,6 @@
           <a:p>
             <a:fld id="{6CF924FE-3B57-434F-BAF7-60F422A09515}" type="datetimeFigureOut">
               <a:rPr kumimoji="1" lang="zh-CN" altLang="en-US" smtClean="0"/>
-              <a:t>2021/5/6</a:t>
             </a:fld>
             <a:endParaRPr kumimoji="1" lang="zh-CN" altLang="en-US"/>
           </a:p>
@@ -1959,13 +1897,7 @@
       </p:sp>
       <p:sp>
         <p:nvSpPr>
-          <p:cNvPr id="4" name="页脚占位符 3">
-            <a:extLst>
-              <a:ext uri="{FF2B5EF4-FFF2-40B4-BE49-F238E27FC236}">
-                <a16:creationId xmlns:a16="http://schemas.microsoft.com/office/drawing/2014/main" id="{8096255C-07E3-6049-B94A-237F5B000A34}"/>
-              </a:ext>
-            </a:extLst>
-          </p:cNvPr>
+          <p:cNvPr id="4" name="页脚占位符 3"/>
           <p:cNvSpPr>
             <a:spLocks noGrp="1"/>
           </p:cNvSpPr>
@@ -1984,13 +1916,7 @@
       </p:sp>
       <p:sp>
         <p:nvSpPr>
-          <p:cNvPr id="5" name="灯片编号占位符 4">
-            <a:extLst>
-              <a:ext uri="{FF2B5EF4-FFF2-40B4-BE49-F238E27FC236}">
-                <a16:creationId xmlns:a16="http://schemas.microsoft.com/office/drawing/2014/main" id="{6457453D-C9D1-CF40-959C-68EE0CBFEDA2}"/>
-              </a:ext>
-            </a:extLst>
-          </p:cNvPr>
+          <p:cNvPr id="5" name="灯片编号占位符 4"/>
           <p:cNvSpPr>
             <a:spLocks noGrp="1"/>
           </p:cNvSpPr>
@@ -2005,18 +1931,12 @@
           <a:p>
             <a:fld id="{CB110DF6-DFA0-144C-B003-2EC38CB03D50}" type="slidenum">
               <a:rPr kumimoji="1" lang="zh-CN" altLang="en-US" smtClean="0"/>
-              <a:t>‹#›</a:t>
             </a:fld>
             <a:endParaRPr kumimoji="1" lang="zh-CN" altLang="en-US"/>
           </a:p>
         </p:txBody>
       </p:sp>
     </p:spTree>
-    <p:extLst>
-      <p:ext uri="{BB962C8B-B14F-4D97-AF65-F5344CB8AC3E}">
-        <p14:creationId xmlns:p14="http://schemas.microsoft.com/office/powerpoint/2010/main" val="3887173264"/>
-      </p:ext>
-    </p:extLst>
   </p:cSld>
   <p:clrMapOvr>
     <a:masterClrMapping/>
@@ -2024,7 +1944,7 @@
 </p:sldLayout>
 </file>
 
-<file path=ppt/slideLayouts/slideLayout7.xml><?xml version="1.0" encoding="utf-8"?>
+<file path=ppt/slideLayouts/slideLayout18.xml><?xml version="1.0" encoding="utf-8"?>
 <p:sldLayout xmlns:a="http://schemas.openxmlformats.org/drawingml/2006/main" xmlns:r="http://schemas.openxmlformats.org/officeDocument/2006/relationships" xmlns:p="http://schemas.openxmlformats.org/presentationml/2006/main" type="blank" preserve="1">
   <p:cSld name="空白">
     <p:spTree>
@@ -2043,13 +1963,7 @@
       </p:grpSpPr>
       <p:sp>
         <p:nvSpPr>
-          <p:cNvPr id="2" name="日期占位符 1">
-            <a:extLst>
-              <a:ext uri="{FF2B5EF4-FFF2-40B4-BE49-F238E27FC236}">
-                <a16:creationId xmlns:a16="http://schemas.microsoft.com/office/drawing/2014/main" id="{DD7912D3-5D63-0C4A-9282-8DC3AE99BFAE}"/>
-              </a:ext>
-            </a:extLst>
-          </p:cNvPr>
+          <p:cNvPr id="2" name="日期占位符 1"/>
           <p:cNvSpPr>
             <a:spLocks noGrp="1"/>
           </p:cNvSpPr>
@@ -2064,7 +1978,6 @@
           <a:p>
             <a:fld id="{6CF924FE-3B57-434F-BAF7-60F422A09515}" type="datetimeFigureOut">
               <a:rPr kumimoji="1" lang="zh-CN" altLang="en-US" smtClean="0"/>
-              <a:t>2021/5/6</a:t>
             </a:fld>
             <a:endParaRPr kumimoji="1" lang="zh-CN" altLang="en-US"/>
           </a:p>
@@ -2072,13 +1985,7 @@
       </p:sp>
       <p:sp>
         <p:nvSpPr>
-          <p:cNvPr id="3" name="页脚占位符 2">
-            <a:extLst>
-              <a:ext uri="{FF2B5EF4-FFF2-40B4-BE49-F238E27FC236}">
-                <a16:creationId xmlns:a16="http://schemas.microsoft.com/office/drawing/2014/main" id="{F058B9B8-8C02-9C48-A485-9854E6670D08}"/>
-              </a:ext>
-            </a:extLst>
-          </p:cNvPr>
+          <p:cNvPr id="3" name="页脚占位符 2"/>
           <p:cNvSpPr>
             <a:spLocks noGrp="1"/>
           </p:cNvSpPr>
@@ -2097,13 +2004,7 @@
       </p:sp>
       <p:sp>
         <p:nvSpPr>
-          <p:cNvPr id="4" name="灯片编号占位符 3">
-            <a:extLst>
-              <a:ext uri="{FF2B5EF4-FFF2-40B4-BE49-F238E27FC236}">
-                <a16:creationId xmlns:a16="http://schemas.microsoft.com/office/drawing/2014/main" id="{06ADC54E-5B47-2548-A0BD-7C4C139A26EE}"/>
-              </a:ext>
-            </a:extLst>
-          </p:cNvPr>
+          <p:cNvPr id="4" name="灯片编号占位符 3"/>
           <p:cNvSpPr>
             <a:spLocks noGrp="1"/>
           </p:cNvSpPr>
@@ -2118,18 +2019,12 @@
           <a:p>
             <a:fld id="{CB110DF6-DFA0-144C-B003-2EC38CB03D50}" type="slidenum">
               <a:rPr kumimoji="1" lang="zh-CN" altLang="en-US" smtClean="0"/>
-              <a:t>‹#›</a:t>
             </a:fld>
             <a:endParaRPr kumimoji="1" lang="zh-CN" altLang="en-US"/>
           </a:p>
         </p:txBody>
       </p:sp>
     </p:spTree>
-    <p:extLst>
-      <p:ext uri="{BB962C8B-B14F-4D97-AF65-F5344CB8AC3E}">
-        <p14:creationId xmlns:p14="http://schemas.microsoft.com/office/powerpoint/2010/main" val="3278035209"/>
-      </p:ext>
-    </p:extLst>
   </p:cSld>
   <p:clrMapOvr>
     <a:masterClrMapping/>
@@ -2137,7 +2032,7 @@
 </p:sldLayout>
 </file>
 
-<file path=ppt/slideLayouts/slideLayout8.xml><?xml version="1.0" encoding="utf-8"?>
+<file path=ppt/slideLayouts/slideLayout19.xml><?xml version="1.0" encoding="utf-8"?>
 <p:sldLayout xmlns:a="http://schemas.openxmlformats.org/drawingml/2006/main" xmlns:r="http://schemas.openxmlformats.org/officeDocument/2006/relationships" xmlns:p="http://schemas.openxmlformats.org/presentationml/2006/main" type="objTx" preserve="1">
   <p:cSld name="内容与标题">
     <p:spTree>
@@ -2156,13 +2051,7 @@
       </p:grpSpPr>
       <p:sp>
         <p:nvSpPr>
-          <p:cNvPr id="2" name="标题 1">
-            <a:extLst>
-              <a:ext uri="{FF2B5EF4-FFF2-40B4-BE49-F238E27FC236}">
-                <a16:creationId xmlns:a16="http://schemas.microsoft.com/office/drawing/2014/main" id="{E66DFD21-FD73-CC4B-85BD-38D58EE7A303}"/>
-              </a:ext>
-            </a:extLst>
-          </p:cNvPr>
+          <p:cNvPr id="2" name="标题 1"/>
           <p:cNvSpPr>
             <a:spLocks noGrp="1"/>
           </p:cNvSpPr>
@@ -2188,18 +2077,13 @@
               <a:rPr kumimoji="1" lang="zh-CN" altLang="en-US"/>
               <a:t>单击此处编辑母版标题样式</a:t>
             </a:r>
-          </a:p>
-        </p:txBody>
-      </p:sp>
-      <p:sp>
-        <p:nvSpPr>
-          <p:cNvPr id="3" name="内容占位符 2">
-            <a:extLst>
-              <a:ext uri="{FF2B5EF4-FFF2-40B4-BE49-F238E27FC236}">
-                <a16:creationId xmlns:a16="http://schemas.microsoft.com/office/drawing/2014/main" id="{CB74C485-62F6-A949-B5D8-CB209AED69A1}"/>
-              </a:ext>
-            </a:extLst>
-          </p:cNvPr>
+            <a:endParaRPr kumimoji="1" lang="zh-CN" altLang="en-US"/>
+          </a:p>
+        </p:txBody>
+      </p:sp>
+      <p:sp>
+        <p:nvSpPr>
+          <p:cNvPr id="3" name="内容占位符 2"/>
           <p:cNvSpPr>
             <a:spLocks noGrp="1"/>
           </p:cNvSpPr>
@@ -2250,6 +2134,7 @@
               <a:rPr kumimoji="1" lang="zh-CN" altLang="en-US"/>
               <a:t>单击此处编辑母版文本样式</a:t>
             </a:r>
+            <a:endParaRPr kumimoji="1" lang="zh-CN" altLang="en-US"/>
           </a:p>
           <a:p>
             <a:pPr lvl="1"/>
@@ -2257,6 +2142,7 @@
               <a:rPr kumimoji="1" lang="zh-CN" altLang="en-US"/>
               <a:t>二级</a:t>
             </a:r>
+            <a:endParaRPr kumimoji="1" lang="zh-CN" altLang="en-US"/>
           </a:p>
           <a:p>
             <a:pPr lvl="2"/>
@@ -2264,6 +2150,7 @@
               <a:rPr kumimoji="1" lang="zh-CN" altLang="en-US"/>
               <a:t>三级</a:t>
             </a:r>
+            <a:endParaRPr kumimoji="1" lang="zh-CN" altLang="en-US"/>
           </a:p>
           <a:p>
             <a:pPr lvl="3"/>
@@ -2271,6 +2158,7 @@
               <a:rPr kumimoji="1" lang="zh-CN" altLang="en-US"/>
               <a:t>四级</a:t>
             </a:r>
+            <a:endParaRPr kumimoji="1" lang="zh-CN" altLang="en-US"/>
           </a:p>
           <a:p>
             <a:pPr lvl="4"/>
@@ -2278,18 +2166,13 @@
               <a:rPr kumimoji="1" lang="zh-CN" altLang="en-US"/>
               <a:t>五级</a:t>
             </a:r>
-          </a:p>
-        </p:txBody>
-      </p:sp>
-      <p:sp>
-        <p:nvSpPr>
-          <p:cNvPr id="4" name="文本占位符 3">
-            <a:extLst>
-              <a:ext uri="{FF2B5EF4-FFF2-40B4-BE49-F238E27FC236}">
-                <a16:creationId xmlns:a16="http://schemas.microsoft.com/office/drawing/2014/main" id="{F2583663-D5CD-104B-BF1B-D7E247426388}"/>
-              </a:ext>
-            </a:extLst>
-          </p:cNvPr>
+            <a:endParaRPr kumimoji="1" lang="zh-CN" altLang="en-US"/>
+          </a:p>
+        </p:txBody>
+      </p:sp>
+      <p:sp>
+        <p:nvSpPr>
+          <p:cNvPr id="4" name="文本占位符 3"/>
           <p:cNvSpPr>
             <a:spLocks noGrp="1"/>
           </p:cNvSpPr>
@@ -2349,18 +2232,13 @@
               <a:rPr kumimoji="1" lang="zh-CN" altLang="en-US"/>
               <a:t>单击此处编辑母版文本样式</a:t>
             </a:r>
-          </a:p>
-        </p:txBody>
-      </p:sp>
-      <p:sp>
-        <p:nvSpPr>
-          <p:cNvPr id="5" name="日期占位符 4">
-            <a:extLst>
-              <a:ext uri="{FF2B5EF4-FFF2-40B4-BE49-F238E27FC236}">
-                <a16:creationId xmlns:a16="http://schemas.microsoft.com/office/drawing/2014/main" id="{16B3F733-88B6-DB47-9962-2C63FEE4A316}"/>
-              </a:ext>
-            </a:extLst>
-          </p:cNvPr>
+            <a:endParaRPr kumimoji="1" lang="zh-CN" altLang="en-US"/>
+          </a:p>
+        </p:txBody>
+      </p:sp>
+      <p:sp>
+        <p:nvSpPr>
+          <p:cNvPr id="5" name="日期占位符 4"/>
           <p:cNvSpPr>
             <a:spLocks noGrp="1"/>
           </p:cNvSpPr>
@@ -2375,7 +2253,6 @@
           <a:p>
             <a:fld id="{6CF924FE-3B57-434F-BAF7-60F422A09515}" type="datetimeFigureOut">
               <a:rPr kumimoji="1" lang="zh-CN" altLang="en-US" smtClean="0"/>
-              <a:t>2021/5/6</a:t>
             </a:fld>
             <a:endParaRPr kumimoji="1" lang="zh-CN" altLang="en-US"/>
           </a:p>
@@ -2383,13 +2260,7 @@
       </p:sp>
       <p:sp>
         <p:nvSpPr>
-          <p:cNvPr id="6" name="页脚占位符 5">
-            <a:extLst>
-              <a:ext uri="{FF2B5EF4-FFF2-40B4-BE49-F238E27FC236}">
-                <a16:creationId xmlns:a16="http://schemas.microsoft.com/office/drawing/2014/main" id="{95679BAC-C4CE-9041-982C-21DDFF2C4316}"/>
-              </a:ext>
-            </a:extLst>
-          </p:cNvPr>
+          <p:cNvPr id="6" name="页脚占位符 5"/>
           <p:cNvSpPr>
             <a:spLocks noGrp="1"/>
           </p:cNvSpPr>
@@ -2408,13 +2279,7 @@
       </p:sp>
       <p:sp>
         <p:nvSpPr>
-          <p:cNvPr id="7" name="灯片编号占位符 6">
-            <a:extLst>
-              <a:ext uri="{FF2B5EF4-FFF2-40B4-BE49-F238E27FC236}">
-                <a16:creationId xmlns:a16="http://schemas.microsoft.com/office/drawing/2014/main" id="{5BEC3B1F-758B-6342-8338-EC3F13611612}"/>
-              </a:ext>
-            </a:extLst>
-          </p:cNvPr>
+          <p:cNvPr id="7" name="灯片编号占位符 6"/>
           <p:cNvSpPr>
             <a:spLocks noGrp="1"/>
           </p:cNvSpPr>
@@ -2429,18 +2294,2087 @@
           <a:p>
             <a:fld id="{CB110DF6-DFA0-144C-B003-2EC38CB03D50}" type="slidenum">
               <a:rPr kumimoji="1" lang="zh-CN" altLang="en-US" smtClean="0"/>
-              <a:t>‹#›</a:t>
             </a:fld>
             <a:endParaRPr kumimoji="1" lang="zh-CN" altLang="en-US"/>
           </a:p>
         </p:txBody>
       </p:sp>
     </p:spTree>
-    <p:extLst>
-      <p:ext uri="{BB962C8B-B14F-4D97-AF65-F5344CB8AC3E}">
-        <p14:creationId xmlns:p14="http://schemas.microsoft.com/office/powerpoint/2010/main" val="4195229921"/>
-      </p:ext>
-    </p:extLst>
+  </p:cSld>
+  <p:clrMapOvr>
+    <a:masterClrMapping/>
+  </p:clrMapOvr>
+</p:sldLayout>
+</file>
+
+<file path=ppt/slideLayouts/slideLayout2.xml><?xml version="1.0" encoding="utf-8"?>
+<p:sldLayout xmlns:a="http://schemas.openxmlformats.org/drawingml/2006/main" xmlns:r="http://schemas.openxmlformats.org/officeDocument/2006/relationships" xmlns:p="http://schemas.openxmlformats.org/presentationml/2006/main" type="obj" preserve="1">
+  <p:cSld name="标题和内容">
+    <p:spTree>
+      <p:nvGrpSpPr>
+        <p:cNvPr id="1" name=""/>
+        <p:cNvGrpSpPr/>
+        <p:nvPr/>
+      </p:nvGrpSpPr>
+      <p:grpSpPr>
+        <a:xfrm>
+          <a:off x="0" y="0"/>
+          <a:ext cx="0" cy="0"/>
+          <a:chOff x="0" y="0"/>
+          <a:chExt cx="0" cy="0"/>
+        </a:xfrm>
+      </p:grpSpPr>
+      <p:sp>
+        <p:nvSpPr>
+          <p:cNvPr id="2" name="标题 1"/>
+          <p:cNvSpPr>
+            <a:spLocks noGrp="1"/>
+          </p:cNvSpPr>
+          <p:nvPr>
+            <p:ph type="title"/>
+          </p:nvPr>
+        </p:nvSpPr>
+        <p:spPr/>
+        <p:txBody>
+          <a:bodyPr/>
+          <a:lstStyle/>
+          <a:p>
+            <a:r>
+              <a:rPr kumimoji="1" lang="zh-CN" altLang="en-US"/>
+              <a:t>单击此处编辑母版标题样式</a:t>
+            </a:r>
+            <a:endParaRPr kumimoji="1" lang="zh-CN" altLang="en-US"/>
+          </a:p>
+        </p:txBody>
+      </p:sp>
+      <p:sp>
+        <p:nvSpPr>
+          <p:cNvPr id="3" name="内容占位符 2"/>
+          <p:cNvSpPr>
+            <a:spLocks noGrp="1"/>
+          </p:cNvSpPr>
+          <p:nvPr>
+            <p:ph idx="1"/>
+          </p:nvPr>
+        </p:nvSpPr>
+        <p:spPr/>
+        <p:txBody>
+          <a:bodyPr/>
+          <a:lstStyle/>
+          <a:p>
+            <a:pPr lvl="0"/>
+            <a:r>
+              <a:rPr kumimoji="1" lang="zh-CN" altLang="en-US"/>
+              <a:t>单击此处编辑母版文本样式</a:t>
+            </a:r>
+            <a:endParaRPr kumimoji="1" lang="zh-CN" altLang="en-US"/>
+          </a:p>
+          <a:p>
+            <a:pPr lvl="1"/>
+            <a:r>
+              <a:rPr kumimoji="1" lang="zh-CN" altLang="en-US"/>
+              <a:t>二级</a:t>
+            </a:r>
+            <a:endParaRPr kumimoji="1" lang="zh-CN" altLang="en-US"/>
+          </a:p>
+          <a:p>
+            <a:pPr lvl="2"/>
+            <a:r>
+              <a:rPr kumimoji="1" lang="zh-CN" altLang="en-US"/>
+              <a:t>三级</a:t>
+            </a:r>
+            <a:endParaRPr kumimoji="1" lang="zh-CN" altLang="en-US"/>
+          </a:p>
+          <a:p>
+            <a:pPr lvl="3"/>
+            <a:r>
+              <a:rPr kumimoji="1" lang="zh-CN" altLang="en-US"/>
+              <a:t>四级</a:t>
+            </a:r>
+            <a:endParaRPr kumimoji="1" lang="zh-CN" altLang="en-US"/>
+          </a:p>
+          <a:p>
+            <a:pPr lvl="4"/>
+            <a:r>
+              <a:rPr kumimoji="1" lang="zh-CN" altLang="en-US"/>
+              <a:t>五级</a:t>
+            </a:r>
+            <a:endParaRPr kumimoji="1" lang="zh-CN" altLang="en-US"/>
+          </a:p>
+        </p:txBody>
+      </p:sp>
+      <p:sp>
+        <p:nvSpPr>
+          <p:cNvPr id="4" name="日期占位符 3"/>
+          <p:cNvSpPr>
+            <a:spLocks noGrp="1"/>
+          </p:cNvSpPr>
+          <p:nvPr>
+            <p:ph type="dt" sz="half" idx="10"/>
+          </p:nvPr>
+        </p:nvSpPr>
+        <p:spPr/>
+        <p:txBody>
+          <a:bodyPr/>
+          <a:lstStyle/>
+          <a:p>
+            <a:fld id="{6CF924FE-3B57-434F-BAF7-60F422A09515}" type="datetimeFigureOut">
+              <a:rPr kumimoji="1" lang="zh-CN" altLang="en-US" smtClean="0"/>
+            </a:fld>
+            <a:endParaRPr kumimoji="1" lang="zh-CN" altLang="en-US"/>
+          </a:p>
+        </p:txBody>
+      </p:sp>
+      <p:sp>
+        <p:nvSpPr>
+          <p:cNvPr id="5" name="页脚占位符 4"/>
+          <p:cNvSpPr>
+            <a:spLocks noGrp="1"/>
+          </p:cNvSpPr>
+          <p:nvPr>
+            <p:ph type="ftr" sz="quarter" idx="11"/>
+          </p:nvPr>
+        </p:nvSpPr>
+        <p:spPr/>
+        <p:txBody>
+          <a:bodyPr/>
+          <a:lstStyle/>
+          <a:p>
+            <a:endParaRPr kumimoji="1" lang="zh-CN" altLang="en-US"/>
+          </a:p>
+        </p:txBody>
+      </p:sp>
+      <p:sp>
+        <p:nvSpPr>
+          <p:cNvPr id="6" name="灯片编号占位符 5"/>
+          <p:cNvSpPr>
+            <a:spLocks noGrp="1"/>
+          </p:cNvSpPr>
+          <p:nvPr>
+            <p:ph type="sldNum" sz="quarter" idx="12"/>
+          </p:nvPr>
+        </p:nvSpPr>
+        <p:spPr/>
+        <p:txBody>
+          <a:bodyPr/>
+          <a:lstStyle/>
+          <a:p>
+            <a:fld id="{CB110DF6-DFA0-144C-B003-2EC38CB03D50}" type="slidenum">
+              <a:rPr kumimoji="1" lang="zh-CN" altLang="en-US" smtClean="0"/>
+            </a:fld>
+            <a:endParaRPr kumimoji="1" lang="zh-CN" altLang="en-US"/>
+          </a:p>
+        </p:txBody>
+      </p:sp>
+    </p:spTree>
+  </p:cSld>
+  <p:clrMapOvr>
+    <a:masterClrMapping/>
+  </p:clrMapOvr>
+</p:sldLayout>
+</file>
+
+<file path=ppt/slideLayouts/slideLayout20.xml><?xml version="1.0" encoding="utf-8"?>
+<p:sldLayout xmlns:a="http://schemas.openxmlformats.org/drawingml/2006/main" xmlns:r="http://schemas.openxmlformats.org/officeDocument/2006/relationships" xmlns:p="http://schemas.openxmlformats.org/presentationml/2006/main" type="picTx" preserve="1">
+  <p:cSld name="图片与标题">
+    <p:spTree>
+      <p:nvGrpSpPr>
+        <p:cNvPr id="1" name=""/>
+        <p:cNvGrpSpPr/>
+        <p:nvPr/>
+      </p:nvGrpSpPr>
+      <p:grpSpPr>
+        <a:xfrm>
+          <a:off x="0" y="0"/>
+          <a:ext cx="0" cy="0"/>
+          <a:chOff x="0" y="0"/>
+          <a:chExt cx="0" cy="0"/>
+        </a:xfrm>
+      </p:grpSpPr>
+      <p:sp>
+        <p:nvSpPr>
+          <p:cNvPr id="2" name="标题 1"/>
+          <p:cNvSpPr>
+            <a:spLocks noGrp="1"/>
+          </p:cNvSpPr>
+          <p:nvPr>
+            <p:ph type="title"/>
+          </p:nvPr>
+        </p:nvSpPr>
+        <p:spPr>
+          <a:xfrm>
+            <a:off x="839788" y="457200"/>
+            <a:ext cx="3932237" cy="1600200"/>
+          </a:xfrm>
+        </p:spPr>
+        <p:txBody>
+          <a:bodyPr anchor="b"/>
+          <a:lstStyle>
+            <a:lvl1pPr>
+              <a:defRPr sz="3200"/>
+            </a:lvl1pPr>
+          </a:lstStyle>
+          <a:p>
+            <a:r>
+              <a:rPr kumimoji="1" lang="zh-CN" altLang="en-US"/>
+              <a:t>单击此处编辑母版标题样式</a:t>
+            </a:r>
+            <a:endParaRPr kumimoji="1" lang="zh-CN" altLang="en-US"/>
+          </a:p>
+        </p:txBody>
+      </p:sp>
+      <p:sp>
+        <p:nvSpPr>
+          <p:cNvPr id="3" name="图片占位符 2"/>
+          <p:cNvSpPr>
+            <a:spLocks noGrp="1"/>
+          </p:cNvSpPr>
+          <p:nvPr>
+            <p:ph type="pic" idx="1"/>
+          </p:nvPr>
+        </p:nvSpPr>
+        <p:spPr>
+          <a:xfrm>
+            <a:off x="5183188" y="987425"/>
+            <a:ext cx="6172200" cy="4873625"/>
+          </a:xfrm>
+        </p:spPr>
+        <p:txBody>
+          <a:bodyPr/>
+          <a:lstStyle>
+            <a:lvl1pPr marL="0" indent="0">
+              <a:buNone/>
+              <a:defRPr sz="3200"/>
+            </a:lvl1pPr>
+            <a:lvl2pPr marL="457200" indent="0">
+              <a:buNone/>
+              <a:defRPr sz="2800"/>
+            </a:lvl2pPr>
+            <a:lvl3pPr marL="914400" indent="0">
+              <a:buNone/>
+              <a:defRPr sz="2400"/>
+            </a:lvl3pPr>
+            <a:lvl4pPr marL="1371600" indent="0">
+              <a:buNone/>
+              <a:defRPr sz="2000"/>
+            </a:lvl4pPr>
+            <a:lvl5pPr marL="1828800" indent="0">
+              <a:buNone/>
+              <a:defRPr sz="2000"/>
+            </a:lvl5pPr>
+            <a:lvl6pPr marL="2286000" indent="0">
+              <a:buNone/>
+              <a:defRPr sz="2000"/>
+            </a:lvl6pPr>
+            <a:lvl7pPr marL="2743200" indent="0">
+              <a:buNone/>
+              <a:defRPr sz="2000"/>
+            </a:lvl7pPr>
+            <a:lvl8pPr marL="3200400" indent="0">
+              <a:buNone/>
+              <a:defRPr sz="2000"/>
+            </a:lvl8pPr>
+            <a:lvl9pPr marL="3657600" indent="0">
+              <a:buNone/>
+              <a:defRPr sz="2000"/>
+            </a:lvl9pPr>
+          </a:lstStyle>
+          <a:p>
+            <a:endParaRPr kumimoji="1" lang="zh-CN" altLang="en-US"/>
+          </a:p>
+        </p:txBody>
+      </p:sp>
+      <p:sp>
+        <p:nvSpPr>
+          <p:cNvPr id="4" name="文本占位符 3"/>
+          <p:cNvSpPr>
+            <a:spLocks noGrp="1"/>
+          </p:cNvSpPr>
+          <p:nvPr>
+            <p:ph type="body" sz="half" idx="2"/>
+          </p:nvPr>
+        </p:nvSpPr>
+        <p:spPr>
+          <a:xfrm>
+            <a:off x="839788" y="2057400"/>
+            <a:ext cx="3932237" cy="3811588"/>
+          </a:xfrm>
+        </p:spPr>
+        <p:txBody>
+          <a:bodyPr/>
+          <a:lstStyle>
+            <a:lvl1pPr marL="0" indent="0">
+              <a:buNone/>
+              <a:defRPr sz="1600"/>
+            </a:lvl1pPr>
+            <a:lvl2pPr marL="457200" indent="0">
+              <a:buNone/>
+              <a:defRPr sz="1400"/>
+            </a:lvl2pPr>
+            <a:lvl3pPr marL="914400" indent="0">
+              <a:buNone/>
+              <a:defRPr sz="1200"/>
+            </a:lvl3pPr>
+            <a:lvl4pPr marL="1371600" indent="0">
+              <a:buNone/>
+              <a:defRPr sz="1000"/>
+            </a:lvl4pPr>
+            <a:lvl5pPr marL="1828800" indent="0">
+              <a:buNone/>
+              <a:defRPr sz="1000"/>
+            </a:lvl5pPr>
+            <a:lvl6pPr marL="2286000" indent="0">
+              <a:buNone/>
+              <a:defRPr sz="1000"/>
+            </a:lvl6pPr>
+            <a:lvl7pPr marL="2743200" indent="0">
+              <a:buNone/>
+              <a:defRPr sz="1000"/>
+            </a:lvl7pPr>
+            <a:lvl8pPr marL="3200400" indent="0">
+              <a:buNone/>
+              <a:defRPr sz="1000"/>
+            </a:lvl8pPr>
+            <a:lvl9pPr marL="3657600" indent="0">
+              <a:buNone/>
+              <a:defRPr sz="1000"/>
+            </a:lvl9pPr>
+          </a:lstStyle>
+          <a:p>
+            <a:pPr lvl="0"/>
+            <a:r>
+              <a:rPr kumimoji="1" lang="zh-CN" altLang="en-US"/>
+              <a:t>单击此处编辑母版文本样式</a:t>
+            </a:r>
+            <a:endParaRPr kumimoji="1" lang="zh-CN" altLang="en-US"/>
+          </a:p>
+        </p:txBody>
+      </p:sp>
+      <p:sp>
+        <p:nvSpPr>
+          <p:cNvPr id="5" name="日期占位符 4"/>
+          <p:cNvSpPr>
+            <a:spLocks noGrp="1"/>
+          </p:cNvSpPr>
+          <p:nvPr>
+            <p:ph type="dt" sz="half" idx="10"/>
+          </p:nvPr>
+        </p:nvSpPr>
+        <p:spPr/>
+        <p:txBody>
+          <a:bodyPr/>
+          <a:lstStyle/>
+          <a:p>
+            <a:fld id="{6CF924FE-3B57-434F-BAF7-60F422A09515}" type="datetimeFigureOut">
+              <a:rPr kumimoji="1" lang="zh-CN" altLang="en-US" smtClean="0"/>
+            </a:fld>
+            <a:endParaRPr kumimoji="1" lang="zh-CN" altLang="en-US"/>
+          </a:p>
+        </p:txBody>
+      </p:sp>
+      <p:sp>
+        <p:nvSpPr>
+          <p:cNvPr id="6" name="页脚占位符 5"/>
+          <p:cNvSpPr>
+            <a:spLocks noGrp="1"/>
+          </p:cNvSpPr>
+          <p:nvPr>
+            <p:ph type="ftr" sz="quarter" idx="11"/>
+          </p:nvPr>
+        </p:nvSpPr>
+        <p:spPr/>
+        <p:txBody>
+          <a:bodyPr/>
+          <a:lstStyle/>
+          <a:p>
+            <a:endParaRPr kumimoji="1" lang="zh-CN" altLang="en-US"/>
+          </a:p>
+        </p:txBody>
+      </p:sp>
+      <p:sp>
+        <p:nvSpPr>
+          <p:cNvPr id="7" name="灯片编号占位符 6"/>
+          <p:cNvSpPr>
+            <a:spLocks noGrp="1"/>
+          </p:cNvSpPr>
+          <p:nvPr>
+            <p:ph type="sldNum" sz="quarter" idx="12"/>
+          </p:nvPr>
+        </p:nvSpPr>
+        <p:spPr/>
+        <p:txBody>
+          <a:bodyPr/>
+          <a:lstStyle/>
+          <a:p>
+            <a:fld id="{CB110DF6-DFA0-144C-B003-2EC38CB03D50}" type="slidenum">
+              <a:rPr kumimoji="1" lang="zh-CN" altLang="en-US" smtClean="0"/>
+            </a:fld>
+            <a:endParaRPr kumimoji="1" lang="zh-CN" altLang="en-US"/>
+          </a:p>
+        </p:txBody>
+      </p:sp>
+    </p:spTree>
+  </p:cSld>
+  <p:clrMapOvr>
+    <a:masterClrMapping/>
+  </p:clrMapOvr>
+</p:sldLayout>
+</file>
+
+<file path=ppt/slideLayouts/slideLayout21.xml><?xml version="1.0" encoding="utf-8"?>
+<p:sldLayout xmlns:a="http://schemas.openxmlformats.org/drawingml/2006/main" xmlns:r="http://schemas.openxmlformats.org/officeDocument/2006/relationships" xmlns:p="http://schemas.openxmlformats.org/presentationml/2006/main" type="vertTx" preserve="1">
+  <p:cSld name="标题和竖排文字">
+    <p:spTree>
+      <p:nvGrpSpPr>
+        <p:cNvPr id="1" name=""/>
+        <p:cNvGrpSpPr/>
+        <p:nvPr/>
+      </p:nvGrpSpPr>
+      <p:grpSpPr>
+        <a:xfrm>
+          <a:off x="0" y="0"/>
+          <a:ext cx="0" cy="0"/>
+          <a:chOff x="0" y="0"/>
+          <a:chExt cx="0" cy="0"/>
+        </a:xfrm>
+      </p:grpSpPr>
+      <p:sp>
+        <p:nvSpPr>
+          <p:cNvPr id="2" name="标题 1"/>
+          <p:cNvSpPr>
+            <a:spLocks noGrp="1"/>
+          </p:cNvSpPr>
+          <p:nvPr>
+            <p:ph type="title"/>
+          </p:nvPr>
+        </p:nvSpPr>
+        <p:spPr/>
+        <p:txBody>
+          <a:bodyPr/>
+          <a:lstStyle/>
+          <a:p>
+            <a:r>
+              <a:rPr kumimoji="1" lang="zh-CN" altLang="en-US"/>
+              <a:t>单击此处编辑母版标题样式</a:t>
+            </a:r>
+            <a:endParaRPr kumimoji="1" lang="zh-CN" altLang="en-US"/>
+          </a:p>
+        </p:txBody>
+      </p:sp>
+      <p:sp>
+        <p:nvSpPr>
+          <p:cNvPr id="3" name="竖排文字占位符 2"/>
+          <p:cNvSpPr>
+            <a:spLocks noGrp="1"/>
+          </p:cNvSpPr>
+          <p:nvPr>
+            <p:ph type="body" orient="vert" idx="1"/>
+          </p:nvPr>
+        </p:nvSpPr>
+        <p:spPr/>
+        <p:txBody>
+          <a:bodyPr vert="eaVert"/>
+          <a:lstStyle/>
+          <a:p>
+            <a:pPr lvl="0"/>
+            <a:r>
+              <a:rPr kumimoji="1" lang="zh-CN" altLang="en-US"/>
+              <a:t>单击此处编辑母版文本样式</a:t>
+            </a:r>
+            <a:endParaRPr kumimoji="1" lang="zh-CN" altLang="en-US"/>
+          </a:p>
+          <a:p>
+            <a:pPr lvl="1"/>
+            <a:r>
+              <a:rPr kumimoji="1" lang="zh-CN" altLang="en-US"/>
+              <a:t>二级</a:t>
+            </a:r>
+            <a:endParaRPr kumimoji="1" lang="zh-CN" altLang="en-US"/>
+          </a:p>
+          <a:p>
+            <a:pPr lvl="2"/>
+            <a:r>
+              <a:rPr kumimoji="1" lang="zh-CN" altLang="en-US"/>
+              <a:t>三级</a:t>
+            </a:r>
+            <a:endParaRPr kumimoji="1" lang="zh-CN" altLang="en-US"/>
+          </a:p>
+          <a:p>
+            <a:pPr lvl="3"/>
+            <a:r>
+              <a:rPr kumimoji="1" lang="zh-CN" altLang="en-US"/>
+              <a:t>四级</a:t>
+            </a:r>
+            <a:endParaRPr kumimoji="1" lang="zh-CN" altLang="en-US"/>
+          </a:p>
+          <a:p>
+            <a:pPr lvl="4"/>
+            <a:r>
+              <a:rPr kumimoji="1" lang="zh-CN" altLang="en-US"/>
+              <a:t>五级</a:t>
+            </a:r>
+            <a:endParaRPr kumimoji="1" lang="zh-CN" altLang="en-US"/>
+          </a:p>
+        </p:txBody>
+      </p:sp>
+      <p:sp>
+        <p:nvSpPr>
+          <p:cNvPr id="4" name="日期占位符 3"/>
+          <p:cNvSpPr>
+            <a:spLocks noGrp="1"/>
+          </p:cNvSpPr>
+          <p:nvPr>
+            <p:ph type="dt" sz="half" idx="10"/>
+          </p:nvPr>
+        </p:nvSpPr>
+        <p:spPr/>
+        <p:txBody>
+          <a:bodyPr/>
+          <a:lstStyle/>
+          <a:p>
+            <a:fld id="{6CF924FE-3B57-434F-BAF7-60F422A09515}" type="datetimeFigureOut">
+              <a:rPr kumimoji="1" lang="zh-CN" altLang="en-US" smtClean="0"/>
+            </a:fld>
+            <a:endParaRPr kumimoji="1" lang="zh-CN" altLang="en-US"/>
+          </a:p>
+        </p:txBody>
+      </p:sp>
+      <p:sp>
+        <p:nvSpPr>
+          <p:cNvPr id="5" name="页脚占位符 4"/>
+          <p:cNvSpPr>
+            <a:spLocks noGrp="1"/>
+          </p:cNvSpPr>
+          <p:nvPr>
+            <p:ph type="ftr" sz="quarter" idx="11"/>
+          </p:nvPr>
+        </p:nvSpPr>
+        <p:spPr/>
+        <p:txBody>
+          <a:bodyPr/>
+          <a:lstStyle/>
+          <a:p>
+            <a:endParaRPr kumimoji="1" lang="zh-CN" altLang="en-US"/>
+          </a:p>
+        </p:txBody>
+      </p:sp>
+      <p:sp>
+        <p:nvSpPr>
+          <p:cNvPr id="6" name="灯片编号占位符 5"/>
+          <p:cNvSpPr>
+            <a:spLocks noGrp="1"/>
+          </p:cNvSpPr>
+          <p:nvPr>
+            <p:ph type="sldNum" sz="quarter" idx="12"/>
+          </p:nvPr>
+        </p:nvSpPr>
+        <p:spPr/>
+        <p:txBody>
+          <a:bodyPr/>
+          <a:lstStyle/>
+          <a:p>
+            <a:fld id="{CB110DF6-DFA0-144C-B003-2EC38CB03D50}" type="slidenum">
+              <a:rPr kumimoji="1" lang="zh-CN" altLang="en-US" smtClean="0"/>
+            </a:fld>
+            <a:endParaRPr kumimoji="1" lang="zh-CN" altLang="en-US"/>
+          </a:p>
+        </p:txBody>
+      </p:sp>
+    </p:spTree>
+  </p:cSld>
+  <p:clrMapOvr>
+    <a:masterClrMapping/>
+  </p:clrMapOvr>
+</p:sldLayout>
+</file>
+
+<file path=ppt/slideLayouts/slideLayout22.xml><?xml version="1.0" encoding="utf-8"?>
+<p:sldLayout xmlns:a="http://schemas.openxmlformats.org/drawingml/2006/main" xmlns:r="http://schemas.openxmlformats.org/officeDocument/2006/relationships" xmlns:p="http://schemas.openxmlformats.org/presentationml/2006/main" type="vertTitleAndTx" preserve="1">
+  <p:cSld name="竖排标题与文本">
+    <p:spTree>
+      <p:nvGrpSpPr>
+        <p:cNvPr id="1" name=""/>
+        <p:cNvGrpSpPr/>
+        <p:nvPr/>
+      </p:nvGrpSpPr>
+      <p:grpSpPr>
+        <a:xfrm>
+          <a:off x="0" y="0"/>
+          <a:ext cx="0" cy="0"/>
+          <a:chOff x="0" y="0"/>
+          <a:chExt cx="0" cy="0"/>
+        </a:xfrm>
+      </p:grpSpPr>
+      <p:sp>
+        <p:nvSpPr>
+          <p:cNvPr id="2" name="竖排标题 1"/>
+          <p:cNvSpPr>
+            <a:spLocks noGrp="1"/>
+          </p:cNvSpPr>
+          <p:nvPr>
+            <p:ph type="title" orient="vert"/>
+          </p:nvPr>
+        </p:nvSpPr>
+        <p:spPr>
+          <a:xfrm>
+            <a:off x="8724900" y="365125"/>
+            <a:ext cx="2628900" cy="5811838"/>
+          </a:xfrm>
+        </p:spPr>
+        <p:txBody>
+          <a:bodyPr vert="eaVert"/>
+          <a:lstStyle/>
+          <a:p>
+            <a:r>
+              <a:rPr kumimoji="1" lang="zh-CN" altLang="en-US"/>
+              <a:t>单击此处编辑母版标题样式</a:t>
+            </a:r>
+            <a:endParaRPr kumimoji="1" lang="zh-CN" altLang="en-US"/>
+          </a:p>
+        </p:txBody>
+      </p:sp>
+      <p:sp>
+        <p:nvSpPr>
+          <p:cNvPr id="3" name="竖排文字占位符 2"/>
+          <p:cNvSpPr>
+            <a:spLocks noGrp="1"/>
+          </p:cNvSpPr>
+          <p:nvPr>
+            <p:ph type="body" orient="vert" idx="1"/>
+          </p:nvPr>
+        </p:nvSpPr>
+        <p:spPr>
+          <a:xfrm>
+            <a:off x="838200" y="365125"/>
+            <a:ext cx="7734300" cy="5811838"/>
+          </a:xfrm>
+        </p:spPr>
+        <p:txBody>
+          <a:bodyPr vert="eaVert"/>
+          <a:lstStyle/>
+          <a:p>
+            <a:pPr lvl="0"/>
+            <a:r>
+              <a:rPr kumimoji="1" lang="zh-CN" altLang="en-US"/>
+              <a:t>单击此处编辑母版文本样式</a:t>
+            </a:r>
+            <a:endParaRPr kumimoji="1" lang="zh-CN" altLang="en-US"/>
+          </a:p>
+          <a:p>
+            <a:pPr lvl="1"/>
+            <a:r>
+              <a:rPr kumimoji="1" lang="zh-CN" altLang="en-US"/>
+              <a:t>二级</a:t>
+            </a:r>
+            <a:endParaRPr kumimoji="1" lang="zh-CN" altLang="en-US"/>
+          </a:p>
+          <a:p>
+            <a:pPr lvl="2"/>
+            <a:r>
+              <a:rPr kumimoji="1" lang="zh-CN" altLang="en-US"/>
+              <a:t>三级</a:t>
+            </a:r>
+            <a:endParaRPr kumimoji="1" lang="zh-CN" altLang="en-US"/>
+          </a:p>
+          <a:p>
+            <a:pPr lvl="3"/>
+            <a:r>
+              <a:rPr kumimoji="1" lang="zh-CN" altLang="en-US"/>
+              <a:t>四级</a:t>
+            </a:r>
+            <a:endParaRPr kumimoji="1" lang="zh-CN" altLang="en-US"/>
+          </a:p>
+          <a:p>
+            <a:pPr lvl="4"/>
+            <a:r>
+              <a:rPr kumimoji="1" lang="zh-CN" altLang="en-US"/>
+              <a:t>五级</a:t>
+            </a:r>
+            <a:endParaRPr kumimoji="1" lang="zh-CN" altLang="en-US"/>
+          </a:p>
+        </p:txBody>
+      </p:sp>
+      <p:sp>
+        <p:nvSpPr>
+          <p:cNvPr id="4" name="日期占位符 3"/>
+          <p:cNvSpPr>
+            <a:spLocks noGrp="1"/>
+          </p:cNvSpPr>
+          <p:nvPr>
+            <p:ph type="dt" sz="half" idx="10"/>
+          </p:nvPr>
+        </p:nvSpPr>
+        <p:spPr/>
+        <p:txBody>
+          <a:bodyPr/>
+          <a:lstStyle/>
+          <a:p>
+            <a:fld id="{6CF924FE-3B57-434F-BAF7-60F422A09515}" type="datetimeFigureOut">
+              <a:rPr kumimoji="1" lang="zh-CN" altLang="en-US" smtClean="0"/>
+            </a:fld>
+            <a:endParaRPr kumimoji="1" lang="zh-CN" altLang="en-US"/>
+          </a:p>
+        </p:txBody>
+      </p:sp>
+      <p:sp>
+        <p:nvSpPr>
+          <p:cNvPr id="5" name="页脚占位符 4"/>
+          <p:cNvSpPr>
+            <a:spLocks noGrp="1"/>
+          </p:cNvSpPr>
+          <p:nvPr>
+            <p:ph type="ftr" sz="quarter" idx="11"/>
+          </p:nvPr>
+        </p:nvSpPr>
+        <p:spPr/>
+        <p:txBody>
+          <a:bodyPr/>
+          <a:lstStyle/>
+          <a:p>
+            <a:endParaRPr kumimoji="1" lang="zh-CN" altLang="en-US"/>
+          </a:p>
+        </p:txBody>
+      </p:sp>
+      <p:sp>
+        <p:nvSpPr>
+          <p:cNvPr id="6" name="灯片编号占位符 5"/>
+          <p:cNvSpPr>
+            <a:spLocks noGrp="1"/>
+          </p:cNvSpPr>
+          <p:nvPr>
+            <p:ph type="sldNum" sz="quarter" idx="12"/>
+          </p:nvPr>
+        </p:nvSpPr>
+        <p:spPr/>
+        <p:txBody>
+          <a:bodyPr/>
+          <a:lstStyle/>
+          <a:p>
+            <a:fld id="{CB110DF6-DFA0-144C-B003-2EC38CB03D50}" type="slidenum">
+              <a:rPr kumimoji="1" lang="zh-CN" altLang="en-US" smtClean="0"/>
+            </a:fld>
+            <a:endParaRPr kumimoji="1" lang="zh-CN" altLang="en-US"/>
+          </a:p>
+        </p:txBody>
+      </p:sp>
+    </p:spTree>
+  </p:cSld>
+  <p:clrMapOvr>
+    <a:masterClrMapping/>
+  </p:clrMapOvr>
+</p:sldLayout>
+</file>
+
+<file path=ppt/slideLayouts/slideLayout3.xml><?xml version="1.0" encoding="utf-8"?>
+<p:sldLayout xmlns:a="http://schemas.openxmlformats.org/drawingml/2006/main" xmlns:r="http://schemas.openxmlformats.org/officeDocument/2006/relationships" xmlns:p="http://schemas.openxmlformats.org/presentationml/2006/main" type="secHead" preserve="1">
+  <p:cSld name="节标题">
+    <p:spTree>
+      <p:nvGrpSpPr>
+        <p:cNvPr id="1" name=""/>
+        <p:cNvGrpSpPr/>
+        <p:nvPr/>
+      </p:nvGrpSpPr>
+      <p:grpSpPr>
+        <a:xfrm>
+          <a:off x="0" y="0"/>
+          <a:ext cx="0" cy="0"/>
+          <a:chOff x="0" y="0"/>
+          <a:chExt cx="0" cy="0"/>
+        </a:xfrm>
+      </p:grpSpPr>
+      <p:sp>
+        <p:nvSpPr>
+          <p:cNvPr id="2" name="标题 1"/>
+          <p:cNvSpPr>
+            <a:spLocks noGrp="1"/>
+          </p:cNvSpPr>
+          <p:nvPr>
+            <p:ph type="title"/>
+          </p:nvPr>
+        </p:nvSpPr>
+        <p:spPr>
+          <a:xfrm>
+            <a:off x="831850" y="1709738"/>
+            <a:ext cx="10515600" cy="2852737"/>
+          </a:xfrm>
+        </p:spPr>
+        <p:txBody>
+          <a:bodyPr anchor="b"/>
+          <a:lstStyle>
+            <a:lvl1pPr>
+              <a:defRPr sz="6000"/>
+            </a:lvl1pPr>
+          </a:lstStyle>
+          <a:p>
+            <a:r>
+              <a:rPr kumimoji="1" lang="zh-CN" altLang="en-US"/>
+              <a:t>单击此处编辑母版标题样式</a:t>
+            </a:r>
+            <a:endParaRPr kumimoji="1" lang="zh-CN" altLang="en-US"/>
+          </a:p>
+        </p:txBody>
+      </p:sp>
+      <p:sp>
+        <p:nvSpPr>
+          <p:cNvPr id="3" name="文本占位符 2"/>
+          <p:cNvSpPr>
+            <a:spLocks noGrp="1"/>
+          </p:cNvSpPr>
+          <p:nvPr>
+            <p:ph type="body" idx="1"/>
+          </p:nvPr>
+        </p:nvSpPr>
+        <p:spPr>
+          <a:xfrm>
+            <a:off x="831850" y="4589463"/>
+            <a:ext cx="10515600" cy="1500187"/>
+          </a:xfrm>
+        </p:spPr>
+        <p:txBody>
+          <a:bodyPr/>
+          <a:lstStyle>
+            <a:lvl1pPr marL="0" indent="0">
+              <a:buNone/>
+              <a:defRPr sz="2400">
+                <a:solidFill>
+                  <a:schemeClr val="tx1">
+                    <a:tint val="75000"/>
+                  </a:schemeClr>
+                </a:solidFill>
+              </a:defRPr>
+            </a:lvl1pPr>
+            <a:lvl2pPr marL="457200" indent="0">
+              <a:buNone/>
+              <a:defRPr sz="2000">
+                <a:solidFill>
+                  <a:schemeClr val="tx1">
+                    <a:tint val="75000"/>
+                  </a:schemeClr>
+                </a:solidFill>
+              </a:defRPr>
+            </a:lvl2pPr>
+            <a:lvl3pPr marL="914400" indent="0">
+              <a:buNone/>
+              <a:defRPr sz="1800">
+                <a:solidFill>
+                  <a:schemeClr val="tx1">
+                    <a:tint val="75000"/>
+                  </a:schemeClr>
+                </a:solidFill>
+              </a:defRPr>
+            </a:lvl3pPr>
+            <a:lvl4pPr marL="1371600" indent="0">
+              <a:buNone/>
+              <a:defRPr sz="1600">
+                <a:solidFill>
+                  <a:schemeClr val="tx1">
+                    <a:tint val="75000"/>
+                  </a:schemeClr>
+                </a:solidFill>
+              </a:defRPr>
+            </a:lvl4pPr>
+            <a:lvl5pPr marL="1828800" indent="0">
+              <a:buNone/>
+              <a:defRPr sz="1600">
+                <a:solidFill>
+                  <a:schemeClr val="tx1">
+                    <a:tint val="75000"/>
+                  </a:schemeClr>
+                </a:solidFill>
+              </a:defRPr>
+            </a:lvl5pPr>
+            <a:lvl6pPr marL="2286000" indent="0">
+              <a:buNone/>
+              <a:defRPr sz="1600">
+                <a:solidFill>
+                  <a:schemeClr val="tx1">
+                    <a:tint val="75000"/>
+                  </a:schemeClr>
+                </a:solidFill>
+              </a:defRPr>
+            </a:lvl6pPr>
+            <a:lvl7pPr marL="2743200" indent="0">
+              <a:buNone/>
+              <a:defRPr sz="1600">
+                <a:solidFill>
+                  <a:schemeClr val="tx1">
+                    <a:tint val="75000"/>
+                  </a:schemeClr>
+                </a:solidFill>
+              </a:defRPr>
+            </a:lvl7pPr>
+            <a:lvl8pPr marL="3200400" indent="0">
+              <a:buNone/>
+              <a:defRPr sz="1600">
+                <a:solidFill>
+                  <a:schemeClr val="tx1">
+                    <a:tint val="75000"/>
+                  </a:schemeClr>
+                </a:solidFill>
+              </a:defRPr>
+            </a:lvl8pPr>
+            <a:lvl9pPr marL="3657600" indent="0">
+              <a:buNone/>
+              <a:defRPr sz="1600">
+                <a:solidFill>
+                  <a:schemeClr val="tx1">
+                    <a:tint val="75000"/>
+                  </a:schemeClr>
+                </a:solidFill>
+              </a:defRPr>
+            </a:lvl9pPr>
+          </a:lstStyle>
+          <a:p>
+            <a:pPr lvl="0"/>
+            <a:r>
+              <a:rPr kumimoji="1" lang="zh-CN" altLang="en-US"/>
+              <a:t>单击此处编辑母版文本样式</a:t>
+            </a:r>
+            <a:endParaRPr kumimoji="1" lang="zh-CN" altLang="en-US"/>
+          </a:p>
+        </p:txBody>
+      </p:sp>
+      <p:sp>
+        <p:nvSpPr>
+          <p:cNvPr id="4" name="日期占位符 3"/>
+          <p:cNvSpPr>
+            <a:spLocks noGrp="1"/>
+          </p:cNvSpPr>
+          <p:nvPr>
+            <p:ph type="dt" sz="half" idx="10"/>
+          </p:nvPr>
+        </p:nvSpPr>
+        <p:spPr/>
+        <p:txBody>
+          <a:bodyPr/>
+          <a:lstStyle/>
+          <a:p>
+            <a:fld id="{6CF924FE-3B57-434F-BAF7-60F422A09515}" type="datetimeFigureOut">
+              <a:rPr kumimoji="1" lang="zh-CN" altLang="en-US" smtClean="0"/>
+            </a:fld>
+            <a:endParaRPr kumimoji="1" lang="zh-CN" altLang="en-US"/>
+          </a:p>
+        </p:txBody>
+      </p:sp>
+      <p:sp>
+        <p:nvSpPr>
+          <p:cNvPr id="5" name="页脚占位符 4"/>
+          <p:cNvSpPr>
+            <a:spLocks noGrp="1"/>
+          </p:cNvSpPr>
+          <p:nvPr>
+            <p:ph type="ftr" sz="quarter" idx="11"/>
+          </p:nvPr>
+        </p:nvSpPr>
+        <p:spPr/>
+        <p:txBody>
+          <a:bodyPr/>
+          <a:lstStyle/>
+          <a:p>
+            <a:endParaRPr kumimoji="1" lang="zh-CN" altLang="en-US"/>
+          </a:p>
+        </p:txBody>
+      </p:sp>
+      <p:sp>
+        <p:nvSpPr>
+          <p:cNvPr id="6" name="灯片编号占位符 5"/>
+          <p:cNvSpPr>
+            <a:spLocks noGrp="1"/>
+          </p:cNvSpPr>
+          <p:nvPr>
+            <p:ph type="sldNum" sz="quarter" idx="12"/>
+          </p:nvPr>
+        </p:nvSpPr>
+        <p:spPr/>
+        <p:txBody>
+          <a:bodyPr/>
+          <a:lstStyle/>
+          <a:p>
+            <a:fld id="{CB110DF6-DFA0-144C-B003-2EC38CB03D50}" type="slidenum">
+              <a:rPr kumimoji="1" lang="zh-CN" altLang="en-US" smtClean="0"/>
+            </a:fld>
+            <a:endParaRPr kumimoji="1" lang="zh-CN" altLang="en-US"/>
+          </a:p>
+        </p:txBody>
+      </p:sp>
+    </p:spTree>
+  </p:cSld>
+  <p:clrMapOvr>
+    <a:masterClrMapping/>
+  </p:clrMapOvr>
+</p:sldLayout>
+</file>
+
+<file path=ppt/slideLayouts/slideLayout4.xml><?xml version="1.0" encoding="utf-8"?>
+<p:sldLayout xmlns:a="http://schemas.openxmlformats.org/drawingml/2006/main" xmlns:r="http://schemas.openxmlformats.org/officeDocument/2006/relationships" xmlns:p="http://schemas.openxmlformats.org/presentationml/2006/main" type="twoObj" preserve="1">
+  <p:cSld name="两栏内容">
+    <p:spTree>
+      <p:nvGrpSpPr>
+        <p:cNvPr id="1" name=""/>
+        <p:cNvGrpSpPr/>
+        <p:nvPr/>
+      </p:nvGrpSpPr>
+      <p:grpSpPr>
+        <a:xfrm>
+          <a:off x="0" y="0"/>
+          <a:ext cx="0" cy="0"/>
+          <a:chOff x="0" y="0"/>
+          <a:chExt cx="0" cy="0"/>
+        </a:xfrm>
+      </p:grpSpPr>
+      <p:sp>
+        <p:nvSpPr>
+          <p:cNvPr id="2" name="标题 1"/>
+          <p:cNvSpPr>
+            <a:spLocks noGrp="1"/>
+          </p:cNvSpPr>
+          <p:nvPr>
+            <p:ph type="title"/>
+          </p:nvPr>
+        </p:nvSpPr>
+        <p:spPr/>
+        <p:txBody>
+          <a:bodyPr/>
+          <a:lstStyle/>
+          <a:p>
+            <a:r>
+              <a:rPr kumimoji="1" lang="zh-CN" altLang="en-US"/>
+              <a:t>单击此处编辑母版标题样式</a:t>
+            </a:r>
+            <a:endParaRPr kumimoji="1" lang="zh-CN" altLang="en-US"/>
+          </a:p>
+        </p:txBody>
+      </p:sp>
+      <p:sp>
+        <p:nvSpPr>
+          <p:cNvPr id="3" name="内容占位符 2"/>
+          <p:cNvSpPr>
+            <a:spLocks noGrp="1"/>
+          </p:cNvSpPr>
+          <p:nvPr>
+            <p:ph sz="half" idx="1"/>
+          </p:nvPr>
+        </p:nvSpPr>
+        <p:spPr>
+          <a:xfrm>
+            <a:off x="838200" y="1825625"/>
+            <a:ext cx="5181600" cy="4351338"/>
+          </a:xfrm>
+        </p:spPr>
+        <p:txBody>
+          <a:bodyPr/>
+          <a:lstStyle/>
+          <a:p>
+            <a:pPr lvl="0"/>
+            <a:r>
+              <a:rPr kumimoji="1" lang="zh-CN" altLang="en-US"/>
+              <a:t>单击此处编辑母版文本样式</a:t>
+            </a:r>
+            <a:endParaRPr kumimoji="1" lang="zh-CN" altLang="en-US"/>
+          </a:p>
+          <a:p>
+            <a:pPr lvl="1"/>
+            <a:r>
+              <a:rPr kumimoji="1" lang="zh-CN" altLang="en-US"/>
+              <a:t>二级</a:t>
+            </a:r>
+            <a:endParaRPr kumimoji="1" lang="zh-CN" altLang="en-US"/>
+          </a:p>
+          <a:p>
+            <a:pPr lvl="2"/>
+            <a:r>
+              <a:rPr kumimoji="1" lang="zh-CN" altLang="en-US"/>
+              <a:t>三级</a:t>
+            </a:r>
+            <a:endParaRPr kumimoji="1" lang="zh-CN" altLang="en-US"/>
+          </a:p>
+          <a:p>
+            <a:pPr lvl="3"/>
+            <a:r>
+              <a:rPr kumimoji="1" lang="zh-CN" altLang="en-US"/>
+              <a:t>四级</a:t>
+            </a:r>
+            <a:endParaRPr kumimoji="1" lang="zh-CN" altLang="en-US"/>
+          </a:p>
+          <a:p>
+            <a:pPr lvl="4"/>
+            <a:r>
+              <a:rPr kumimoji="1" lang="zh-CN" altLang="en-US"/>
+              <a:t>五级</a:t>
+            </a:r>
+            <a:endParaRPr kumimoji="1" lang="zh-CN" altLang="en-US"/>
+          </a:p>
+        </p:txBody>
+      </p:sp>
+      <p:sp>
+        <p:nvSpPr>
+          <p:cNvPr id="4" name="内容占位符 3"/>
+          <p:cNvSpPr>
+            <a:spLocks noGrp="1"/>
+          </p:cNvSpPr>
+          <p:nvPr>
+            <p:ph sz="half" idx="2"/>
+          </p:nvPr>
+        </p:nvSpPr>
+        <p:spPr>
+          <a:xfrm>
+            <a:off x="6172200" y="1825625"/>
+            <a:ext cx="5181600" cy="4351338"/>
+          </a:xfrm>
+        </p:spPr>
+        <p:txBody>
+          <a:bodyPr/>
+          <a:lstStyle/>
+          <a:p>
+            <a:pPr lvl="0"/>
+            <a:r>
+              <a:rPr kumimoji="1" lang="zh-CN" altLang="en-US"/>
+              <a:t>单击此处编辑母版文本样式</a:t>
+            </a:r>
+            <a:endParaRPr kumimoji="1" lang="zh-CN" altLang="en-US"/>
+          </a:p>
+          <a:p>
+            <a:pPr lvl="1"/>
+            <a:r>
+              <a:rPr kumimoji="1" lang="zh-CN" altLang="en-US"/>
+              <a:t>二级</a:t>
+            </a:r>
+            <a:endParaRPr kumimoji="1" lang="zh-CN" altLang="en-US"/>
+          </a:p>
+          <a:p>
+            <a:pPr lvl="2"/>
+            <a:r>
+              <a:rPr kumimoji="1" lang="zh-CN" altLang="en-US"/>
+              <a:t>三级</a:t>
+            </a:r>
+            <a:endParaRPr kumimoji="1" lang="zh-CN" altLang="en-US"/>
+          </a:p>
+          <a:p>
+            <a:pPr lvl="3"/>
+            <a:r>
+              <a:rPr kumimoji="1" lang="zh-CN" altLang="en-US"/>
+              <a:t>四级</a:t>
+            </a:r>
+            <a:endParaRPr kumimoji="1" lang="zh-CN" altLang="en-US"/>
+          </a:p>
+          <a:p>
+            <a:pPr lvl="4"/>
+            <a:r>
+              <a:rPr kumimoji="1" lang="zh-CN" altLang="en-US"/>
+              <a:t>五级</a:t>
+            </a:r>
+            <a:endParaRPr kumimoji="1" lang="zh-CN" altLang="en-US"/>
+          </a:p>
+        </p:txBody>
+      </p:sp>
+      <p:sp>
+        <p:nvSpPr>
+          <p:cNvPr id="5" name="日期占位符 4"/>
+          <p:cNvSpPr>
+            <a:spLocks noGrp="1"/>
+          </p:cNvSpPr>
+          <p:nvPr>
+            <p:ph type="dt" sz="half" idx="10"/>
+          </p:nvPr>
+        </p:nvSpPr>
+        <p:spPr/>
+        <p:txBody>
+          <a:bodyPr/>
+          <a:lstStyle/>
+          <a:p>
+            <a:fld id="{6CF924FE-3B57-434F-BAF7-60F422A09515}" type="datetimeFigureOut">
+              <a:rPr kumimoji="1" lang="zh-CN" altLang="en-US" smtClean="0"/>
+            </a:fld>
+            <a:endParaRPr kumimoji="1" lang="zh-CN" altLang="en-US"/>
+          </a:p>
+        </p:txBody>
+      </p:sp>
+      <p:sp>
+        <p:nvSpPr>
+          <p:cNvPr id="6" name="页脚占位符 5"/>
+          <p:cNvSpPr>
+            <a:spLocks noGrp="1"/>
+          </p:cNvSpPr>
+          <p:nvPr>
+            <p:ph type="ftr" sz="quarter" idx="11"/>
+          </p:nvPr>
+        </p:nvSpPr>
+        <p:spPr/>
+        <p:txBody>
+          <a:bodyPr/>
+          <a:lstStyle/>
+          <a:p>
+            <a:endParaRPr kumimoji="1" lang="zh-CN" altLang="en-US"/>
+          </a:p>
+        </p:txBody>
+      </p:sp>
+      <p:sp>
+        <p:nvSpPr>
+          <p:cNvPr id="7" name="灯片编号占位符 6"/>
+          <p:cNvSpPr>
+            <a:spLocks noGrp="1"/>
+          </p:cNvSpPr>
+          <p:nvPr>
+            <p:ph type="sldNum" sz="quarter" idx="12"/>
+          </p:nvPr>
+        </p:nvSpPr>
+        <p:spPr/>
+        <p:txBody>
+          <a:bodyPr/>
+          <a:lstStyle/>
+          <a:p>
+            <a:fld id="{CB110DF6-DFA0-144C-B003-2EC38CB03D50}" type="slidenum">
+              <a:rPr kumimoji="1" lang="zh-CN" altLang="en-US" smtClean="0"/>
+            </a:fld>
+            <a:endParaRPr kumimoji="1" lang="zh-CN" altLang="en-US"/>
+          </a:p>
+        </p:txBody>
+      </p:sp>
+    </p:spTree>
+  </p:cSld>
+  <p:clrMapOvr>
+    <a:masterClrMapping/>
+  </p:clrMapOvr>
+</p:sldLayout>
+</file>
+
+<file path=ppt/slideLayouts/slideLayout5.xml><?xml version="1.0" encoding="utf-8"?>
+<p:sldLayout xmlns:a="http://schemas.openxmlformats.org/drawingml/2006/main" xmlns:r="http://schemas.openxmlformats.org/officeDocument/2006/relationships" xmlns:p="http://schemas.openxmlformats.org/presentationml/2006/main" type="twoTxTwoObj" preserve="1">
+  <p:cSld name="比较">
+    <p:spTree>
+      <p:nvGrpSpPr>
+        <p:cNvPr id="1" name=""/>
+        <p:cNvGrpSpPr/>
+        <p:nvPr/>
+      </p:nvGrpSpPr>
+      <p:grpSpPr>
+        <a:xfrm>
+          <a:off x="0" y="0"/>
+          <a:ext cx="0" cy="0"/>
+          <a:chOff x="0" y="0"/>
+          <a:chExt cx="0" cy="0"/>
+        </a:xfrm>
+      </p:grpSpPr>
+      <p:sp>
+        <p:nvSpPr>
+          <p:cNvPr id="2" name="标题 1"/>
+          <p:cNvSpPr>
+            <a:spLocks noGrp="1"/>
+          </p:cNvSpPr>
+          <p:nvPr>
+            <p:ph type="title"/>
+          </p:nvPr>
+        </p:nvSpPr>
+        <p:spPr>
+          <a:xfrm>
+            <a:off x="839788" y="365125"/>
+            <a:ext cx="10515600" cy="1325563"/>
+          </a:xfrm>
+        </p:spPr>
+        <p:txBody>
+          <a:bodyPr/>
+          <a:lstStyle/>
+          <a:p>
+            <a:r>
+              <a:rPr kumimoji="1" lang="zh-CN" altLang="en-US"/>
+              <a:t>单击此处编辑母版标题样式</a:t>
+            </a:r>
+            <a:endParaRPr kumimoji="1" lang="zh-CN" altLang="en-US"/>
+          </a:p>
+        </p:txBody>
+      </p:sp>
+      <p:sp>
+        <p:nvSpPr>
+          <p:cNvPr id="3" name="文本占位符 2"/>
+          <p:cNvSpPr>
+            <a:spLocks noGrp="1"/>
+          </p:cNvSpPr>
+          <p:nvPr>
+            <p:ph type="body" idx="1"/>
+          </p:nvPr>
+        </p:nvSpPr>
+        <p:spPr>
+          <a:xfrm>
+            <a:off x="839788" y="1681163"/>
+            <a:ext cx="5157787" cy="823912"/>
+          </a:xfrm>
+        </p:spPr>
+        <p:txBody>
+          <a:bodyPr anchor="b"/>
+          <a:lstStyle>
+            <a:lvl1pPr marL="0" indent="0">
+              <a:buNone/>
+              <a:defRPr sz="2400" b="1"/>
+            </a:lvl1pPr>
+            <a:lvl2pPr marL="457200" indent="0">
+              <a:buNone/>
+              <a:defRPr sz="2000" b="1"/>
+            </a:lvl2pPr>
+            <a:lvl3pPr marL="914400" indent="0">
+              <a:buNone/>
+              <a:defRPr sz="1800" b="1"/>
+            </a:lvl3pPr>
+            <a:lvl4pPr marL="1371600" indent="0">
+              <a:buNone/>
+              <a:defRPr sz="1600" b="1"/>
+            </a:lvl4pPr>
+            <a:lvl5pPr marL="1828800" indent="0">
+              <a:buNone/>
+              <a:defRPr sz="1600" b="1"/>
+            </a:lvl5pPr>
+            <a:lvl6pPr marL="2286000" indent="0">
+              <a:buNone/>
+              <a:defRPr sz="1600" b="1"/>
+            </a:lvl6pPr>
+            <a:lvl7pPr marL="2743200" indent="0">
+              <a:buNone/>
+              <a:defRPr sz="1600" b="1"/>
+            </a:lvl7pPr>
+            <a:lvl8pPr marL="3200400" indent="0">
+              <a:buNone/>
+              <a:defRPr sz="1600" b="1"/>
+            </a:lvl8pPr>
+            <a:lvl9pPr marL="3657600" indent="0">
+              <a:buNone/>
+              <a:defRPr sz="1600" b="1"/>
+            </a:lvl9pPr>
+          </a:lstStyle>
+          <a:p>
+            <a:pPr lvl="0"/>
+            <a:r>
+              <a:rPr kumimoji="1" lang="zh-CN" altLang="en-US"/>
+              <a:t>单击此处编辑母版文本样式</a:t>
+            </a:r>
+            <a:endParaRPr kumimoji="1" lang="zh-CN" altLang="en-US"/>
+          </a:p>
+        </p:txBody>
+      </p:sp>
+      <p:sp>
+        <p:nvSpPr>
+          <p:cNvPr id="4" name="内容占位符 3"/>
+          <p:cNvSpPr>
+            <a:spLocks noGrp="1"/>
+          </p:cNvSpPr>
+          <p:nvPr>
+            <p:ph sz="half" idx="2"/>
+          </p:nvPr>
+        </p:nvSpPr>
+        <p:spPr>
+          <a:xfrm>
+            <a:off x="839788" y="2505075"/>
+            <a:ext cx="5157787" cy="3684588"/>
+          </a:xfrm>
+        </p:spPr>
+        <p:txBody>
+          <a:bodyPr/>
+          <a:lstStyle/>
+          <a:p>
+            <a:pPr lvl="0"/>
+            <a:r>
+              <a:rPr kumimoji="1" lang="zh-CN" altLang="en-US"/>
+              <a:t>单击此处编辑母版文本样式</a:t>
+            </a:r>
+            <a:endParaRPr kumimoji="1" lang="zh-CN" altLang="en-US"/>
+          </a:p>
+          <a:p>
+            <a:pPr lvl="1"/>
+            <a:r>
+              <a:rPr kumimoji="1" lang="zh-CN" altLang="en-US"/>
+              <a:t>二级</a:t>
+            </a:r>
+            <a:endParaRPr kumimoji="1" lang="zh-CN" altLang="en-US"/>
+          </a:p>
+          <a:p>
+            <a:pPr lvl="2"/>
+            <a:r>
+              <a:rPr kumimoji="1" lang="zh-CN" altLang="en-US"/>
+              <a:t>三级</a:t>
+            </a:r>
+            <a:endParaRPr kumimoji="1" lang="zh-CN" altLang="en-US"/>
+          </a:p>
+          <a:p>
+            <a:pPr lvl="3"/>
+            <a:r>
+              <a:rPr kumimoji="1" lang="zh-CN" altLang="en-US"/>
+              <a:t>四级</a:t>
+            </a:r>
+            <a:endParaRPr kumimoji="1" lang="zh-CN" altLang="en-US"/>
+          </a:p>
+          <a:p>
+            <a:pPr lvl="4"/>
+            <a:r>
+              <a:rPr kumimoji="1" lang="zh-CN" altLang="en-US"/>
+              <a:t>五级</a:t>
+            </a:r>
+            <a:endParaRPr kumimoji="1" lang="zh-CN" altLang="en-US"/>
+          </a:p>
+        </p:txBody>
+      </p:sp>
+      <p:sp>
+        <p:nvSpPr>
+          <p:cNvPr id="5" name="文本占位符 4"/>
+          <p:cNvSpPr>
+            <a:spLocks noGrp="1"/>
+          </p:cNvSpPr>
+          <p:nvPr>
+            <p:ph type="body" sz="quarter" idx="3"/>
+          </p:nvPr>
+        </p:nvSpPr>
+        <p:spPr>
+          <a:xfrm>
+            <a:off x="6172200" y="1681163"/>
+            <a:ext cx="5183188" cy="823912"/>
+          </a:xfrm>
+        </p:spPr>
+        <p:txBody>
+          <a:bodyPr anchor="b"/>
+          <a:lstStyle>
+            <a:lvl1pPr marL="0" indent="0">
+              <a:buNone/>
+              <a:defRPr sz="2400" b="1"/>
+            </a:lvl1pPr>
+            <a:lvl2pPr marL="457200" indent="0">
+              <a:buNone/>
+              <a:defRPr sz="2000" b="1"/>
+            </a:lvl2pPr>
+            <a:lvl3pPr marL="914400" indent="0">
+              <a:buNone/>
+              <a:defRPr sz="1800" b="1"/>
+            </a:lvl3pPr>
+            <a:lvl4pPr marL="1371600" indent="0">
+              <a:buNone/>
+              <a:defRPr sz="1600" b="1"/>
+            </a:lvl4pPr>
+            <a:lvl5pPr marL="1828800" indent="0">
+              <a:buNone/>
+              <a:defRPr sz="1600" b="1"/>
+            </a:lvl5pPr>
+            <a:lvl6pPr marL="2286000" indent="0">
+              <a:buNone/>
+              <a:defRPr sz="1600" b="1"/>
+            </a:lvl6pPr>
+            <a:lvl7pPr marL="2743200" indent="0">
+              <a:buNone/>
+              <a:defRPr sz="1600" b="1"/>
+            </a:lvl7pPr>
+            <a:lvl8pPr marL="3200400" indent="0">
+              <a:buNone/>
+              <a:defRPr sz="1600" b="1"/>
+            </a:lvl8pPr>
+            <a:lvl9pPr marL="3657600" indent="0">
+              <a:buNone/>
+              <a:defRPr sz="1600" b="1"/>
+            </a:lvl9pPr>
+          </a:lstStyle>
+          <a:p>
+            <a:pPr lvl="0"/>
+            <a:r>
+              <a:rPr kumimoji="1" lang="zh-CN" altLang="en-US"/>
+              <a:t>单击此处编辑母版文本样式</a:t>
+            </a:r>
+            <a:endParaRPr kumimoji="1" lang="zh-CN" altLang="en-US"/>
+          </a:p>
+        </p:txBody>
+      </p:sp>
+      <p:sp>
+        <p:nvSpPr>
+          <p:cNvPr id="6" name="内容占位符 5"/>
+          <p:cNvSpPr>
+            <a:spLocks noGrp="1"/>
+          </p:cNvSpPr>
+          <p:nvPr>
+            <p:ph sz="quarter" idx="4"/>
+          </p:nvPr>
+        </p:nvSpPr>
+        <p:spPr>
+          <a:xfrm>
+            <a:off x="6172200" y="2505075"/>
+            <a:ext cx="5183188" cy="3684588"/>
+          </a:xfrm>
+        </p:spPr>
+        <p:txBody>
+          <a:bodyPr/>
+          <a:lstStyle/>
+          <a:p>
+            <a:pPr lvl="0"/>
+            <a:r>
+              <a:rPr kumimoji="1" lang="zh-CN" altLang="en-US"/>
+              <a:t>单击此处编辑母版文本样式</a:t>
+            </a:r>
+            <a:endParaRPr kumimoji="1" lang="zh-CN" altLang="en-US"/>
+          </a:p>
+          <a:p>
+            <a:pPr lvl="1"/>
+            <a:r>
+              <a:rPr kumimoji="1" lang="zh-CN" altLang="en-US"/>
+              <a:t>二级</a:t>
+            </a:r>
+            <a:endParaRPr kumimoji="1" lang="zh-CN" altLang="en-US"/>
+          </a:p>
+          <a:p>
+            <a:pPr lvl="2"/>
+            <a:r>
+              <a:rPr kumimoji="1" lang="zh-CN" altLang="en-US"/>
+              <a:t>三级</a:t>
+            </a:r>
+            <a:endParaRPr kumimoji="1" lang="zh-CN" altLang="en-US"/>
+          </a:p>
+          <a:p>
+            <a:pPr lvl="3"/>
+            <a:r>
+              <a:rPr kumimoji="1" lang="zh-CN" altLang="en-US"/>
+              <a:t>四级</a:t>
+            </a:r>
+            <a:endParaRPr kumimoji="1" lang="zh-CN" altLang="en-US"/>
+          </a:p>
+          <a:p>
+            <a:pPr lvl="4"/>
+            <a:r>
+              <a:rPr kumimoji="1" lang="zh-CN" altLang="en-US"/>
+              <a:t>五级</a:t>
+            </a:r>
+            <a:endParaRPr kumimoji="1" lang="zh-CN" altLang="en-US"/>
+          </a:p>
+        </p:txBody>
+      </p:sp>
+      <p:sp>
+        <p:nvSpPr>
+          <p:cNvPr id="7" name="日期占位符 6"/>
+          <p:cNvSpPr>
+            <a:spLocks noGrp="1"/>
+          </p:cNvSpPr>
+          <p:nvPr>
+            <p:ph type="dt" sz="half" idx="10"/>
+          </p:nvPr>
+        </p:nvSpPr>
+        <p:spPr/>
+        <p:txBody>
+          <a:bodyPr/>
+          <a:lstStyle/>
+          <a:p>
+            <a:fld id="{6CF924FE-3B57-434F-BAF7-60F422A09515}" type="datetimeFigureOut">
+              <a:rPr kumimoji="1" lang="zh-CN" altLang="en-US" smtClean="0"/>
+            </a:fld>
+            <a:endParaRPr kumimoji="1" lang="zh-CN" altLang="en-US"/>
+          </a:p>
+        </p:txBody>
+      </p:sp>
+      <p:sp>
+        <p:nvSpPr>
+          <p:cNvPr id="8" name="页脚占位符 7"/>
+          <p:cNvSpPr>
+            <a:spLocks noGrp="1"/>
+          </p:cNvSpPr>
+          <p:nvPr>
+            <p:ph type="ftr" sz="quarter" idx="11"/>
+          </p:nvPr>
+        </p:nvSpPr>
+        <p:spPr/>
+        <p:txBody>
+          <a:bodyPr/>
+          <a:lstStyle/>
+          <a:p>
+            <a:endParaRPr kumimoji="1" lang="zh-CN" altLang="en-US"/>
+          </a:p>
+        </p:txBody>
+      </p:sp>
+      <p:sp>
+        <p:nvSpPr>
+          <p:cNvPr id="9" name="灯片编号占位符 8"/>
+          <p:cNvSpPr>
+            <a:spLocks noGrp="1"/>
+          </p:cNvSpPr>
+          <p:nvPr>
+            <p:ph type="sldNum" sz="quarter" idx="12"/>
+          </p:nvPr>
+        </p:nvSpPr>
+        <p:spPr/>
+        <p:txBody>
+          <a:bodyPr/>
+          <a:lstStyle/>
+          <a:p>
+            <a:fld id="{CB110DF6-DFA0-144C-B003-2EC38CB03D50}" type="slidenum">
+              <a:rPr kumimoji="1" lang="zh-CN" altLang="en-US" smtClean="0"/>
+            </a:fld>
+            <a:endParaRPr kumimoji="1" lang="zh-CN" altLang="en-US"/>
+          </a:p>
+        </p:txBody>
+      </p:sp>
+    </p:spTree>
+  </p:cSld>
+  <p:clrMapOvr>
+    <a:masterClrMapping/>
+  </p:clrMapOvr>
+</p:sldLayout>
+</file>
+
+<file path=ppt/slideLayouts/slideLayout6.xml><?xml version="1.0" encoding="utf-8"?>
+<p:sldLayout xmlns:a="http://schemas.openxmlformats.org/drawingml/2006/main" xmlns:r="http://schemas.openxmlformats.org/officeDocument/2006/relationships" xmlns:p="http://schemas.openxmlformats.org/presentationml/2006/main" type="titleOnly" preserve="1">
+  <p:cSld name="仅标题">
+    <p:spTree>
+      <p:nvGrpSpPr>
+        <p:cNvPr id="1" name=""/>
+        <p:cNvGrpSpPr/>
+        <p:nvPr/>
+      </p:nvGrpSpPr>
+      <p:grpSpPr>
+        <a:xfrm>
+          <a:off x="0" y="0"/>
+          <a:ext cx="0" cy="0"/>
+          <a:chOff x="0" y="0"/>
+          <a:chExt cx="0" cy="0"/>
+        </a:xfrm>
+      </p:grpSpPr>
+      <p:sp>
+        <p:nvSpPr>
+          <p:cNvPr id="2" name="标题 1"/>
+          <p:cNvSpPr>
+            <a:spLocks noGrp="1"/>
+          </p:cNvSpPr>
+          <p:nvPr>
+            <p:ph type="title"/>
+          </p:nvPr>
+        </p:nvSpPr>
+        <p:spPr/>
+        <p:txBody>
+          <a:bodyPr/>
+          <a:lstStyle/>
+          <a:p>
+            <a:r>
+              <a:rPr kumimoji="1" lang="zh-CN" altLang="en-US"/>
+              <a:t>单击此处编辑母版标题样式</a:t>
+            </a:r>
+            <a:endParaRPr kumimoji="1" lang="zh-CN" altLang="en-US"/>
+          </a:p>
+        </p:txBody>
+      </p:sp>
+      <p:sp>
+        <p:nvSpPr>
+          <p:cNvPr id="3" name="日期占位符 2"/>
+          <p:cNvSpPr>
+            <a:spLocks noGrp="1"/>
+          </p:cNvSpPr>
+          <p:nvPr>
+            <p:ph type="dt" sz="half" idx="10"/>
+          </p:nvPr>
+        </p:nvSpPr>
+        <p:spPr/>
+        <p:txBody>
+          <a:bodyPr/>
+          <a:lstStyle/>
+          <a:p>
+            <a:fld id="{6CF924FE-3B57-434F-BAF7-60F422A09515}" type="datetimeFigureOut">
+              <a:rPr kumimoji="1" lang="zh-CN" altLang="en-US" smtClean="0"/>
+            </a:fld>
+            <a:endParaRPr kumimoji="1" lang="zh-CN" altLang="en-US"/>
+          </a:p>
+        </p:txBody>
+      </p:sp>
+      <p:sp>
+        <p:nvSpPr>
+          <p:cNvPr id="4" name="页脚占位符 3"/>
+          <p:cNvSpPr>
+            <a:spLocks noGrp="1"/>
+          </p:cNvSpPr>
+          <p:nvPr>
+            <p:ph type="ftr" sz="quarter" idx="11"/>
+          </p:nvPr>
+        </p:nvSpPr>
+        <p:spPr/>
+        <p:txBody>
+          <a:bodyPr/>
+          <a:lstStyle/>
+          <a:p>
+            <a:endParaRPr kumimoji="1" lang="zh-CN" altLang="en-US"/>
+          </a:p>
+        </p:txBody>
+      </p:sp>
+      <p:sp>
+        <p:nvSpPr>
+          <p:cNvPr id="5" name="灯片编号占位符 4"/>
+          <p:cNvSpPr>
+            <a:spLocks noGrp="1"/>
+          </p:cNvSpPr>
+          <p:nvPr>
+            <p:ph type="sldNum" sz="quarter" idx="12"/>
+          </p:nvPr>
+        </p:nvSpPr>
+        <p:spPr/>
+        <p:txBody>
+          <a:bodyPr/>
+          <a:lstStyle/>
+          <a:p>
+            <a:fld id="{CB110DF6-DFA0-144C-B003-2EC38CB03D50}" type="slidenum">
+              <a:rPr kumimoji="1" lang="zh-CN" altLang="en-US" smtClean="0"/>
+            </a:fld>
+            <a:endParaRPr kumimoji="1" lang="zh-CN" altLang="en-US"/>
+          </a:p>
+        </p:txBody>
+      </p:sp>
+    </p:spTree>
+  </p:cSld>
+  <p:clrMapOvr>
+    <a:masterClrMapping/>
+  </p:clrMapOvr>
+</p:sldLayout>
+</file>
+
+<file path=ppt/slideLayouts/slideLayout7.xml><?xml version="1.0" encoding="utf-8"?>
+<p:sldLayout xmlns:a="http://schemas.openxmlformats.org/drawingml/2006/main" xmlns:r="http://schemas.openxmlformats.org/officeDocument/2006/relationships" xmlns:p="http://schemas.openxmlformats.org/presentationml/2006/main" type="blank" preserve="1">
+  <p:cSld name="空白">
+    <p:spTree>
+      <p:nvGrpSpPr>
+        <p:cNvPr id="1" name=""/>
+        <p:cNvGrpSpPr/>
+        <p:nvPr/>
+      </p:nvGrpSpPr>
+      <p:grpSpPr>
+        <a:xfrm>
+          <a:off x="0" y="0"/>
+          <a:ext cx="0" cy="0"/>
+          <a:chOff x="0" y="0"/>
+          <a:chExt cx="0" cy="0"/>
+        </a:xfrm>
+      </p:grpSpPr>
+      <p:sp>
+        <p:nvSpPr>
+          <p:cNvPr id="2" name="日期占位符 1"/>
+          <p:cNvSpPr>
+            <a:spLocks noGrp="1"/>
+          </p:cNvSpPr>
+          <p:nvPr>
+            <p:ph type="dt" sz="half" idx="10"/>
+          </p:nvPr>
+        </p:nvSpPr>
+        <p:spPr/>
+        <p:txBody>
+          <a:bodyPr/>
+          <a:lstStyle/>
+          <a:p>
+            <a:fld id="{6CF924FE-3B57-434F-BAF7-60F422A09515}" type="datetimeFigureOut">
+              <a:rPr kumimoji="1" lang="zh-CN" altLang="en-US" smtClean="0"/>
+            </a:fld>
+            <a:endParaRPr kumimoji="1" lang="zh-CN" altLang="en-US"/>
+          </a:p>
+        </p:txBody>
+      </p:sp>
+      <p:sp>
+        <p:nvSpPr>
+          <p:cNvPr id="3" name="页脚占位符 2"/>
+          <p:cNvSpPr>
+            <a:spLocks noGrp="1"/>
+          </p:cNvSpPr>
+          <p:nvPr>
+            <p:ph type="ftr" sz="quarter" idx="11"/>
+          </p:nvPr>
+        </p:nvSpPr>
+        <p:spPr/>
+        <p:txBody>
+          <a:bodyPr/>
+          <a:lstStyle/>
+          <a:p>
+            <a:endParaRPr kumimoji="1" lang="zh-CN" altLang="en-US"/>
+          </a:p>
+        </p:txBody>
+      </p:sp>
+      <p:sp>
+        <p:nvSpPr>
+          <p:cNvPr id="4" name="灯片编号占位符 3"/>
+          <p:cNvSpPr>
+            <a:spLocks noGrp="1"/>
+          </p:cNvSpPr>
+          <p:nvPr>
+            <p:ph type="sldNum" sz="quarter" idx="12"/>
+          </p:nvPr>
+        </p:nvSpPr>
+        <p:spPr/>
+        <p:txBody>
+          <a:bodyPr/>
+          <a:lstStyle/>
+          <a:p>
+            <a:fld id="{CB110DF6-DFA0-144C-B003-2EC38CB03D50}" type="slidenum">
+              <a:rPr kumimoji="1" lang="zh-CN" altLang="en-US" smtClean="0"/>
+            </a:fld>
+            <a:endParaRPr kumimoji="1" lang="zh-CN" altLang="en-US"/>
+          </a:p>
+        </p:txBody>
+      </p:sp>
+    </p:spTree>
+  </p:cSld>
+  <p:clrMapOvr>
+    <a:masterClrMapping/>
+  </p:clrMapOvr>
+</p:sldLayout>
+</file>
+
+<file path=ppt/slideLayouts/slideLayout8.xml><?xml version="1.0" encoding="utf-8"?>
+<p:sldLayout xmlns:a="http://schemas.openxmlformats.org/drawingml/2006/main" xmlns:r="http://schemas.openxmlformats.org/officeDocument/2006/relationships" xmlns:p="http://schemas.openxmlformats.org/presentationml/2006/main" type="objTx" preserve="1">
+  <p:cSld name="内容与标题">
+    <p:spTree>
+      <p:nvGrpSpPr>
+        <p:cNvPr id="1" name=""/>
+        <p:cNvGrpSpPr/>
+        <p:nvPr/>
+      </p:nvGrpSpPr>
+      <p:grpSpPr>
+        <a:xfrm>
+          <a:off x="0" y="0"/>
+          <a:ext cx="0" cy="0"/>
+          <a:chOff x="0" y="0"/>
+          <a:chExt cx="0" cy="0"/>
+        </a:xfrm>
+      </p:grpSpPr>
+      <p:sp>
+        <p:nvSpPr>
+          <p:cNvPr id="2" name="标题 1"/>
+          <p:cNvSpPr>
+            <a:spLocks noGrp="1"/>
+          </p:cNvSpPr>
+          <p:nvPr>
+            <p:ph type="title"/>
+          </p:nvPr>
+        </p:nvSpPr>
+        <p:spPr>
+          <a:xfrm>
+            <a:off x="839788" y="457200"/>
+            <a:ext cx="3932237" cy="1600200"/>
+          </a:xfrm>
+        </p:spPr>
+        <p:txBody>
+          <a:bodyPr anchor="b"/>
+          <a:lstStyle>
+            <a:lvl1pPr>
+              <a:defRPr sz="3200"/>
+            </a:lvl1pPr>
+          </a:lstStyle>
+          <a:p>
+            <a:r>
+              <a:rPr kumimoji="1" lang="zh-CN" altLang="en-US"/>
+              <a:t>单击此处编辑母版标题样式</a:t>
+            </a:r>
+            <a:endParaRPr kumimoji="1" lang="zh-CN" altLang="en-US"/>
+          </a:p>
+        </p:txBody>
+      </p:sp>
+      <p:sp>
+        <p:nvSpPr>
+          <p:cNvPr id="3" name="内容占位符 2"/>
+          <p:cNvSpPr>
+            <a:spLocks noGrp="1"/>
+          </p:cNvSpPr>
+          <p:nvPr>
+            <p:ph idx="1"/>
+          </p:nvPr>
+        </p:nvSpPr>
+        <p:spPr>
+          <a:xfrm>
+            <a:off x="5183188" y="987425"/>
+            <a:ext cx="6172200" cy="4873625"/>
+          </a:xfrm>
+        </p:spPr>
+        <p:txBody>
+          <a:bodyPr/>
+          <a:lstStyle>
+            <a:lvl1pPr>
+              <a:defRPr sz="3200"/>
+            </a:lvl1pPr>
+            <a:lvl2pPr>
+              <a:defRPr sz="2800"/>
+            </a:lvl2pPr>
+            <a:lvl3pPr>
+              <a:defRPr sz="2400"/>
+            </a:lvl3pPr>
+            <a:lvl4pPr>
+              <a:defRPr sz="2000"/>
+            </a:lvl4pPr>
+            <a:lvl5pPr>
+              <a:defRPr sz="2000"/>
+            </a:lvl5pPr>
+            <a:lvl6pPr>
+              <a:defRPr sz="2000"/>
+            </a:lvl6pPr>
+            <a:lvl7pPr>
+              <a:defRPr sz="2000"/>
+            </a:lvl7pPr>
+            <a:lvl8pPr>
+              <a:defRPr sz="2000"/>
+            </a:lvl8pPr>
+            <a:lvl9pPr>
+              <a:defRPr sz="2000"/>
+            </a:lvl9pPr>
+          </a:lstStyle>
+          <a:p>
+            <a:pPr lvl="0"/>
+            <a:r>
+              <a:rPr kumimoji="1" lang="zh-CN" altLang="en-US"/>
+              <a:t>单击此处编辑母版文本样式</a:t>
+            </a:r>
+            <a:endParaRPr kumimoji="1" lang="zh-CN" altLang="en-US"/>
+          </a:p>
+          <a:p>
+            <a:pPr lvl="1"/>
+            <a:r>
+              <a:rPr kumimoji="1" lang="zh-CN" altLang="en-US"/>
+              <a:t>二级</a:t>
+            </a:r>
+            <a:endParaRPr kumimoji="1" lang="zh-CN" altLang="en-US"/>
+          </a:p>
+          <a:p>
+            <a:pPr lvl="2"/>
+            <a:r>
+              <a:rPr kumimoji="1" lang="zh-CN" altLang="en-US"/>
+              <a:t>三级</a:t>
+            </a:r>
+            <a:endParaRPr kumimoji="1" lang="zh-CN" altLang="en-US"/>
+          </a:p>
+          <a:p>
+            <a:pPr lvl="3"/>
+            <a:r>
+              <a:rPr kumimoji="1" lang="zh-CN" altLang="en-US"/>
+              <a:t>四级</a:t>
+            </a:r>
+            <a:endParaRPr kumimoji="1" lang="zh-CN" altLang="en-US"/>
+          </a:p>
+          <a:p>
+            <a:pPr lvl="4"/>
+            <a:r>
+              <a:rPr kumimoji="1" lang="zh-CN" altLang="en-US"/>
+              <a:t>五级</a:t>
+            </a:r>
+            <a:endParaRPr kumimoji="1" lang="zh-CN" altLang="en-US"/>
+          </a:p>
+        </p:txBody>
+      </p:sp>
+      <p:sp>
+        <p:nvSpPr>
+          <p:cNvPr id="4" name="文本占位符 3"/>
+          <p:cNvSpPr>
+            <a:spLocks noGrp="1"/>
+          </p:cNvSpPr>
+          <p:nvPr>
+            <p:ph type="body" sz="half" idx="2"/>
+          </p:nvPr>
+        </p:nvSpPr>
+        <p:spPr>
+          <a:xfrm>
+            <a:off x="839788" y="2057400"/>
+            <a:ext cx="3932237" cy="3811588"/>
+          </a:xfrm>
+        </p:spPr>
+        <p:txBody>
+          <a:bodyPr/>
+          <a:lstStyle>
+            <a:lvl1pPr marL="0" indent="0">
+              <a:buNone/>
+              <a:defRPr sz="1600"/>
+            </a:lvl1pPr>
+            <a:lvl2pPr marL="457200" indent="0">
+              <a:buNone/>
+              <a:defRPr sz="1400"/>
+            </a:lvl2pPr>
+            <a:lvl3pPr marL="914400" indent="0">
+              <a:buNone/>
+              <a:defRPr sz="1200"/>
+            </a:lvl3pPr>
+            <a:lvl4pPr marL="1371600" indent="0">
+              <a:buNone/>
+              <a:defRPr sz="1000"/>
+            </a:lvl4pPr>
+            <a:lvl5pPr marL="1828800" indent="0">
+              <a:buNone/>
+              <a:defRPr sz="1000"/>
+            </a:lvl5pPr>
+            <a:lvl6pPr marL="2286000" indent="0">
+              <a:buNone/>
+              <a:defRPr sz="1000"/>
+            </a:lvl6pPr>
+            <a:lvl7pPr marL="2743200" indent="0">
+              <a:buNone/>
+              <a:defRPr sz="1000"/>
+            </a:lvl7pPr>
+            <a:lvl8pPr marL="3200400" indent="0">
+              <a:buNone/>
+              <a:defRPr sz="1000"/>
+            </a:lvl8pPr>
+            <a:lvl9pPr marL="3657600" indent="0">
+              <a:buNone/>
+              <a:defRPr sz="1000"/>
+            </a:lvl9pPr>
+          </a:lstStyle>
+          <a:p>
+            <a:pPr lvl="0"/>
+            <a:r>
+              <a:rPr kumimoji="1" lang="zh-CN" altLang="en-US"/>
+              <a:t>单击此处编辑母版文本样式</a:t>
+            </a:r>
+            <a:endParaRPr kumimoji="1" lang="zh-CN" altLang="en-US"/>
+          </a:p>
+        </p:txBody>
+      </p:sp>
+      <p:sp>
+        <p:nvSpPr>
+          <p:cNvPr id="5" name="日期占位符 4"/>
+          <p:cNvSpPr>
+            <a:spLocks noGrp="1"/>
+          </p:cNvSpPr>
+          <p:nvPr>
+            <p:ph type="dt" sz="half" idx="10"/>
+          </p:nvPr>
+        </p:nvSpPr>
+        <p:spPr/>
+        <p:txBody>
+          <a:bodyPr/>
+          <a:lstStyle/>
+          <a:p>
+            <a:fld id="{6CF924FE-3B57-434F-BAF7-60F422A09515}" type="datetimeFigureOut">
+              <a:rPr kumimoji="1" lang="zh-CN" altLang="en-US" smtClean="0"/>
+            </a:fld>
+            <a:endParaRPr kumimoji="1" lang="zh-CN" altLang="en-US"/>
+          </a:p>
+        </p:txBody>
+      </p:sp>
+      <p:sp>
+        <p:nvSpPr>
+          <p:cNvPr id="6" name="页脚占位符 5"/>
+          <p:cNvSpPr>
+            <a:spLocks noGrp="1"/>
+          </p:cNvSpPr>
+          <p:nvPr>
+            <p:ph type="ftr" sz="quarter" idx="11"/>
+          </p:nvPr>
+        </p:nvSpPr>
+        <p:spPr/>
+        <p:txBody>
+          <a:bodyPr/>
+          <a:lstStyle/>
+          <a:p>
+            <a:endParaRPr kumimoji="1" lang="zh-CN" altLang="en-US"/>
+          </a:p>
+        </p:txBody>
+      </p:sp>
+      <p:sp>
+        <p:nvSpPr>
+          <p:cNvPr id="7" name="灯片编号占位符 6"/>
+          <p:cNvSpPr>
+            <a:spLocks noGrp="1"/>
+          </p:cNvSpPr>
+          <p:nvPr>
+            <p:ph type="sldNum" sz="quarter" idx="12"/>
+          </p:nvPr>
+        </p:nvSpPr>
+        <p:spPr/>
+        <p:txBody>
+          <a:bodyPr/>
+          <a:lstStyle/>
+          <a:p>
+            <a:fld id="{CB110DF6-DFA0-144C-B003-2EC38CB03D50}" type="slidenum">
+              <a:rPr kumimoji="1" lang="zh-CN" altLang="en-US" smtClean="0"/>
+            </a:fld>
+            <a:endParaRPr kumimoji="1" lang="zh-CN" altLang="en-US"/>
+          </a:p>
+        </p:txBody>
+      </p:sp>
+    </p:spTree>
   </p:cSld>
   <p:clrMapOvr>
     <a:masterClrMapping/>
@@ -2467,13 +4401,7 @@
       </p:grpSpPr>
       <p:sp>
         <p:nvSpPr>
-          <p:cNvPr id="2" name="标题 1">
-            <a:extLst>
-              <a:ext uri="{FF2B5EF4-FFF2-40B4-BE49-F238E27FC236}">
-                <a16:creationId xmlns:a16="http://schemas.microsoft.com/office/drawing/2014/main" id="{2342D5F7-F9A2-4D43-96F1-91E092AB2B0C}"/>
-              </a:ext>
-            </a:extLst>
-          </p:cNvPr>
+          <p:cNvPr id="2" name="标题 1"/>
           <p:cNvSpPr>
             <a:spLocks noGrp="1"/>
           </p:cNvSpPr>
@@ -2499,18 +4427,13 @@
               <a:rPr kumimoji="1" lang="zh-CN" altLang="en-US"/>
               <a:t>单击此处编辑母版标题样式</a:t>
             </a:r>
-          </a:p>
-        </p:txBody>
-      </p:sp>
-      <p:sp>
-        <p:nvSpPr>
-          <p:cNvPr id="3" name="图片占位符 2">
-            <a:extLst>
-              <a:ext uri="{FF2B5EF4-FFF2-40B4-BE49-F238E27FC236}">
-                <a16:creationId xmlns:a16="http://schemas.microsoft.com/office/drawing/2014/main" id="{B64C1D50-96EC-AC40-9F69-22E0A4F1A953}"/>
-              </a:ext>
-            </a:extLst>
-          </p:cNvPr>
+            <a:endParaRPr kumimoji="1" lang="zh-CN" altLang="en-US"/>
+          </a:p>
+        </p:txBody>
+      </p:sp>
+      <p:sp>
+        <p:nvSpPr>
+          <p:cNvPr id="3" name="图片占位符 2"/>
           <p:cNvSpPr>
             <a:spLocks noGrp="1"/>
           </p:cNvSpPr>
@@ -2571,13 +4494,7 @@
       </p:sp>
       <p:sp>
         <p:nvSpPr>
-          <p:cNvPr id="4" name="文本占位符 3">
-            <a:extLst>
-              <a:ext uri="{FF2B5EF4-FFF2-40B4-BE49-F238E27FC236}">
-                <a16:creationId xmlns:a16="http://schemas.microsoft.com/office/drawing/2014/main" id="{FDC5F300-418F-8146-9B0F-DD7F4704EB73}"/>
-              </a:ext>
-            </a:extLst>
-          </p:cNvPr>
+          <p:cNvPr id="4" name="文本占位符 3"/>
           <p:cNvSpPr>
             <a:spLocks noGrp="1"/>
           </p:cNvSpPr>
@@ -2637,18 +4554,13 @@
               <a:rPr kumimoji="1" lang="zh-CN" altLang="en-US"/>
               <a:t>单击此处编辑母版文本样式</a:t>
             </a:r>
-          </a:p>
-        </p:txBody>
-      </p:sp>
-      <p:sp>
-        <p:nvSpPr>
-          <p:cNvPr id="5" name="日期占位符 4">
-            <a:extLst>
-              <a:ext uri="{FF2B5EF4-FFF2-40B4-BE49-F238E27FC236}">
-                <a16:creationId xmlns:a16="http://schemas.microsoft.com/office/drawing/2014/main" id="{4A841A50-191D-804C-8BF8-A2CBB1F5FE9B}"/>
-              </a:ext>
-            </a:extLst>
-          </p:cNvPr>
+            <a:endParaRPr kumimoji="1" lang="zh-CN" altLang="en-US"/>
+          </a:p>
+        </p:txBody>
+      </p:sp>
+      <p:sp>
+        <p:nvSpPr>
+          <p:cNvPr id="5" name="日期占位符 4"/>
           <p:cNvSpPr>
             <a:spLocks noGrp="1"/>
           </p:cNvSpPr>
@@ -2663,7 +4575,6 @@
           <a:p>
             <a:fld id="{6CF924FE-3B57-434F-BAF7-60F422A09515}" type="datetimeFigureOut">
               <a:rPr kumimoji="1" lang="zh-CN" altLang="en-US" smtClean="0"/>
-              <a:t>2021/5/6</a:t>
             </a:fld>
             <a:endParaRPr kumimoji="1" lang="zh-CN" altLang="en-US"/>
           </a:p>
@@ -2671,13 +4582,7 @@
       </p:sp>
       <p:sp>
         <p:nvSpPr>
-          <p:cNvPr id="6" name="页脚占位符 5">
-            <a:extLst>
-              <a:ext uri="{FF2B5EF4-FFF2-40B4-BE49-F238E27FC236}">
-                <a16:creationId xmlns:a16="http://schemas.microsoft.com/office/drawing/2014/main" id="{11BCE93C-EC95-9B41-AB76-0EB5FB78C831}"/>
-              </a:ext>
-            </a:extLst>
-          </p:cNvPr>
+          <p:cNvPr id="6" name="页脚占位符 5"/>
           <p:cNvSpPr>
             <a:spLocks noGrp="1"/>
           </p:cNvSpPr>
@@ -2696,13 +4601,7 @@
       </p:sp>
       <p:sp>
         <p:nvSpPr>
-          <p:cNvPr id="7" name="灯片编号占位符 6">
-            <a:extLst>
-              <a:ext uri="{FF2B5EF4-FFF2-40B4-BE49-F238E27FC236}">
-                <a16:creationId xmlns:a16="http://schemas.microsoft.com/office/drawing/2014/main" id="{6FA1A2BD-6D50-7F40-A18E-6A72850643EE}"/>
-              </a:ext>
-            </a:extLst>
-          </p:cNvPr>
+          <p:cNvPr id="7" name="灯片编号占位符 6"/>
           <p:cNvSpPr>
             <a:spLocks noGrp="1"/>
           </p:cNvSpPr>
@@ -2717,18 +4616,12 @@
           <a:p>
             <a:fld id="{CB110DF6-DFA0-144C-B003-2EC38CB03D50}" type="slidenum">
               <a:rPr kumimoji="1" lang="zh-CN" altLang="en-US" smtClean="0"/>
-              <a:t>‹#›</a:t>
             </a:fld>
             <a:endParaRPr kumimoji="1" lang="zh-CN" altLang="en-US"/>
           </a:p>
         </p:txBody>
       </p:sp>
     </p:spTree>
-    <p:extLst>
-      <p:ext uri="{BB962C8B-B14F-4D97-AF65-F5344CB8AC3E}">
-        <p14:creationId xmlns:p14="http://schemas.microsoft.com/office/powerpoint/2010/main" val="915264548"/>
-      </p:ext>
-    </p:extLst>
   </p:cSld>
   <p:clrMapOvr>
     <a:masterClrMapping/>
@@ -2760,13 +4653,7 @@
       </p:grpSpPr>
       <p:sp>
         <p:nvSpPr>
-          <p:cNvPr id="2" name="标题占位符 1">
-            <a:extLst>
-              <a:ext uri="{FF2B5EF4-FFF2-40B4-BE49-F238E27FC236}">
-                <a16:creationId xmlns:a16="http://schemas.microsoft.com/office/drawing/2014/main" id="{4723EE7B-05FB-D34F-AF81-6C247A751387}"/>
-              </a:ext>
-            </a:extLst>
-          </p:cNvPr>
+          <p:cNvPr id="2" name="标题占位符 1"/>
           <p:cNvSpPr>
             <a:spLocks noGrp="1"/>
           </p:cNvSpPr>
@@ -2793,18 +4680,13 @@
               <a:rPr kumimoji="1" lang="zh-CN" altLang="en-US"/>
               <a:t>单击此处编辑母版标题样式</a:t>
             </a:r>
-          </a:p>
-        </p:txBody>
-      </p:sp>
-      <p:sp>
-        <p:nvSpPr>
-          <p:cNvPr id="3" name="文本占位符 2">
-            <a:extLst>
-              <a:ext uri="{FF2B5EF4-FFF2-40B4-BE49-F238E27FC236}">
-                <a16:creationId xmlns:a16="http://schemas.microsoft.com/office/drawing/2014/main" id="{78FB9E48-C7AF-194C-974A-4B3C5C343EB7}"/>
-              </a:ext>
-            </a:extLst>
-          </p:cNvPr>
+            <a:endParaRPr kumimoji="1" lang="zh-CN" altLang="en-US"/>
+          </a:p>
+        </p:txBody>
+      </p:sp>
+      <p:sp>
+        <p:nvSpPr>
+          <p:cNvPr id="3" name="文本占位符 2"/>
           <p:cNvSpPr>
             <a:spLocks noGrp="1"/>
           </p:cNvSpPr>
@@ -2832,6 +4714,7 @@
               <a:rPr kumimoji="1" lang="zh-CN" altLang="en-US"/>
               <a:t>单击此处编辑母版文本样式</a:t>
             </a:r>
+            <a:endParaRPr kumimoji="1" lang="zh-CN" altLang="en-US"/>
           </a:p>
           <a:p>
             <a:pPr lvl="1"/>
@@ -2839,6 +4722,7 @@
               <a:rPr kumimoji="1" lang="zh-CN" altLang="en-US"/>
               <a:t>二级</a:t>
             </a:r>
+            <a:endParaRPr kumimoji="1" lang="zh-CN" altLang="en-US"/>
           </a:p>
           <a:p>
             <a:pPr lvl="2"/>
@@ -2846,6 +4730,7 @@
               <a:rPr kumimoji="1" lang="zh-CN" altLang="en-US"/>
               <a:t>三级</a:t>
             </a:r>
+            <a:endParaRPr kumimoji="1" lang="zh-CN" altLang="en-US"/>
           </a:p>
           <a:p>
             <a:pPr lvl="3"/>
@@ -2853,6 +4738,7 @@
               <a:rPr kumimoji="1" lang="zh-CN" altLang="en-US"/>
               <a:t>四级</a:t>
             </a:r>
+            <a:endParaRPr kumimoji="1" lang="zh-CN" altLang="en-US"/>
           </a:p>
           <a:p>
             <a:pPr lvl="4"/>
@@ -2860,18 +4746,13 @@
               <a:rPr kumimoji="1" lang="zh-CN" altLang="en-US"/>
               <a:t>五级</a:t>
             </a:r>
-          </a:p>
-        </p:txBody>
-      </p:sp>
-      <p:sp>
-        <p:nvSpPr>
-          <p:cNvPr id="4" name="日期占位符 3">
-            <a:extLst>
-              <a:ext uri="{FF2B5EF4-FFF2-40B4-BE49-F238E27FC236}">
-                <a16:creationId xmlns:a16="http://schemas.microsoft.com/office/drawing/2014/main" id="{4429F19A-BCDA-184F-9AB2-FA76054CE9ED}"/>
-              </a:ext>
-            </a:extLst>
-          </p:cNvPr>
+            <a:endParaRPr kumimoji="1" lang="zh-CN" altLang="en-US"/>
+          </a:p>
+        </p:txBody>
+      </p:sp>
+      <p:sp>
+        <p:nvSpPr>
+          <p:cNvPr id="4" name="日期占位符 3"/>
           <p:cNvSpPr>
             <a:spLocks noGrp="1"/>
           </p:cNvSpPr>
@@ -2904,7 +4785,6 @@
           <a:p>
             <a:fld id="{6CF924FE-3B57-434F-BAF7-60F422A09515}" type="datetimeFigureOut">
               <a:rPr kumimoji="1" lang="zh-CN" altLang="en-US" smtClean="0"/>
-              <a:t>2021/5/6</a:t>
             </a:fld>
             <a:endParaRPr kumimoji="1" lang="zh-CN" altLang="en-US"/>
           </a:p>
@@ -2912,13 +4792,7 @@
       </p:sp>
       <p:sp>
         <p:nvSpPr>
-          <p:cNvPr id="5" name="页脚占位符 4">
-            <a:extLst>
-              <a:ext uri="{FF2B5EF4-FFF2-40B4-BE49-F238E27FC236}">
-                <a16:creationId xmlns:a16="http://schemas.microsoft.com/office/drawing/2014/main" id="{CF3583FB-4372-C24B-AF69-E48C481949A7}"/>
-              </a:ext>
-            </a:extLst>
-          </p:cNvPr>
+          <p:cNvPr id="5" name="页脚占位符 4"/>
           <p:cNvSpPr>
             <a:spLocks noGrp="1"/>
           </p:cNvSpPr>
@@ -2955,13 +4829,7 @@
       </p:sp>
       <p:sp>
         <p:nvSpPr>
-          <p:cNvPr id="6" name="灯片编号占位符 5">
-            <a:extLst>
-              <a:ext uri="{FF2B5EF4-FFF2-40B4-BE49-F238E27FC236}">
-                <a16:creationId xmlns:a16="http://schemas.microsoft.com/office/drawing/2014/main" id="{D02EB1C4-D996-614A-A226-6249090848E2}"/>
-              </a:ext>
-            </a:extLst>
-          </p:cNvPr>
+          <p:cNvPr id="6" name="灯片编号占位符 5"/>
           <p:cNvSpPr>
             <a:spLocks noGrp="1"/>
           </p:cNvSpPr>
@@ -2994,18 +4862,12 @@
           <a:p>
             <a:fld id="{CB110DF6-DFA0-144C-B003-2EC38CB03D50}" type="slidenum">
               <a:rPr kumimoji="1" lang="zh-CN" altLang="en-US" smtClean="0"/>
-              <a:t>‹#›</a:t>
             </a:fld>
             <a:endParaRPr kumimoji="1" lang="zh-CN" altLang="en-US"/>
           </a:p>
         </p:txBody>
       </p:sp>
     </p:spTree>
-    <p:extLst>
-      <p:ext uri="{BB962C8B-B14F-4D97-AF65-F5344CB8AC3E}">
-        <p14:creationId xmlns:p14="http://schemas.microsoft.com/office/powerpoint/2010/main" val="3954074212"/>
-      </p:ext>
-    </p:extLst>
   </p:cSld>
   <p:clrMap bg1="lt1" tx1="dk1" bg2="lt2" tx2="dk2" accent1="accent1" accent2="accent2" accent3="accent3" accent4="accent4" accent5="accent5" accent6="accent6" hlink="hlink" folHlink="folHlink"/>
   <p:sldLayoutIdLst>
@@ -3049,7 +4911,7 @@
         <a:spcBef>
           <a:spcPts val="1000"/>
         </a:spcBef>
-        <a:buFont typeface="Arial" panose="020B0604020202020204" pitchFamily="34" charset="0"/>
+        <a:buFont typeface="Arial" panose="020B0604020202090204" pitchFamily="34" charset="0"/>
         <a:buChar char="•"/>
         <a:defRPr sz="2800" kern="1200">
           <a:solidFill>
@@ -3067,7 +4929,7 @@
         <a:spcBef>
           <a:spcPts val="500"/>
         </a:spcBef>
-        <a:buFont typeface="Arial" panose="020B0604020202020204" pitchFamily="34" charset="0"/>
+        <a:buFont typeface="Arial" panose="020B0604020202090204" pitchFamily="34" charset="0"/>
         <a:buChar char="•"/>
         <a:defRPr sz="2400" kern="1200">
           <a:solidFill>
@@ -3085,7 +4947,7 @@
         <a:spcBef>
           <a:spcPts val="500"/>
         </a:spcBef>
-        <a:buFont typeface="Arial" panose="020B0604020202020204" pitchFamily="34" charset="0"/>
+        <a:buFont typeface="Arial" panose="020B0604020202090204" pitchFamily="34" charset="0"/>
         <a:buChar char="•"/>
         <a:defRPr sz="2000" kern="1200">
           <a:solidFill>
@@ -3103,7 +4965,7 @@
         <a:spcBef>
           <a:spcPts val="500"/>
         </a:spcBef>
-        <a:buFont typeface="Arial" panose="020B0604020202020204" pitchFamily="34" charset="0"/>
+        <a:buFont typeface="Arial" panose="020B0604020202090204" pitchFamily="34" charset="0"/>
         <a:buChar char="•"/>
         <a:defRPr sz="1800" kern="1200">
           <a:solidFill>
@@ -3121,7 +4983,7 @@
         <a:spcBef>
           <a:spcPts val="500"/>
         </a:spcBef>
-        <a:buFont typeface="Arial" panose="020B0604020202020204" pitchFamily="34" charset="0"/>
+        <a:buFont typeface="Arial" panose="020B0604020202090204" pitchFamily="34" charset="0"/>
         <a:buChar char="•"/>
         <a:defRPr sz="1800" kern="1200">
           <a:solidFill>
@@ -3139,7 +5001,7 @@
         <a:spcBef>
           <a:spcPts val="500"/>
         </a:spcBef>
-        <a:buFont typeface="Arial" panose="020B0604020202020204" pitchFamily="34" charset="0"/>
+        <a:buFont typeface="Arial" panose="020B0604020202090204" pitchFamily="34" charset="0"/>
         <a:buChar char="•"/>
         <a:defRPr sz="1800" kern="1200">
           <a:solidFill>
@@ -3157,7 +5019,7 @@
         <a:spcBef>
           <a:spcPts val="500"/>
         </a:spcBef>
-        <a:buFont typeface="Arial" panose="020B0604020202020204" pitchFamily="34" charset="0"/>
+        <a:buFont typeface="Arial" panose="020B0604020202090204" pitchFamily="34" charset="0"/>
         <a:buChar char="•"/>
         <a:defRPr sz="1800" kern="1200">
           <a:solidFill>
@@ -3175,7 +5037,7 @@
         <a:spcBef>
           <a:spcPts val="500"/>
         </a:spcBef>
-        <a:buFont typeface="Arial" panose="020B0604020202020204" pitchFamily="34" charset="0"/>
+        <a:buFont typeface="Arial" panose="020B0604020202090204" pitchFamily="34" charset="0"/>
         <a:buChar char="•"/>
         <a:defRPr sz="1800" kern="1200">
           <a:solidFill>
@@ -3193,7 +5055,544 @@
         <a:spcBef>
           <a:spcPts val="500"/>
         </a:spcBef>
-        <a:buFont typeface="Arial" panose="020B0604020202020204" pitchFamily="34" charset="0"/>
+        <a:buFont typeface="Arial" panose="020B0604020202090204" pitchFamily="34" charset="0"/>
+        <a:buChar char="•"/>
+        <a:defRPr sz="1800" kern="1200">
+          <a:solidFill>
+            <a:schemeClr val="tx1"/>
+          </a:solidFill>
+          <a:latin typeface="+mn-lt"/>
+          <a:ea typeface="+mn-ea"/>
+          <a:cs typeface="+mn-cs"/>
+        </a:defRPr>
+      </a:lvl9pPr>
+    </p:bodyStyle>
+    <p:otherStyle>
+      <a:defPPr>
+        <a:defRPr lang="zh-CN"/>
+      </a:defPPr>
+      <a:lvl1pPr marL="0" algn="l" defTabSz="914400" rtl="0" eaLnBrk="1" latinLnBrk="0" hangingPunct="1">
+        <a:defRPr sz="1800" kern="1200">
+          <a:solidFill>
+            <a:schemeClr val="tx1"/>
+          </a:solidFill>
+          <a:latin typeface="+mn-lt"/>
+          <a:ea typeface="+mn-ea"/>
+          <a:cs typeface="+mn-cs"/>
+        </a:defRPr>
+      </a:lvl1pPr>
+      <a:lvl2pPr marL="457200" algn="l" defTabSz="914400" rtl="0" eaLnBrk="1" latinLnBrk="0" hangingPunct="1">
+        <a:defRPr sz="1800" kern="1200">
+          <a:solidFill>
+            <a:schemeClr val="tx1"/>
+          </a:solidFill>
+          <a:latin typeface="+mn-lt"/>
+          <a:ea typeface="+mn-ea"/>
+          <a:cs typeface="+mn-cs"/>
+        </a:defRPr>
+      </a:lvl2pPr>
+      <a:lvl3pPr marL="914400" algn="l" defTabSz="914400" rtl="0" eaLnBrk="1" latinLnBrk="0" hangingPunct="1">
+        <a:defRPr sz="1800" kern="1200">
+          <a:solidFill>
+            <a:schemeClr val="tx1"/>
+          </a:solidFill>
+          <a:latin typeface="+mn-lt"/>
+          <a:ea typeface="+mn-ea"/>
+          <a:cs typeface="+mn-cs"/>
+        </a:defRPr>
+      </a:lvl3pPr>
+      <a:lvl4pPr marL="1371600" algn="l" defTabSz="914400" rtl="0" eaLnBrk="1" latinLnBrk="0" hangingPunct="1">
+        <a:defRPr sz="1800" kern="1200">
+          <a:solidFill>
+            <a:schemeClr val="tx1"/>
+          </a:solidFill>
+          <a:latin typeface="+mn-lt"/>
+          <a:ea typeface="+mn-ea"/>
+          <a:cs typeface="+mn-cs"/>
+        </a:defRPr>
+      </a:lvl4pPr>
+      <a:lvl5pPr marL="1828800" algn="l" defTabSz="914400" rtl="0" eaLnBrk="1" latinLnBrk="0" hangingPunct="1">
+        <a:defRPr sz="1800" kern="1200">
+          <a:solidFill>
+            <a:schemeClr val="tx1"/>
+          </a:solidFill>
+          <a:latin typeface="+mn-lt"/>
+          <a:ea typeface="+mn-ea"/>
+          <a:cs typeface="+mn-cs"/>
+        </a:defRPr>
+      </a:lvl5pPr>
+      <a:lvl6pPr marL="2286000" algn="l" defTabSz="914400" rtl="0" eaLnBrk="1" latinLnBrk="0" hangingPunct="1">
+        <a:defRPr sz="1800" kern="1200">
+          <a:solidFill>
+            <a:schemeClr val="tx1"/>
+          </a:solidFill>
+          <a:latin typeface="+mn-lt"/>
+          <a:ea typeface="+mn-ea"/>
+          <a:cs typeface="+mn-cs"/>
+        </a:defRPr>
+      </a:lvl6pPr>
+      <a:lvl7pPr marL="2743200" algn="l" defTabSz="914400" rtl="0" eaLnBrk="1" latinLnBrk="0" hangingPunct="1">
+        <a:defRPr sz="1800" kern="1200">
+          <a:solidFill>
+            <a:schemeClr val="tx1"/>
+          </a:solidFill>
+          <a:latin typeface="+mn-lt"/>
+          <a:ea typeface="+mn-ea"/>
+          <a:cs typeface="+mn-cs"/>
+        </a:defRPr>
+      </a:lvl7pPr>
+      <a:lvl8pPr marL="3200400" algn="l" defTabSz="914400" rtl="0" eaLnBrk="1" latinLnBrk="0" hangingPunct="1">
+        <a:defRPr sz="1800" kern="1200">
+          <a:solidFill>
+            <a:schemeClr val="tx1"/>
+          </a:solidFill>
+          <a:latin typeface="+mn-lt"/>
+          <a:ea typeface="+mn-ea"/>
+          <a:cs typeface="+mn-cs"/>
+        </a:defRPr>
+      </a:lvl8pPr>
+      <a:lvl9pPr marL="3657600" algn="l" defTabSz="914400" rtl="0" eaLnBrk="1" latinLnBrk="0" hangingPunct="1">
+        <a:defRPr sz="1800" kern="1200">
+          <a:solidFill>
+            <a:schemeClr val="tx1"/>
+          </a:solidFill>
+          <a:latin typeface="+mn-lt"/>
+          <a:ea typeface="+mn-ea"/>
+          <a:cs typeface="+mn-cs"/>
+        </a:defRPr>
+      </a:lvl9pPr>
+    </p:otherStyle>
+  </p:txStyles>
+</p:sldMaster>
+</file>
+
+<file path=ppt/slideMasters/slideMaster2.xml><?xml version="1.0" encoding="utf-8"?>
+<p:sldMaster xmlns:a="http://schemas.openxmlformats.org/drawingml/2006/main" xmlns:r="http://schemas.openxmlformats.org/officeDocument/2006/relationships" xmlns:p="http://schemas.openxmlformats.org/presentationml/2006/main">
+  <p:cSld>
+    <p:bg>
+      <p:bgRef idx="1001">
+        <a:schemeClr val="bg1"/>
+      </p:bgRef>
+    </p:bg>
+    <p:spTree>
+      <p:nvGrpSpPr>
+        <p:cNvPr id="1" name=""/>
+        <p:cNvGrpSpPr/>
+        <p:nvPr/>
+      </p:nvGrpSpPr>
+      <p:grpSpPr>
+        <a:xfrm>
+          <a:off x="0" y="0"/>
+          <a:ext cx="0" cy="0"/>
+          <a:chOff x="0" y="0"/>
+          <a:chExt cx="0" cy="0"/>
+        </a:xfrm>
+      </p:grpSpPr>
+      <p:sp>
+        <p:nvSpPr>
+          <p:cNvPr id="2" name="标题占位符 1"/>
+          <p:cNvSpPr>
+            <a:spLocks noGrp="1"/>
+          </p:cNvSpPr>
+          <p:nvPr>
+            <p:ph type="title"/>
+          </p:nvPr>
+        </p:nvSpPr>
+        <p:spPr>
+          <a:xfrm>
+            <a:off x="838200" y="365125"/>
+            <a:ext cx="10515600" cy="1325563"/>
+          </a:xfrm>
+          <a:prstGeom prst="rect">
+            <a:avLst/>
+          </a:prstGeom>
+        </p:spPr>
+        <p:txBody>
+          <a:bodyPr vert="horz" lIns="91440" tIns="45720" rIns="91440" bIns="45720" rtlCol="0" anchor="ctr">
+            <a:normAutofit/>
+          </a:bodyPr>
+          <a:lstStyle/>
+          <a:p>
+            <a:r>
+              <a:rPr kumimoji="1" lang="zh-CN" altLang="en-US"/>
+              <a:t>单击此处编辑母版标题样式</a:t>
+            </a:r>
+            <a:endParaRPr kumimoji="1" lang="zh-CN" altLang="en-US"/>
+          </a:p>
+        </p:txBody>
+      </p:sp>
+      <p:sp>
+        <p:nvSpPr>
+          <p:cNvPr id="3" name="文本占位符 2"/>
+          <p:cNvSpPr>
+            <a:spLocks noGrp="1"/>
+          </p:cNvSpPr>
+          <p:nvPr>
+            <p:ph type="body" idx="1"/>
+          </p:nvPr>
+        </p:nvSpPr>
+        <p:spPr>
+          <a:xfrm>
+            <a:off x="838200" y="1825625"/>
+            <a:ext cx="10515600" cy="4351338"/>
+          </a:xfrm>
+          <a:prstGeom prst="rect">
+            <a:avLst/>
+          </a:prstGeom>
+        </p:spPr>
+        <p:txBody>
+          <a:bodyPr vert="horz" lIns="91440" tIns="45720" rIns="91440" bIns="45720" rtlCol="0">
+            <a:normAutofit/>
+          </a:bodyPr>
+          <a:lstStyle/>
+          <a:p>
+            <a:pPr lvl="0"/>
+            <a:r>
+              <a:rPr kumimoji="1" lang="zh-CN" altLang="en-US"/>
+              <a:t>单击此处编辑母版文本样式</a:t>
+            </a:r>
+            <a:endParaRPr kumimoji="1" lang="zh-CN" altLang="en-US"/>
+          </a:p>
+          <a:p>
+            <a:pPr lvl="1"/>
+            <a:r>
+              <a:rPr kumimoji="1" lang="zh-CN" altLang="en-US"/>
+              <a:t>二级</a:t>
+            </a:r>
+            <a:endParaRPr kumimoji="1" lang="zh-CN" altLang="en-US"/>
+          </a:p>
+          <a:p>
+            <a:pPr lvl="2"/>
+            <a:r>
+              <a:rPr kumimoji="1" lang="zh-CN" altLang="en-US"/>
+              <a:t>三级</a:t>
+            </a:r>
+            <a:endParaRPr kumimoji="1" lang="zh-CN" altLang="en-US"/>
+          </a:p>
+          <a:p>
+            <a:pPr lvl="3"/>
+            <a:r>
+              <a:rPr kumimoji="1" lang="zh-CN" altLang="en-US"/>
+              <a:t>四级</a:t>
+            </a:r>
+            <a:endParaRPr kumimoji="1" lang="zh-CN" altLang="en-US"/>
+          </a:p>
+          <a:p>
+            <a:pPr lvl="4"/>
+            <a:r>
+              <a:rPr kumimoji="1" lang="zh-CN" altLang="en-US"/>
+              <a:t>五级</a:t>
+            </a:r>
+            <a:endParaRPr kumimoji="1" lang="zh-CN" altLang="en-US"/>
+          </a:p>
+        </p:txBody>
+      </p:sp>
+      <p:sp>
+        <p:nvSpPr>
+          <p:cNvPr id="4" name="日期占位符 3"/>
+          <p:cNvSpPr>
+            <a:spLocks noGrp="1"/>
+          </p:cNvSpPr>
+          <p:nvPr>
+            <p:ph type="dt" sz="half" idx="2"/>
+          </p:nvPr>
+        </p:nvSpPr>
+        <p:spPr>
+          <a:xfrm>
+            <a:off x="838200" y="6356350"/>
+            <a:ext cx="2743200" cy="365125"/>
+          </a:xfrm>
+          <a:prstGeom prst="rect">
+            <a:avLst/>
+          </a:prstGeom>
+        </p:spPr>
+        <p:txBody>
+          <a:bodyPr vert="horz" lIns="91440" tIns="45720" rIns="91440" bIns="45720" rtlCol="0" anchor="ctr"/>
+          <a:lstStyle>
+            <a:lvl1pPr algn="l">
+              <a:defRPr sz="1200">
+                <a:solidFill>
+                  <a:schemeClr val="tx1">
+                    <a:tint val="75000"/>
+                  </a:schemeClr>
+                </a:solidFill>
+              </a:defRPr>
+            </a:lvl1pPr>
+          </a:lstStyle>
+          <a:p>
+            <a:fld id="{6CF924FE-3B57-434F-BAF7-60F422A09515}" type="datetimeFigureOut">
+              <a:rPr kumimoji="1" lang="zh-CN" altLang="en-US" smtClean="0"/>
+            </a:fld>
+            <a:endParaRPr kumimoji="1" lang="zh-CN" altLang="en-US"/>
+          </a:p>
+        </p:txBody>
+      </p:sp>
+      <p:sp>
+        <p:nvSpPr>
+          <p:cNvPr id="5" name="页脚占位符 4"/>
+          <p:cNvSpPr>
+            <a:spLocks noGrp="1"/>
+          </p:cNvSpPr>
+          <p:nvPr>
+            <p:ph type="ftr" sz="quarter" idx="3"/>
+          </p:nvPr>
+        </p:nvSpPr>
+        <p:spPr>
+          <a:xfrm>
+            <a:off x="4038600" y="6356350"/>
+            <a:ext cx="4114800" cy="365125"/>
+          </a:xfrm>
+          <a:prstGeom prst="rect">
+            <a:avLst/>
+          </a:prstGeom>
+        </p:spPr>
+        <p:txBody>
+          <a:bodyPr vert="horz" lIns="91440" tIns="45720" rIns="91440" bIns="45720" rtlCol="0" anchor="ctr"/>
+          <a:lstStyle>
+            <a:lvl1pPr algn="ctr">
+              <a:defRPr sz="1200">
+                <a:solidFill>
+                  <a:schemeClr val="tx1">
+                    <a:tint val="75000"/>
+                  </a:schemeClr>
+                </a:solidFill>
+              </a:defRPr>
+            </a:lvl1pPr>
+          </a:lstStyle>
+          <a:p>
+            <a:endParaRPr kumimoji="1" lang="zh-CN" altLang="en-US"/>
+          </a:p>
+        </p:txBody>
+      </p:sp>
+      <p:sp>
+        <p:nvSpPr>
+          <p:cNvPr id="6" name="灯片编号占位符 5"/>
+          <p:cNvSpPr>
+            <a:spLocks noGrp="1"/>
+          </p:cNvSpPr>
+          <p:nvPr>
+            <p:ph type="sldNum" sz="quarter" idx="4"/>
+          </p:nvPr>
+        </p:nvSpPr>
+        <p:spPr>
+          <a:xfrm>
+            <a:off x="8610600" y="6356350"/>
+            <a:ext cx="2743200" cy="365125"/>
+          </a:xfrm>
+          <a:prstGeom prst="rect">
+            <a:avLst/>
+          </a:prstGeom>
+        </p:spPr>
+        <p:txBody>
+          <a:bodyPr vert="horz" lIns="91440" tIns="45720" rIns="91440" bIns="45720" rtlCol="0" anchor="ctr"/>
+          <a:lstStyle>
+            <a:lvl1pPr algn="r">
+              <a:defRPr sz="1200">
+                <a:solidFill>
+                  <a:schemeClr val="tx1">
+                    <a:tint val="75000"/>
+                  </a:schemeClr>
+                </a:solidFill>
+              </a:defRPr>
+            </a:lvl1pPr>
+          </a:lstStyle>
+          <a:p>
+            <a:fld id="{CB110DF6-DFA0-144C-B003-2EC38CB03D50}" type="slidenum">
+              <a:rPr kumimoji="1" lang="zh-CN" altLang="en-US" smtClean="0"/>
+            </a:fld>
+            <a:endParaRPr kumimoji="1" lang="zh-CN" altLang="en-US"/>
+          </a:p>
+        </p:txBody>
+      </p:sp>
+    </p:spTree>
+  </p:cSld>
+  <p:clrMap bg1="lt1" tx1="dk1" bg2="lt2" tx2="dk2" accent1="accent1" accent2="accent2" accent3="accent3" accent4="accent4" accent5="accent5" accent6="accent6" hlink="hlink" folHlink="folHlink"/>
+  <p:sldLayoutIdLst>
+    <p:sldLayoutId id="2147483661" r:id="rId1"/>
+    <p:sldLayoutId id="2147483662" r:id="rId2"/>
+    <p:sldLayoutId id="2147483663" r:id="rId3"/>
+    <p:sldLayoutId id="2147483664" r:id="rId4"/>
+    <p:sldLayoutId id="2147483665" r:id="rId5"/>
+    <p:sldLayoutId id="2147483666" r:id="rId6"/>
+    <p:sldLayoutId id="2147483667" r:id="rId7"/>
+    <p:sldLayoutId id="2147483668" r:id="rId8"/>
+    <p:sldLayoutId id="2147483669" r:id="rId9"/>
+    <p:sldLayoutId id="2147483670" r:id="rId10"/>
+    <p:sldLayoutId id="2147483671" r:id="rId11"/>
+  </p:sldLayoutIdLst>
+  <p:txStyles>
+    <p:titleStyle>
+      <a:lvl1pPr algn="l" defTabSz="914400" rtl="0" eaLnBrk="1" latinLnBrk="0" hangingPunct="1">
+        <a:lnSpc>
+          <a:spcPct val="90000"/>
+        </a:lnSpc>
+        <a:spcBef>
+          <a:spcPct val="0"/>
+        </a:spcBef>
+        <a:buNone/>
+        <a:defRPr sz="4400" kern="1200">
+          <a:solidFill>
+            <a:schemeClr val="tx1"/>
+          </a:solidFill>
+          <a:latin typeface="+mj-lt"/>
+          <a:ea typeface="+mj-ea"/>
+          <a:cs typeface="+mj-cs"/>
+        </a:defRPr>
+      </a:lvl1pPr>
+    </p:titleStyle>
+    <p:bodyStyle>
+      <a:lvl1pPr marL="228600" indent="-228600" algn="l" defTabSz="914400" rtl="0" eaLnBrk="1" latinLnBrk="0" hangingPunct="1">
+        <a:lnSpc>
+          <a:spcPct val="90000"/>
+        </a:lnSpc>
+        <a:spcBef>
+          <a:spcPts val="1000"/>
+        </a:spcBef>
+        <a:buFont typeface="Arial" panose="020B0604020202090204" pitchFamily="34" charset="0"/>
+        <a:buChar char="•"/>
+        <a:defRPr sz="2800" kern="1200">
+          <a:solidFill>
+            <a:schemeClr val="tx1"/>
+          </a:solidFill>
+          <a:latin typeface="+mn-lt"/>
+          <a:ea typeface="+mn-ea"/>
+          <a:cs typeface="+mn-cs"/>
+        </a:defRPr>
+      </a:lvl1pPr>
+      <a:lvl2pPr marL="685800" indent="-228600" algn="l" defTabSz="914400" rtl="0" eaLnBrk="1" latinLnBrk="0" hangingPunct="1">
+        <a:lnSpc>
+          <a:spcPct val="90000"/>
+        </a:lnSpc>
+        <a:spcBef>
+          <a:spcPts val="500"/>
+        </a:spcBef>
+        <a:buFont typeface="Arial" panose="020B0604020202090204" pitchFamily="34" charset="0"/>
+        <a:buChar char="•"/>
+        <a:defRPr sz="2400" kern="1200">
+          <a:solidFill>
+            <a:schemeClr val="tx1"/>
+          </a:solidFill>
+          <a:latin typeface="+mn-lt"/>
+          <a:ea typeface="+mn-ea"/>
+          <a:cs typeface="+mn-cs"/>
+        </a:defRPr>
+      </a:lvl2pPr>
+      <a:lvl3pPr marL="1143000" indent="-228600" algn="l" defTabSz="914400" rtl="0" eaLnBrk="1" latinLnBrk="0" hangingPunct="1">
+        <a:lnSpc>
+          <a:spcPct val="90000"/>
+        </a:lnSpc>
+        <a:spcBef>
+          <a:spcPts val="500"/>
+        </a:spcBef>
+        <a:buFont typeface="Arial" panose="020B0604020202090204" pitchFamily="34" charset="0"/>
+        <a:buChar char="•"/>
+        <a:defRPr sz="2000" kern="1200">
+          <a:solidFill>
+            <a:schemeClr val="tx1"/>
+          </a:solidFill>
+          <a:latin typeface="+mn-lt"/>
+          <a:ea typeface="+mn-ea"/>
+          <a:cs typeface="+mn-cs"/>
+        </a:defRPr>
+      </a:lvl3pPr>
+      <a:lvl4pPr marL="1600200" indent="-228600" algn="l" defTabSz="914400" rtl="0" eaLnBrk="1" latinLnBrk="0" hangingPunct="1">
+        <a:lnSpc>
+          <a:spcPct val="90000"/>
+        </a:lnSpc>
+        <a:spcBef>
+          <a:spcPts val="500"/>
+        </a:spcBef>
+        <a:buFont typeface="Arial" panose="020B0604020202090204" pitchFamily="34" charset="0"/>
+        <a:buChar char="•"/>
+        <a:defRPr sz="1800" kern="1200">
+          <a:solidFill>
+            <a:schemeClr val="tx1"/>
+          </a:solidFill>
+          <a:latin typeface="+mn-lt"/>
+          <a:ea typeface="+mn-ea"/>
+          <a:cs typeface="+mn-cs"/>
+        </a:defRPr>
+      </a:lvl4pPr>
+      <a:lvl5pPr marL="2057400" indent="-228600" algn="l" defTabSz="914400" rtl="0" eaLnBrk="1" latinLnBrk="0" hangingPunct="1">
+        <a:lnSpc>
+          <a:spcPct val="90000"/>
+        </a:lnSpc>
+        <a:spcBef>
+          <a:spcPts val="500"/>
+        </a:spcBef>
+        <a:buFont typeface="Arial" panose="020B0604020202090204" pitchFamily="34" charset="0"/>
+        <a:buChar char="•"/>
+        <a:defRPr sz="1800" kern="1200">
+          <a:solidFill>
+            <a:schemeClr val="tx1"/>
+          </a:solidFill>
+          <a:latin typeface="+mn-lt"/>
+          <a:ea typeface="+mn-ea"/>
+          <a:cs typeface="+mn-cs"/>
+        </a:defRPr>
+      </a:lvl5pPr>
+      <a:lvl6pPr marL="2514600" indent="-228600" algn="l" defTabSz="914400" rtl="0" eaLnBrk="1" latinLnBrk="0" hangingPunct="1">
+        <a:lnSpc>
+          <a:spcPct val="90000"/>
+        </a:lnSpc>
+        <a:spcBef>
+          <a:spcPts val="500"/>
+        </a:spcBef>
+        <a:buFont typeface="Arial" panose="020B0604020202090204" pitchFamily="34" charset="0"/>
+        <a:buChar char="•"/>
+        <a:defRPr sz="1800" kern="1200">
+          <a:solidFill>
+            <a:schemeClr val="tx1"/>
+          </a:solidFill>
+          <a:latin typeface="+mn-lt"/>
+          <a:ea typeface="+mn-ea"/>
+          <a:cs typeface="+mn-cs"/>
+        </a:defRPr>
+      </a:lvl6pPr>
+      <a:lvl7pPr marL="2971800" indent="-228600" algn="l" defTabSz="914400" rtl="0" eaLnBrk="1" latinLnBrk="0" hangingPunct="1">
+        <a:lnSpc>
+          <a:spcPct val="90000"/>
+        </a:lnSpc>
+        <a:spcBef>
+          <a:spcPts val="500"/>
+        </a:spcBef>
+        <a:buFont typeface="Arial" panose="020B0604020202090204" pitchFamily="34" charset="0"/>
+        <a:buChar char="•"/>
+        <a:defRPr sz="1800" kern="1200">
+          <a:solidFill>
+            <a:schemeClr val="tx1"/>
+          </a:solidFill>
+          <a:latin typeface="+mn-lt"/>
+          <a:ea typeface="+mn-ea"/>
+          <a:cs typeface="+mn-cs"/>
+        </a:defRPr>
+      </a:lvl7pPr>
+      <a:lvl8pPr marL="3429000" indent="-228600" algn="l" defTabSz="914400" rtl="0" eaLnBrk="1" latinLnBrk="0" hangingPunct="1">
+        <a:lnSpc>
+          <a:spcPct val="90000"/>
+        </a:lnSpc>
+        <a:spcBef>
+          <a:spcPts val="500"/>
+        </a:spcBef>
+        <a:buFont typeface="Arial" panose="020B0604020202090204" pitchFamily="34" charset="0"/>
+        <a:buChar char="•"/>
+        <a:defRPr sz="1800" kern="1200">
+          <a:solidFill>
+            <a:schemeClr val="tx1"/>
+          </a:solidFill>
+          <a:latin typeface="+mn-lt"/>
+          <a:ea typeface="+mn-ea"/>
+          <a:cs typeface="+mn-cs"/>
+        </a:defRPr>
+      </a:lvl8pPr>
+      <a:lvl9pPr marL="3886200" indent="-228600" algn="l" defTabSz="914400" rtl="0" eaLnBrk="1" latinLnBrk="0" hangingPunct="1">
+        <a:lnSpc>
+          <a:spcPct val="90000"/>
+        </a:lnSpc>
+        <a:spcBef>
+          <a:spcPts val="500"/>
+        </a:spcBef>
+        <a:buFont typeface="Arial" panose="020B0604020202090204" pitchFamily="34" charset="0"/>
         <a:buChar char="•"/>
         <a:defRPr sz="1800" kern="1200">
           <a:solidFill>
@@ -3323,13 +5722,7 @@
       </p:grpSpPr>
       <p:sp>
         <p:nvSpPr>
-          <p:cNvPr id="5" name="圆角矩形 4">
-            <a:extLst>
-              <a:ext uri="{FF2B5EF4-FFF2-40B4-BE49-F238E27FC236}">
-                <a16:creationId xmlns:a16="http://schemas.microsoft.com/office/drawing/2014/main" id="{00BBE73F-7AF9-264E-94C2-52C9B79DA784}"/>
-              </a:ext>
-            </a:extLst>
-          </p:cNvPr>
+          <p:cNvPr id="5" name="圆角矩形 4"/>
           <p:cNvSpPr/>
           <p:nvPr/>
         </p:nvSpPr>
@@ -3369,13 +5762,7 @@
       </p:sp>
       <p:sp>
         <p:nvSpPr>
-          <p:cNvPr id="10" name="文本框 9">
-            <a:extLst>
-              <a:ext uri="{FF2B5EF4-FFF2-40B4-BE49-F238E27FC236}">
-                <a16:creationId xmlns:a16="http://schemas.microsoft.com/office/drawing/2014/main" id="{5F6BBAB0-152A-4249-ADEE-A875964966CE}"/>
-              </a:ext>
-            </a:extLst>
-          </p:cNvPr>
+          <p:cNvPr id="10" name="文本框 9"/>
           <p:cNvSpPr txBox="1"/>
           <p:nvPr/>
         </p:nvSpPr>
@@ -3400,6 +5787,7 @@
               <a:rPr kumimoji="1" lang="en-US" altLang="zh-CN" dirty="0"/>
               <a:t>Input</a:t>
             </a:r>
+            <a:endParaRPr kumimoji="1" lang="en-US" altLang="zh-CN" dirty="0"/>
           </a:p>
           <a:p>
             <a:r>
@@ -3412,13 +5800,7 @@
       </p:sp>
       <p:sp>
         <p:nvSpPr>
-          <p:cNvPr id="11" name="文本框 10">
-            <a:extLst>
-              <a:ext uri="{FF2B5EF4-FFF2-40B4-BE49-F238E27FC236}">
-                <a16:creationId xmlns:a16="http://schemas.microsoft.com/office/drawing/2014/main" id="{7EE93F54-39C5-9549-8664-9A45D00C73BB}"/>
-              </a:ext>
-            </a:extLst>
-          </p:cNvPr>
+          <p:cNvPr id="11" name="文本框 10"/>
           <p:cNvSpPr txBox="1"/>
           <p:nvPr/>
         </p:nvSpPr>
@@ -3448,13 +5830,7 @@
       </p:sp>
       <p:sp>
         <p:nvSpPr>
-          <p:cNvPr id="12" name="文本框 11">
-            <a:extLst>
-              <a:ext uri="{FF2B5EF4-FFF2-40B4-BE49-F238E27FC236}">
-                <a16:creationId xmlns:a16="http://schemas.microsoft.com/office/drawing/2014/main" id="{1B2CBCAC-DEA3-A84D-B9B5-98F6B3BC1A7A}"/>
-              </a:ext>
-            </a:extLst>
-          </p:cNvPr>
+          <p:cNvPr id="12" name="文本框 11"/>
           <p:cNvSpPr txBox="1"/>
           <p:nvPr/>
         </p:nvSpPr>
@@ -3484,13 +5860,7 @@
       </p:sp>
       <p:sp>
         <p:nvSpPr>
-          <p:cNvPr id="13" name="文本框 12">
-            <a:extLst>
-              <a:ext uri="{FF2B5EF4-FFF2-40B4-BE49-F238E27FC236}">
-                <a16:creationId xmlns:a16="http://schemas.microsoft.com/office/drawing/2014/main" id="{B7145FD5-8CA4-1843-99B4-06C9EF707B56}"/>
-              </a:ext>
-            </a:extLst>
-          </p:cNvPr>
+          <p:cNvPr id="13" name="文本框 12"/>
           <p:cNvSpPr txBox="1"/>
           <p:nvPr/>
         </p:nvSpPr>
@@ -3520,13 +5890,7 @@
       </p:sp>
       <p:sp>
         <p:nvSpPr>
-          <p:cNvPr id="14" name="文本框 13">
-            <a:extLst>
-              <a:ext uri="{FF2B5EF4-FFF2-40B4-BE49-F238E27FC236}">
-                <a16:creationId xmlns:a16="http://schemas.microsoft.com/office/drawing/2014/main" id="{16689A5E-AAEB-0B44-B8FE-FF7C7F34C9E2}"/>
-              </a:ext>
-            </a:extLst>
-          </p:cNvPr>
+          <p:cNvPr id="14" name="文本框 13"/>
           <p:cNvSpPr txBox="1"/>
           <p:nvPr/>
         </p:nvSpPr>
@@ -3550,18 +5914,13 @@
               <a:rPr kumimoji="1" lang="en-US" altLang="zh-CN" dirty="0"/>
               <a:t>US Image</a:t>
             </a:r>
-          </a:p>
-        </p:txBody>
-      </p:sp>
-      <p:sp>
-        <p:nvSpPr>
-          <p:cNvPr id="17" name="文本框 16">
-            <a:extLst>
-              <a:ext uri="{FF2B5EF4-FFF2-40B4-BE49-F238E27FC236}">
-                <a16:creationId xmlns:a16="http://schemas.microsoft.com/office/drawing/2014/main" id="{2EAF847C-D442-2D45-8E4D-7FCD2BEC3D79}"/>
-              </a:ext>
-            </a:extLst>
-          </p:cNvPr>
+            <a:endParaRPr kumimoji="1" lang="en-US" altLang="zh-CN" dirty="0"/>
+          </a:p>
+        </p:txBody>
+      </p:sp>
+      <p:sp>
+        <p:nvSpPr>
+          <p:cNvPr id="17" name="文本框 16"/>
           <p:cNvSpPr txBox="1"/>
           <p:nvPr/>
         </p:nvSpPr>
@@ -3595,13 +5954,7 @@
       </p:sp>
       <p:sp>
         <p:nvSpPr>
-          <p:cNvPr id="18" name="文本框 17">
-            <a:extLst>
-              <a:ext uri="{FF2B5EF4-FFF2-40B4-BE49-F238E27FC236}">
-                <a16:creationId xmlns:a16="http://schemas.microsoft.com/office/drawing/2014/main" id="{BED3752B-FDEC-BE4D-9A07-CA8377834287}"/>
-              </a:ext>
-            </a:extLst>
-          </p:cNvPr>
+          <p:cNvPr id="18" name="文本框 17"/>
           <p:cNvSpPr txBox="1"/>
           <p:nvPr/>
         </p:nvSpPr>
@@ -3635,13 +5988,7 @@
       </p:sp>
       <p:sp>
         <p:nvSpPr>
-          <p:cNvPr id="19" name="圆柱体 18">
-            <a:extLst>
-              <a:ext uri="{FF2B5EF4-FFF2-40B4-BE49-F238E27FC236}">
-                <a16:creationId xmlns:a16="http://schemas.microsoft.com/office/drawing/2014/main" id="{78CED093-9B90-0343-9AFA-9AA8D4C72DE1}"/>
-              </a:ext>
-            </a:extLst>
-          </p:cNvPr>
+          <p:cNvPr id="19" name="圆柱体 18"/>
           <p:cNvSpPr/>
           <p:nvPr/>
         </p:nvSpPr>
@@ -3681,13 +6028,7 @@
       </p:sp>
       <p:sp>
         <p:nvSpPr>
-          <p:cNvPr id="20" name="文本框 19">
-            <a:extLst>
-              <a:ext uri="{FF2B5EF4-FFF2-40B4-BE49-F238E27FC236}">
-                <a16:creationId xmlns:a16="http://schemas.microsoft.com/office/drawing/2014/main" id="{9B08F8A5-24AF-7541-B487-8E36AE3A5E61}"/>
-              </a:ext>
-            </a:extLst>
-          </p:cNvPr>
+          <p:cNvPr id="20" name="文本框 19"/>
           <p:cNvSpPr txBox="1"/>
           <p:nvPr/>
         </p:nvSpPr>
@@ -3712,6 +6053,7 @@
               <a:rPr kumimoji="1" lang="en-US" altLang="zh-CN" dirty="0"/>
               <a:t>Deconvoluted</a:t>
             </a:r>
+            <a:endParaRPr kumimoji="1" lang="en-US" altLang="zh-CN" dirty="0"/>
           </a:p>
           <a:p>
             <a:pPr algn="ctr"/>
@@ -3725,13 +6067,7 @@
       </p:sp>
       <p:sp>
         <p:nvSpPr>
-          <p:cNvPr id="21" name="圆柱体 20">
-            <a:extLst>
-              <a:ext uri="{FF2B5EF4-FFF2-40B4-BE49-F238E27FC236}">
-                <a16:creationId xmlns:a16="http://schemas.microsoft.com/office/drawing/2014/main" id="{7D76C4CC-E892-F641-9BF9-E7595499B294}"/>
-              </a:ext>
-            </a:extLst>
-          </p:cNvPr>
+          <p:cNvPr id="21" name="圆柱体 20"/>
           <p:cNvSpPr/>
           <p:nvPr/>
         </p:nvSpPr>
@@ -3771,13 +6107,7 @@
       </p:sp>
       <p:sp>
         <p:nvSpPr>
-          <p:cNvPr id="22" name="文本框 21">
-            <a:extLst>
-              <a:ext uri="{FF2B5EF4-FFF2-40B4-BE49-F238E27FC236}">
-                <a16:creationId xmlns:a16="http://schemas.microsoft.com/office/drawing/2014/main" id="{6FE032AE-09F4-AA40-AE5F-846B5A058D9D}"/>
-              </a:ext>
-            </a:extLst>
-          </p:cNvPr>
+          <p:cNvPr id="22" name="文本框 21"/>
           <p:cNvSpPr txBox="1"/>
           <p:nvPr/>
         </p:nvSpPr>
@@ -3802,18 +6132,37 @@
               <a:rPr kumimoji="1" lang="en-US" altLang="zh-CN" dirty="0"/>
               <a:t>Deconvoluted US Image</a:t>
             </a:r>
+            <a:endParaRPr kumimoji="1" lang="en-US" altLang="zh-CN" dirty="0"/>
           </a:p>
         </p:txBody>
       </p:sp>
       <p:pic>
         <p:nvPicPr>
-          <p:cNvPr id="24" name="图片 23" descr="在黑暗中&#10;&#10;低可信度描述已自动生成">
-            <a:extLst>
-              <a:ext uri="{FF2B5EF4-FFF2-40B4-BE49-F238E27FC236}">
-                <a16:creationId xmlns:a16="http://schemas.microsoft.com/office/drawing/2014/main" id="{42E60803-B865-D24F-9B74-F587AA0D2F09}"/>
-              </a:ext>
-            </a:extLst>
-          </p:cNvPr>
+          <p:cNvPr id="24" name="图片 23" descr="在黑暗中&#10;&#10;低可信度描述已自动生成"/>
+          <p:cNvPicPr>
+            <a:picLocks noChangeAspect="1"/>
+          </p:cNvPicPr>
+          <p:nvPr/>
+        </p:nvPicPr>
+        <p:blipFill>
+          <a:blip r:embed="rId1"/>
+          <a:stretch>
+            <a:fillRect/>
+          </a:stretch>
+        </p:blipFill>
+        <p:spPr>
+          <a:xfrm>
+            <a:off x="398547" y="2332203"/>
+            <a:ext cx="1564105" cy="1564105"/>
+          </a:xfrm>
+          <a:prstGeom prst="rect">
+            <a:avLst/>
+          </a:prstGeom>
+        </p:spPr>
+      </p:pic>
+      <p:pic>
+        <p:nvPicPr>
+          <p:cNvPr id="26" name="图片 25"/>
           <p:cNvPicPr>
             <a:picLocks noChangeAspect="1"/>
           </p:cNvPicPr>
@@ -3827,8 +6176,8 @@
         </p:blipFill>
         <p:spPr>
           <a:xfrm>
-            <a:off x="398547" y="2332203"/>
-            <a:ext cx="1564105" cy="1564105"/>
+            <a:off x="10495291" y="4207636"/>
+            <a:ext cx="1593416" cy="1593416"/>
           </a:xfrm>
           <a:prstGeom prst="rect">
             <a:avLst/>
@@ -3837,13 +6186,7 @@
       </p:pic>
       <p:pic>
         <p:nvPicPr>
-          <p:cNvPr id="26" name="图片 25">
-            <a:extLst>
-              <a:ext uri="{FF2B5EF4-FFF2-40B4-BE49-F238E27FC236}">
-                <a16:creationId xmlns:a16="http://schemas.microsoft.com/office/drawing/2014/main" id="{5590083D-C7C7-3A49-B687-B7896F78A908}"/>
-              </a:ext>
-            </a:extLst>
-          </p:cNvPr>
+          <p:cNvPr id="28" name="图片 27"/>
           <p:cNvPicPr>
             <a:picLocks noChangeAspect="1"/>
           </p:cNvPicPr>
@@ -3857,8 +6200,8 @@
         </p:blipFill>
         <p:spPr>
           <a:xfrm>
-            <a:off x="10495291" y="4207636"/>
-            <a:ext cx="1593416" cy="1593416"/>
+            <a:off x="10535801" y="741317"/>
+            <a:ext cx="1593415" cy="1593415"/>
           </a:xfrm>
           <a:prstGeom prst="rect">
             <a:avLst/>
@@ -3867,13 +6210,7 @@
       </p:pic>
       <p:pic>
         <p:nvPicPr>
-          <p:cNvPr id="28" name="图片 27">
-            <a:extLst>
-              <a:ext uri="{FF2B5EF4-FFF2-40B4-BE49-F238E27FC236}">
-                <a16:creationId xmlns:a16="http://schemas.microsoft.com/office/drawing/2014/main" id="{4E8806F6-64D9-864F-9685-799A0E53162E}"/>
-              </a:ext>
-            </a:extLst>
-          </p:cNvPr>
+          <p:cNvPr id="30" name="图片 29" descr="男子的脸部特写黑白照&#10;&#10;中度可信度描述已自动生成"/>
           <p:cNvPicPr>
             <a:picLocks noChangeAspect="1"/>
           </p:cNvPicPr>
@@ -3887,53 +6224,17 @@
         </p:blipFill>
         <p:spPr>
           <a:xfrm>
-            <a:off x="10535801" y="741317"/>
-            <a:ext cx="1593415" cy="1593415"/>
+            <a:off x="5033911" y="2315070"/>
+            <a:ext cx="1565107" cy="1565107"/>
           </a:xfrm>
           <a:prstGeom prst="rect">
             <a:avLst/>
           </a:prstGeom>
         </p:spPr>
       </p:pic>
-      <p:pic>
-        <p:nvPicPr>
-          <p:cNvPr id="30" name="图片 29" descr="男子的脸部特写黑白照&#10;&#10;中度可信度描述已自动生成">
-            <a:extLst>
-              <a:ext uri="{FF2B5EF4-FFF2-40B4-BE49-F238E27FC236}">
-                <a16:creationId xmlns:a16="http://schemas.microsoft.com/office/drawing/2014/main" id="{AD8BE94F-F156-B948-8CE8-94584FB82ED1}"/>
-              </a:ext>
-            </a:extLst>
-          </p:cNvPr>
-          <p:cNvPicPr>
-            <a:picLocks noChangeAspect="1"/>
-          </p:cNvPicPr>
-          <p:nvPr/>
-        </p:nvPicPr>
-        <p:blipFill>
-          <a:blip r:embed="rId5"/>
-          <a:stretch>
-            <a:fillRect/>
-          </a:stretch>
-        </p:blipFill>
-        <p:spPr>
-          <a:xfrm>
-            <a:off x="5033911" y="2315070"/>
-            <a:ext cx="1565107" cy="1565107"/>
-          </a:xfrm>
-          <a:prstGeom prst="rect">
-            <a:avLst/>
-          </a:prstGeom>
-        </p:spPr>
-      </p:pic>
       <p:cxnSp>
         <p:nvCxnSpPr>
-          <p:cNvPr id="41" name="直线箭头连接符 40">
-            <a:extLst>
-              <a:ext uri="{FF2B5EF4-FFF2-40B4-BE49-F238E27FC236}">
-                <a16:creationId xmlns:a16="http://schemas.microsoft.com/office/drawing/2014/main" id="{28787623-B730-4C47-990D-FAEEB70DDA56}"/>
-              </a:ext>
-            </a:extLst>
-          </p:cNvPr>
+          <p:cNvPr id="41" name="直线箭头连接符 40"/>
           <p:cNvCxnSpPr>
             <a:stCxn id="24" idx="3"/>
             <a:endCxn id="5" idx="1"/>
@@ -3972,15 +6273,8 @@
       </p:cxnSp>
       <p:cxnSp>
         <p:nvCxnSpPr>
-          <p:cNvPr id="42" name="直线箭头连接符 41">
-            <a:extLst>
-              <a:ext uri="{FF2B5EF4-FFF2-40B4-BE49-F238E27FC236}">
-                <a16:creationId xmlns:a16="http://schemas.microsoft.com/office/drawing/2014/main" id="{33B31C45-8C35-4D4E-8BD0-511DD9F08275}"/>
-              </a:ext>
-            </a:extLst>
-          </p:cNvPr>
+          <p:cNvPr id="42" name="直线箭头连接符 41"/>
           <p:cNvCxnSpPr>
-            <a:cxnSpLocks/>
             <a:stCxn id="5" idx="3"/>
             <a:endCxn id="30" idx="1"/>
           </p:cNvCxnSpPr>
@@ -4018,13 +6312,7 @@
       </p:cxnSp>
       <p:sp>
         <p:nvSpPr>
-          <p:cNvPr id="50" name="文本框 49">
-            <a:extLst>
-              <a:ext uri="{FF2B5EF4-FFF2-40B4-BE49-F238E27FC236}">
-                <a16:creationId xmlns:a16="http://schemas.microsoft.com/office/drawing/2014/main" id="{98ABE4F2-FA53-A046-8FBF-87251A70CDD5}"/>
-              </a:ext>
-            </a:extLst>
-          </p:cNvPr>
+          <p:cNvPr id="50" name="文本框 49"/>
           <p:cNvSpPr txBox="1"/>
           <p:nvPr/>
         </p:nvSpPr>
@@ -4054,13 +6342,7 @@
       </p:sp>
       <p:sp>
         <p:nvSpPr>
-          <p:cNvPr id="51" name="文本框 50">
-            <a:extLst>
-              <a:ext uri="{FF2B5EF4-FFF2-40B4-BE49-F238E27FC236}">
-                <a16:creationId xmlns:a16="http://schemas.microsoft.com/office/drawing/2014/main" id="{D13A5849-75A2-EC48-A38E-2849F31B8D4F}"/>
-              </a:ext>
-            </a:extLst>
-          </p:cNvPr>
+          <p:cNvPr id="51" name="文本框 50"/>
           <p:cNvSpPr txBox="1"/>
           <p:nvPr/>
         </p:nvSpPr>
@@ -4090,16 +6372,8 @@
       </p:sp>
       <p:cxnSp>
         <p:nvCxnSpPr>
-          <p:cNvPr id="53" name="直线箭头连接符 52">
-            <a:extLst>
-              <a:ext uri="{FF2B5EF4-FFF2-40B4-BE49-F238E27FC236}">
-                <a16:creationId xmlns:a16="http://schemas.microsoft.com/office/drawing/2014/main" id="{1D9C2643-C23A-BB46-B65F-760581558214}"/>
-              </a:ext>
-            </a:extLst>
-          </p:cNvPr>
-          <p:cNvCxnSpPr>
-            <a:cxnSpLocks/>
-          </p:cNvCxnSpPr>
+          <p:cNvPr id="53" name="直线箭头连接符 52"/>
+          <p:cNvCxnSpPr/>
           <p:nvPr/>
         </p:nvCxnSpPr>
         <p:spPr>
@@ -4131,15 +6405,8 @@
       </p:cxnSp>
       <p:cxnSp>
         <p:nvCxnSpPr>
-          <p:cNvPr id="56" name="直线箭头连接符 55">
-            <a:extLst>
-              <a:ext uri="{FF2B5EF4-FFF2-40B4-BE49-F238E27FC236}">
-                <a16:creationId xmlns:a16="http://schemas.microsoft.com/office/drawing/2014/main" id="{1724FA2C-F973-1240-942B-1AEB5C13C6CE}"/>
-              </a:ext>
-            </a:extLst>
-          </p:cNvPr>
+          <p:cNvPr id="56" name="直线箭头连接符 55"/>
           <p:cNvCxnSpPr>
-            <a:cxnSpLocks/>
             <a:stCxn id="17" idx="2"/>
             <a:endCxn id="50" idx="0"/>
           </p:cNvCxnSpPr>
@@ -4174,13 +6441,7 @@
       </p:cxnSp>
       <p:cxnSp>
         <p:nvCxnSpPr>
-          <p:cNvPr id="63" name="直线箭头连接符 62">
-            <a:extLst>
-              <a:ext uri="{FF2B5EF4-FFF2-40B4-BE49-F238E27FC236}">
-                <a16:creationId xmlns:a16="http://schemas.microsoft.com/office/drawing/2014/main" id="{F4B299A5-E429-E446-AB4E-8C048BDD5BC1}"/>
-              </a:ext>
-            </a:extLst>
-          </p:cNvPr>
+          <p:cNvPr id="63" name="直线箭头连接符 62"/>
           <p:cNvCxnSpPr>
             <a:stCxn id="12" idx="2"/>
             <a:endCxn id="51" idx="0"/>
@@ -4216,15 +6477,8 @@
       </p:cxnSp>
       <p:cxnSp>
         <p:nvCxnSpPr>
-          <p:cNvPr id="65" name="直线箭头连接符 64">
-            <a:extLst>
-              <a:ext uri="{FF2B5EF4-FFF2-40B4-BE49-F238E27FC236}">
-                <a16:creationId xmlns:a16="http://schemas.microsoft.com/office/drawing/2014/main" id="{9243B1BB-CE41-7D46-9CBC-043DB0BEF7E5}"/>
-              </a:ext>
-            </a:extLst>
-          </p:cNvPr>
+          <p:cNvPr id="65" name="直线箭头连接符 64"/>
           <p:cNvCxnSpPr>
-            <a:cxnSpLocks/>
             <a:stCxn id="18" idx="0"/>
             <a:endCxn id="51" idx="2"/>
           </p:cNvCxnSpPr>
@@ -4259,15 +6513,8 @@
       </p:cxnSp>
       <p:cxnSp>
         <p:nvCxnSpPr>
-          <p:cNvPr id="75" name="直线箭头连接符 74">
-            <a:extLst>
-              <a:ext uri="{FF2B5EF4-FFF2-40B4-BE49-F238E27FC236}">
-                <a16:creationId xmlns:a16="http://schemas.microsoft.com/office/drawing/2014/main" id="{5F98BD77-340B-F94D-8A38-0EA2AE59A1B8}"/>
-              </a:ext>
-            </a:extLst>
-          </p:cNvPr>
+          <p:cNvPr id="75" name="直线箭头连接符 74"/>
           <p:cNvCxnSpPr>
-            <a:cxnSpLocks/>
             <a:stCxn id="28" idx="1"/>
             <a:endCxn id="19" idx="4"/>
           </p:cNvCxnSpPr>
@@ -4302,13 +6549,7 @@
       </p:cxnSp>
       <p:sp>
         <p:nvSpPr>
-          <p:cNvPr id="81" name="文本框 80">
-            <a:extLst>
-              <a:ext uri="{FF2B5EF4-FFF2-40B4-BE49-F238E27FC236}">
-                <a16:creationId xmlns:a16="http://schemas.microsoft.com/office/drawing/2014/main" id="{93BDCEC0-49F1-EC4B-8D76-69F2DAE7CFD2}"/>
-              </a:ext>
-            </a:extLst>
-          </p:cNvPr>
+          <p:cNvPr id="81" name="文本框 80"/>
           <p:cNvSpPr txBox="1"/>
           <p:nvPr/>
         </p:nvSpPr>
@@ -4338,13 +6579,7 @@
       </p:sp>
       <p:sp>
         <p:nvSpPr>
-          <p:cNvPr id="82" name="文本框 81">
-            <a:extLst>
-              <a:ext uri="{FF2B5EF4-FFF2-40B4-BE49-F238E27FC236}">
-                <a16:creationId xmlns:a16="http://schemas.microsoft.com/office/drawing/2014/main" id="{DECA3231-9E7E-F14E-B648-CEFE9841F2D7}"/>
-              </a:ext>
-            </a:extLst>
-          </p:cNvPr>
+          <p:cNvPr id="82" name="文本框 81"/>
           <p:cNvSpPr txBox="1"/>
           <p:nvPr/>
         </p:nvSpPr>
@@ -4374,15 +6609,8 @@
       </p:sp>
       <p:cxnSp>
         <p:nvCxnSpPr>
-          <p:cNvPr id="85" name="直线箭头连接符 84">
-            <a:extLst>
-              <a:ext uri="{FF2B5EF4-FFF2-40B4-BE49-F238E27FC236}">
-                <a16:creationId xmlns:a16="http://schemas.microsoft.com/office/drawing/2014/main" id="{36FFD16A-BAB2-BD4F-B556-85E0A585F065}"/>
-              </a:ext>
-            </a:extLst>
-          </p:cNvPr>
+          <p:cNvPr id="85" name="直线箭头连接符 84"/>
           <p:cNvCxnSpPr>
-            <a:cxnSpLocks/>
             <a:stCxn id="26" idx="1"/>
             <a:endCxn id="21" idx="4"/>
           </p:cNvCxnSpPr>
@@ -4417,15 +6645,8 @@
       </p:cxnSp>
       <p:cxnSp>
         <p:nvCxnSpPr>
-          <p:cNvPr id="87" name="直线箭头连接符 86">
-            <a:extLst>
-              <a:ext uri="{FF2B5EF4-FFF2-40B4-BE49-F238E27FC236}">
-                <a16:creationId xmlns:a16="http://schemas.microsoft.com/office/drawing/2014/main" id="{21EFCD3B-6F72-F746-9FDF-ACADE87FBA3F}"/>
-              </a:ext>
-            </a:extLst>
-          </p:cNvPr>
+          <p:cNvPr id="87" name="直线箭头连接符 86"/>
           <p:cNvCxnSpPr>
-            <a:cxnSpLocks/>
             <a:stCxn id="51" idx="3"/>
             <a:endCxn id="82" idx="1"/>
           </p:cNvCxnSpPr>
@@ -4460,15 +6681,8 @@
       </p:cxnSp>
       <p:cxnSp>
         <p:nvCxnSpPr>
-          <p:cNvPr id="89" name="直线箭头连接符 88">
-            <a:extLst>
-              <a:ext uri="{FF2B5EF4-FFF2-40B4-BE49-F238E27FC236}">
-                <a16:creationId xmlns:a16="http://schemas.microsoft.com/office/drawing/2014/main" id="{0FC01209-EEB3-9642-AEC1-6A02AB16B2F7}"/>
-              </a:ext>
-            </a:extLst>
-          </p:cNvPr>
+          <p:cNvPr id="89" name="直线箭头连接符 88"/>
           <p:cNvCxnSpPr>
-            <a:cxnSpLocks/>
             <a:stCxn id="21" idx="2"/>
             <a:endCxn id="82" idx="3"/>
           </p:cNvCxnSpPr>
@@ -4503,15 +6717,8 @@
       </p:cxnSp>
       <p:cxnSp>
         <p:nvCxnSpPr>
-          <p:cNvPr id="91" name="直线箭头连接符 90">
-            <a:extLst>
-              <a:ext uri="{FF2B5EF4-FFF2-40B4-BE49-F238E27FC236}">
-                <a16:creationId xmlns:a16="http://schemas.microsoft.com/office/drawing/2014/main" id="{2F09DB57-8526-274D-9081-62FCA2685B94}"/>
-              </a:ext>
-            </a:extLst>
-          </p:cNvPr>
+          <p:cNvPr id="91" name="直线箭头连接符 90"/>
           <p:cNvCxnSpPr>
-            <a:cxnSpLocks/>
             <a:stCxn id="50" idx="3"/>
             <a:endCxn id="81" idx="1"/>
           </p:cNvCxnSpPr>
@@ -4546,15 +6753,8 @@
       </p:cxnSp>
       <p:cxnSp>
         <p:nvCxnSpPr>
-          <p:cNvPr id="93" name="直线箭头连接符 92">
-            <a:extLst>
-              <a:ext uri="{FF2B5EF4-FFF2-40B4-BE49-F238E27FC236}">
-                <a16:creationId xmlns:a16="http://schemas.microsoft.com/office/drawing/2014/main" id="{0E1CA29E-753D-7049-B8C0-7D70DA5994DB}"/>
-              </a:ext>
-            </a:extLst>
-          </p:cNvPr>
+          <p:cNvPr id="93" name="直线箭头连接符 92"/>
           <p:cNvCxnSpPr>
-            <a:cxnSpLocks/>
             <a:stCxn id="19" idx="2"/>
             <a:endCxn id="81" idx="3"/>
           </p:cNvCxnSpPr>
@@ -4589,13 +6789,7 @@
       </p:cxnSp>
       <p:sp>
         <p:nvSpPr>
-          <p:cNvPr id="94" name="文本框 93">
-            <a:extLst>
-              <a:ext uri="{FF2B5EF4-FFF2-40B4-BE49-F238E27FC236}">
-                <a16:creationId xmlns:a16="http://schemas.microsoft.com/office/drawing/2014/main" id="{1CB749B2-D516-6846-A587-D839B2458CF1}"/>
-              </a:ext>
-            </a:extLst>
-          </p:cNvPr>
+          <p:cNvPr id="94" name="文本框 93"/>
           <p:cNvSpPr txBox="1"/>
           <p:nvPr/>
         </p:nvSpPr>
@@ -4625,15 +6819,8 @@
       </p:sp>
       <p:cxnSp>
         <p:nvCxnSpPr>
-          <p:cNvPr id="96" name="直线箭头连接符 95">
-            <a:extLst>
-              <a:ext uri="{FF2B5EF4-FFF2-40B4-BE49-F238E27FC236}">
-                <a16:creationId xmlns:a16="http://schemas.microsoft.com/office/drawing/2014/main" id="{8BB0EF43-183D-864D-B052-46CEA4D1F9C3}"/>
-              </a:ext>
-            </a:extLst>
-          </p:cNvPr>
+          <p:cNvPr id="96" name="直线箭头连接符 95"/>
           <p:cNvCxnSpPr>
-            <a:cxnSpLocks/>
             <a:stCxn id="81" idx="2"/>
             <a:endCxn id="94" idx="0"/>
           </p:cNvCxnSpPr>
@@ -4668,15 +6855,8 @@
       </p:cxnSp>
       <p:cxnSp>
         <p:nvCxnSpPr>
-          <p:cNvPr id="98" name="直线箭头连接符 97">
-            <a:extLst>
-              <a:ext uri="{FF2B5EF4-FFF2-40B4-BE49-F238E27FC236}">
-                <a16:creationId xmlns:a16="http://schemas.microsoft.com/office/drawing/2014/main" id="{E2B2CD4D-F1C5-234D-AF8A-ABCD3E7DA0C8}"/>
-              </a:ext>
-            </a:extLst>
-          </p:cNvPr>
+          <p:cNvPr id="98" name="直线箭头连接符 97"/>
           <p:cNvCxnSpPr>
-            <a:cxnSpLocks/>
             <a:stCxn id="82" idx="0"/>
             <a:endCxn id="94" idx="2"/>
           </p:cNvCxnSpPr>
@@ -4711,13 +6891,7 @@
       </p:cxnSp>
       <p:sp>
         <p:nvSpPr>
-          <p:cNvPr id="99" name="文本框 98">
-            <a:extLst>
-              <a:ext uri="{FF2B5EF4-FFF2-40B4-BE49-F238E27FC236}">
-                <a16:creationId xmlns:a16="http://schemas.microsoft.com/office/drawing/2014/main" id="{13B67FE1-282D-1247-8822-99009F25745E}"/>
-              </a:ext>
-            </a:extLst>
-          </p:cNvPr>
+          <p:cNvPr id="99" name="文本框 98"/>
           <p:cNvSpPr txBox="1"/>
           <p:nvPr/>
         </p:nvSpPr>
@@ -4747,15 +6921,8 @@
       </p:sp>
       <p:cxnSp>
         <p:nvCxnSpPr>
-          <p:cNvPr id="101" name="直线箭头连接符 100">
-            <a:extLst>
-              <a:ext uri="{FF2B5EF4-FFF2-40B4-BE49-F238E27FC236}">
-                <a16:creationId xmlns:a16="http://schemas.microsoft.com/office/drawing/2014/main" id="{486E8AEA-8F9C-A645-B577-7AAA2B21D2A5}"/>
-              </a:ext>
-            </a:extLst>
-          </p:cNvPr>
+          <p:cNvPr id="101" name="直线箭头连接符 100"/>
           <p:cNvCxnSpPr>
-            <a:cxnSpLocks/>
             <a:stCxn id="94" idx="3"/>
             <a:endCxn id="99" idx="1"/>
           </p:cNvCxnSpPr>
@@ -4790,13 +6957,7 @@
       </p:cxnSp>
       <p:sp>
         <p:nvSpPr>
-          <p:cNvPr id="102" name="文本框 101">
-            <a:extLst>
-              <a:ext uri="{FF2B5EF4-FFF2-40B4-BE49-F238E27FC236}">
-                <a16:creationId xmlns:a16="http://schemas.microsoft.com/office/drawing/2014/main" id="{528FA1B3-935A-8542-B37A-0EC78DF939E2}"/>
-              </a:ext>
-            </a:extLst>
-          </p:cNvPr>
+          <p:cNvPr id="102" name="文本框 101"/>
           <p:cNvSpPr txBox="1"/>
           <p:nvPr/>
         </p:nvSpPr>
@@ -4842,13 +7003,7 @@
       </p:sp>
       <p:sp>
         <p:nvSpPr>
-          <p:cNvPr id="131" name="文本框 130">
-            <a:extLst>
-              <a:ext uri="{FF2B5EF4-FFF2-40B4-BE49-F238E27FC236}">
-                <a16:creationId xmlns:a16="http://schemas.microsoft.com/office/drawing/2014/main" id="{1D9FC416-35A2-764F-9C29-54607DED16CA}"/>
-              </a:ext>
-            </a:extLst>
-          </p:cNvPr>
+          <p:cNvPr id="131" name="文本框 130"/>
           <p:cNvSpPr txBox="1"/>
           <p:nvPr/>
         </p:nvSpPr>
@@ -4876,12 +7031,1186 @@
           </a:p>
         </p:txBody>
       </p:sp>
+      <p:sp>
+        <p:nvSpPr>
+          <p:cNvPr id="2" name="文本框 1"/>
+          <p:cNvSpPr txBox="1"/>
+          <p:nvPr/>
+        </p:nvSpPr>
+        <p:spPr>
+          <a:xfrm>
+            <a:off x="431800" y="222250"/>
+            <a:ext cx="2268220" cy="368300"/>
+          </a:xfrm>
+          <a:prstGeom prst="rect">
+            <a:avLst/>
+          </a:prstGeom>
+          <a:noFill/>
+        </p:spPr>
+        <p:txBody>
+          <a:bodyPr wrap="square" rtlCol="0">
+            <a:spAutoFit/>
+          </a:bodyPr>
+          <a:p>
+            <a:r>
+              <a:rPr lang="en-US" altLang="zh-CN"/>
+              <a:t>06/05/2021</a:t>
+            </a:r>
+            <a:endParaRPr lang="en-US" altLang="zh-CN"/>
+          </a:p>
+        </p:txBody>
+      </p:sp>
     </p:spTree>
-    <p:extLst>
-      <p:ext uri="{BB962C8B-B14F-4D97-AF65-F5344CB8AC3E}">
-        <p14:creationId xmlns:p14="http://schemas.microsoft.com/office/powerpoint/2010/main" val="1579027638"/>
-      </p:ext>
-    </p:extLst>
+  </p:cSld>
+  <p:clrMapOvr>
+    <a:masterClrMapping/>
+  </p:clrMapOvr>
+</p:sld>
+</file>
+
+<file path=ppt/slides/slide2.xml><?xml version="1.0" encoding="utf-8"?>
+<p:sld xmlns:a="http://schemas.openxmlformats.org/drawingml/2006/main" xmlns:r="http://schemas.openxmlformats.org/officeDocument/2006/relationships" xmlns:p="http://schemas.openxmlformats.org/presentationml/2006/main">
+  <p:cSld>
+    <p:spTree>
+      <p:nvGrpSpPr>
+        <p:cNvPr id="1" name=""/>
+        <p:cNvGrpSpPr/>
+        <p:nvPr/>
+      </p:nvGrpSpPr>
+      <p:grpSpPr>
+        <a:xfrm>
+          <a:off x="0" y="0"/>
+          <a:ext cx="0" cy="0"/>
+          <a:chOff x="0" y="0"/>
+          <a:chExt cx="0" cy="0"/>
+        </a:xfrm>
+      </p:grpSpPr>
+      <p:sp>
+        <p:nvSpPr>
+          <p:cNvPr id="5" name="圆角矩形 4"/>
+          <p:cNvSpPr/>
+          <p:nvPr/>
+        </p:nvSpPr>
+        <p:spPr>
+          <a:xfrm>
+            <a:off x="2676269" y="2608768"/>
+            <a:ext cx="1270835" cy="1010974"/>
+          </a:xfrm>
+          <a:prstGeom prst="roundRect">
+            <a:avLst/>
+          </a:prstGeom>
+        </p:spPr>
+        <p:style>
+          <a:lnRef idx="2">
+            <a:schemeClr val="accent1">
+              <a:shade val="50000"/>
+            </a:schemeClr>
+          </a:lnRef>
+          <a:fillRef idx="1">
+            <a:schemeClr val="accent1"/>
+          </a:fillRef>
+          <a:effectRef idx="0">
+            <a:schemeClr val="accent1"/>
+          </a:effectRef>
+          <a:fontRef idx="minor">
+            <a:schemeClr val="lt1"/>
+          </a:fontRef>
+        </p:style>
+        <p:txBody>
+          <a:bodyPr rtlCol="0" anchor="ctr"/>
+          <a:lstStyle/>
+          <a:p>
+            <a:pPr algn="ctr"/>
+            <a:endParaRPr kumimoji="1" lang="zh-CN" altLang="en-US"/>
+          </a:p>
+        </p:txBody>
+      </p:sp>
+      <p:sp>
+        <p:nvSpPr>
+          <p:cNvPr id="10" name="文本框 9"/>
+          <p:cNvSpPr txBox="1"/>
+          <p:nvPr/>
+        </p:nvSpPr>
+        <p:spPr>
+          <a:xfrm>
+            <a:off x="327416" y="3896308"/>
+            <a:ext cx="1706365" cy="646331"/>
+          </a:xfrm>
+          <a:prstGeom prst="rect">
+            <a:avLst/>
+          </a:prstGeom>
+          <a:noFill/>
+        </p:spPr>
+        <p:txBody>
+          <a:bodyPr wrap="square" rtlCol="0">
+            <a:spAutoFit/>
+          </a:bodyPr>
+          <a:lstStyle/>
+          <a:p>
+            <a:pPr algn="ctr"/>
+            <a:r>
+              <a:rPr kumimoji="1" lang="en-US" altLang="zh-CN" dirty="0"/>
+              <a:t>Input</a:t>
+            </a:r>
+            <a:endParaRPr kumimoji="1" lang="en-US" altLang="zh-CN" dirty="0"/>
+          </a:p>
+          <a:p>
+            <a:r>
+              <a:rPr kumimoji="1" lang="en-US" altLang="zh-CN" dirty="0"/>
+              <a:t>(random noise)</a:t>
+            </a:r>
+            <a:endParaRPr kumimoji="1" lang="zh-CN" altLang="en-US" dirty="0"/>
+          </a:p>
+        </p:txBody>
+      </p:sp>
+      <p:sp>
+        <p:nvSpPr>
+          <p:cNvPr id="11" name="文本框 10"/>
+          <p:cNvSpPr txBox="1"/>
+          <p:nvPr/>
+        </p:nvSpPr>
+        <p:spPr>
+          <a:xfrm>
+            <a:off x="2700334" y="3838304"/>
+            <a:ext cx="1082842" cy="369332"/>
+          </a:xfrm>
+          <a:prstGeom prst="rect">
+            <a:avLst/>
+          </a:prstGeom>
+          <a:noFill/>
+        </p:spPr>
+        <p:txBody>
+          <a:bodyPr wrap="square" rtlCol="0">
+            <a:spAutoFit/>
+          </a:bodyPr>
+          <a:lstStyle/>
+          <a:p>
+            <a:r>
+              <a:rPr kumimoji="1" lang="en-US" altLang="zh-CN" dirty="0"/>
+              <a:t>Network</a:t>
+            </a:r>
+            <a:endParaRPr kumimoji="1" lang="zh-CN" altLang="en-US" dirty="0"/>
+          </a:p>
+        </p:txBody>
+      </p:sp>
+      <p:sp>
+        <p:nvSpPr>
+          <p:cNvPr id="12" name="文本框 11"/>
+          <p:cNvSpPr txBox="1"/>
+          <p:nvPr/>
+        </p:nvSpPr>
+        <p:spPr>
+          <a:xfrm>
+            <a:off x="5287749" y="3896308"/>
+            <a:ext cx="1106905" cy="369332"/>
+          </a:xfrm>
+          <a:prstGeom prst="rect">
+            <a:avLst/>
+          </a:prstGeom>
+          <a:noFill/>
+        </p:spPr>
+        <p:txBody>
+          <a:bodyPr wrap="square" rtlCol="0" anchor="t" anchorCtr="1">
+            <a:spAutoFit/>
+          </a:bodyPr>
+          <a:lstStyle/>
+          <a:p>
+            <a:r>
+              <a:rPr kumimoji="1" lang="en-US" altLang="zh-CN" dirty="0"/>
+              <a:t>Output</a:t>
+            </a:r>
+            <a:endParaRPr kumimoji="1" lang="zh-CN" altLang="en-US" dirty="0"/>
+          </a:p>
+        </p:txBody>
+      </p:sp>
+      <p:sp>
+        <p:nvSpPr>
+          <p:cNvPr id="13" name="文本框 12"/>
+          <p:cNvSpPr txBox="1"/>
+          <p:nvPr/>
+        </p:nvSpPr>
+        <p:spPr>
+          <a:xfrm>
+            <a:off x="9111779" y="2375555"/>
+            <a:ext cx="1275348" cy="369332"/>
+          </a:xfrm>
+          <a:prstGeom prst="rect">
+            <a:avLst/>
+          </a:prstGeom>
+          <a:noFill/>
+        </p:spPr>
+        <p:txBody>
+          <a:bodyPr wrap="square" rtlCol="0">
+            <a:spAutoFit/>
+          </a:bodyPr>
+          <a:lstStyle/>
+          <a:p>
+            <a:r>
+              <a:rPr kumimoji="1" lang="en-US" altLang="zh-CN" dirty="0"/>
+              <a:t>MR Image</a:t>
+            </a:r>
+            <a:endParaRPr kumimoji="1" lang="zh-CN" altLang="en-US" dirty="0"/>
+          </a:p>
+        </p:txBody>
+      </p:sp>
+      <p:sp>
+        <p:nvSpPr>
+          <p:cNvPr id="14" name="文本框 13"/>
+          <p:cNvSpPr txBox="1"/>
+          <p:nvPr/>
+        </p:nvSpPr>
+        <p:spPr>
+          <a:xfrm>
+            <a:off x="9175043" y="5851400"/>
+            <a:ext cx="1167063" cy="369332"/>
+          </a:xfrm>
+          <a:prstGeom prst="rect">
+            <a:avLst/>
+          </a:prstGeom>
+          <a:noFill/>
+        </p:spPr>
+        <p:txBody>
+          <a:bodyPr wrap="square" rtlCol="0">
+            <a:spAutoFit/>
+          </a:bodyPr>
+          <a:lstStyle/>
+          <a:p>
+            <a:r>
+              <a:rPr kumimoji="1" lang="en-US" altLang="zh-CN" dirty="0"/>
+              <a:t>US Image</a:t>
+            </a:r>
+            <a:endParaRPr kumimoji="1" lang="en-US" altLang="zh-CN" dirty="0"/>
+          </a:p>
+        </p:txBody>
+      </p:sp>
+      <p:sp>
+        <p:nvSpPr>
+          <p:cNvPr id="17" name="文本框 16"/>
+          <p:cNvSpPr txBox="1"/>
+          <p:nvPr/>
+        </p:nvSpPr>
+        <p:spPr>
+          <a:xfrm>
+            <a:off x="3555365" y="370205"/>
+            <a:ext cx="4455160" cy="368300"/>
+          </a:xfrm>
+          <a:prstGeom prst="rect">
+            <a:avLst/>
+          </a:prstGeom>
+          <a:noFill/>
+        </p:spPr>
+        <p:txBody>
+          <a:bodyPr vert="horz" wrap="square" rtlCol="0" anchor="t" anchorCtr="0">
+            <a:spAutoFit/>
+          </a:bodyPr>
+          <a:lstStyle/>
+          <a:p>
+            <a:r>
+              <a:rPr kumimoji="1" lang="en-US" altLang="zh-CN" dirty="0">
+                <a:sym typeface="+mn-ea"/>
+              </a:rPr>
+              <a:t>Sensor Gain S</a:t>
+            </a:r>
+            <a:r>
+              <a:rPr kumimoji="1" lang="en-US" altLang="zh-CN" baseline="-25000" dirty="0">
+                <a:sym typeface="+mn-ea"/>
+              </a:rPr>
+              <a:t>1 </a:t>
+            </a:r>
+            <a:r>
+              <a:rPr kumimoji="1" lang="en-US" altLang="zh-CN" dirty="0"/>
+              <a:t>* Convolution Operator H</a:t>
+            </a:r>
+            <a:r>
+              <a:rPr kumimoji="1" lang="en-US" altLang="zh-CN" baseline="-25000" dirty="0"/>
+              <a:t>1</a:t>
+            </a:r>
+            <a:endParaRPr kumimoji="1" lang="zh-CN" altLang="en-US" baseline="-25000" dirty="0"/>
+          </a:p>
+        </p:txBody>
+      </p:sp>
+      <p:sp>
+        <p:nvSpPr>
+          <p:cNvPr id="18" name="文本框 17"/>
+          <p:cNvSpPr txBox="1"/>
+          <p:nvPr/>
+        </p:nvSpPr>
+        <p:spPr>
+          <a:xfrm>
+            <a:off x="3469005" y="5653405"/>
+            <a:ext cx="4744085" cy="368300"/>
+          </a:xfrm>
+          <a:prstGeom prst="rect">
+            <a:avLst/>
+          </a:prstGeom>
+          <a:noFill/>
+        </p:spPr>
+        <p:txBody>
+          <a:bodyPr wrap="square" rtlCol="0" anchor="t" anchorCtr="1">
+            <a:spAutoFit/>
+          </a:bodyPr>
+          <a:lstStyle/>
+          <a:p>
+            <a:r>
+              <a:rPr kumimoji="1" lang="en-US" altLang="zh-CN" dirty="0">
+                <a:sym typeface="+mn-ea"/>
+              </a:rPr>
+              <a:t>Sensor Gain S</a:t>
+            </a:r>
+            <a:r>
+              <a:rPr kumimoji="1" lang="en-US" altLang="zh-CN" baseline="-25000" dirty="0">
+                <a:sym typeface="+mn-ea"/>
+              </a:rPr>
+              <a:t>2</a:t>
+            </a:r>
+            <a:r>
+              <a:rPr kumimoji="1" lang="en-US" altLang="zh-CN" dirty="0"/>
+              <a:t> * Convolution Operator H</a:t>
+            </a:r>
+            <a:r>
+              <a:rPr kumimoji="1" lang="en-US" altLang="zh-CN" baseline="-25000" dirty="0"/>
+              <a:t>2</a:t>
+            </a:r>
+            <a:endParaRPr kumimoji="1" lang="zh-CN" altLang="en-US" baseline="-25000" dirty="0"/>
+          </a:p>
+        </p:txBody>
+      </p:sp>
+      <p:pic>
+        <p:nvPicPr>
+          <p:cNvPr id="24" name="图片 23" descr="在黑暗中&#10;&#10;低可信度描述已自动生成"/>
+          <p:cNvPicPr>
+            <a:picLocks noChangeAspect="1"/>
+          </p:cNvPicPr>
+          <p:nvPr/>
+        </p:nvPicPr>
+        <p:blipFill>
+          <a:blip r:embed="rId1"/>
+          <a:stretch>
+            <a:fillRect/>
+          </a:stretch>
+        </p:blipFill>
+        <p:spPr>
+          <a:xfrm>
+            <a:off x="398547" y="2332203"/>
+            <a:ext cx="1564105" cy="1564105"/>
+          </a:xfrm>
+          <a:prstGeom prst="rect">
+            <a:avLst/>
+          </a:prstGeom>
+        </p:spPr>
+      </p:pic>
+      <p:pic>
+        <p:nvPicPr>
+          <p:cNvPr id="26" name="图片 25"/>
+          <p:cNvPicPr>
+            <a:picLocks noChangeAspect="1"/>
+          </p:cNvPicPr>
+          <p:nvPr/>
+        </p:nvPicPr>
+        <p:blipFill>
+          <a:blip r:embed="rId2"/>
+          <a:stretch>
+            <a:fillRect/>
+          </a:stretch>
+        </p:blipFill>
+        <p:spPr>
+          <a:xfrm>
+            <a:off x="9045586" y="4214621"/>
+            <a:ext cx="1593416" cy="1593416"/>
+          </a:xfrm>
+          <a:prstGeom prst="rect">
+            <a:avLst/>
+          </a:prstGeom>
+        </p:spPr>
+      </p:pic>
+      <p:pic>
+        <p:nvPicPr>
+          <p:cNvPr id="28" name="图片 27"/>
+          <p:cNvPicPr>
+            <a:picLocks noChangeAspect="1"/>
+          </p:cNvPicPr>
+          <p:nvPr/>
+        </p:nvPicPr>
+        <p:blipFill>
+          <a:blip r:embed="rId3"/>
+          <a:stretch>
+            <a:fillRect/>
+          </a:stretch>
+        </p:blipFill>
+        <p:spPr>
+          <a:xfrm>
+            <a:off x="8952746" y="738777"/>
+            <a:ext cx="1593415" cy="1593415"/>
+          </a:xfrm>
+          <a:prstGeom prst="rect">
+            <a:avLst/>
+          </a:prstGeom>
+        </p:spPr>
+      </p:pic>
+      <p:pic>
+        <p:nvPicPr>
+          <p:cNvPr id="30" name="图片 29" descr="男子的脸部特写黑白照&#10;&#10;中度可信度描述已自动生成"/>
+          <p:cNvPicPr>
+            <a:picLocks noChangeAspect="1"/>
+          </p:cNvPicPr>
+          <p:nvPr/>
+        </p:nvPicPr>
+        <p:blipFill>
+          <a:blip r:embed="rId4"/>
+          <a:stretch>
+            <a:fillRect/>
+          </a:stretch>
+        </p:blipFill>
+        <p:spPr>
+          <a:xfrm>
+            <a:off x="5033911" y="2315070"/>
+            <a:ext cx="1565107" cy="1565107"/>
+          </a:xfrm>
+          <a:prstGeom prst="rect">
+            <a:avLst/>
+          </a:prstGeom>
+        </p:spPr>
+      </p:pic>
+      <p:cxnSp>
+        <p:nvCxnSpPr>
+          <p:cNvPr id="41" name="直线箭头连接符 40"/>
+          <p:cNvCxnSpPr>
+            <a:stCxn id="24" idx="3"/>
+            <a:endCxn id="5" idx="1"/>
+          </p:cNvCxnSpPr>
+          <p:nvPr/>
+        </p:nvCxnSpPr>
+        <p:spPr>
+          <a:xfrm flipV="1">
+            <a:off x="1962652" y="3114255"/>
+            <a:ext cx="713617" cy="1"/>
+          </a:xfrm>
+          <a:prstGeom prst="straightConnector1">
+            <a:avLst/>
+          </a:prstGeom>
+          <a:ln>
+            <a:solidFill>
+              <a:schemeClr val="tx1"/>
+            </a:solidFill>
+            <a:tailEnd type="triangle"/>
+          </a:ln>
+        </p:spPr>
+        <p:style>
+          <a:lnRef idx="1">
+            <a:schemeClr val="dk1"/>
+          </a:lnRef>
+          <a:fillRef idx="0">
+            <a:schemeClr val="dk1"/>
+          </a:fillRef>
+          <a:effectRef idx="0">
+            <a:schemeClr val="dk1"/>
+          </a:effectRef>
+          <a:fontRef idx="minor">
+            <a:schemeClr val="tx1"/>
+          </a:fontRef>
+        </p:style>
+      </p:cxnSp>
+      <p:cxnSp>
+        <p:nvCxnSpPr>
+          <p:cNvPr id="42" name="直线箭头连接符 41"/>
+          <p:cNvCxnSpPr>
+            <a:stCxn id="5" idx="3"/>
+            <a:endCxn id="30" idx="1"/>
+          </p:cNvCxnSpPr>
+          <p:nvPr/>
+        </p:nvCxnSpPr>
+        <p:spPr>
+          <a:xfrm flipV="1">
+            <a:off x="3947104" y="3097624"/>
+            <a:ext cx="1086807" cy="16631"/>
+          </a:xfrm>
+          <a:prstGeom prst="straightConnector1">
+            <a:avLst/>
+          </a:prstGeom>
+          <a:ln>
+            <a:solidFill>
+              <a:schemeClr val="tx1"/>
+            </a:solidFill>
+            <a:tailEnd type="triangle"/>
+          </a:ln>
+        </p:spPr>
+        <p:style>
+          <a:lnRef idx="1">
+            <a:schemeClr val="dk1"/>
+          </a:lnRef>
+          <a:fillRef idx="0">
+            <a:schemeClr val="dk1"/>
+          </a:fillRef>
+          <a:effectRef idx="0">
+            <a:schemeClr val="dk1"/>
+          </a:effectRef>
+          <a:fontRef idx="minor">
+            <a:schemeClr val="tx1"/>
+          </a:fontRef>
+        </p:style>
+      </p:cxnSp>
+      <p:sp>
+        <p:nvSpPr>
+          <p:cNvPr id="50" name="文本框 49"/>
+          <p:cNvSpPr txBox="1"/>
+          <p:nvPr/>
+        </p:nvSpPr>
+        <p:spPr>
+          <a:xfrm>
+            <a:off x="5601970" y="1365885"/>
+            <a:ext cx="377190" cy="368300"/>
+          </a:xfrm>
+          <a:prstGeom prst="rect">
+            <a:avLst/>
+          </a:prstGeom>
+          <a:noFill/>
+        </p:spPr>
+        <p:txBody>
+          <a:bodyPr wrap="square" rtlCol="0" anchor="ctr" anchorCtr="0">
+            <a:spAutoFit/>
+          </a:bodyPr>
+          <a:lstStyle/>
+          <a:p>
+            <a:r>
+              <a:rPr kumimoji="1" lang="en-US" altLang="zh-CN" dirty="0"/>
+              <a:t>✖️</a:t>
+            </a:r>
+            <a:endParaRPr kumimoji="1" lang="zh-CN" altLang="en-US" dirty="0"/>
+          </a:p>
+        </p:txBody>
+      </p:sp>
+      <p:sp>
+        <p:nvSpPr>
+          <p:cNvPr id="51" name="文本框 50"/>
+          <p:cNvSpPr txBox="1"/>
+          <p:nvPr/>
+        </p:nvSpPr>
+        <p:spPr>
+          <a:xfrm>
+            <a:off x="5631778" y="4808941"/>
+            <a:ext cx="402059" cy="369332"/>
+          </a:xfrm>
+          <a:prstGeom prst="rect">
+            <a:avLst/>
+          </a:prstGeom>
+          <a:noFill/>
+        </p:spPr>
+        <p:txBody>
+          <a:bodyPr wrap="square" rtlCol="0" anchor="t" anchorCtr="1">
+            <a:spAutoFit/>
+          </a:bodyPr>
+          <a:lstStyle/>
+          <a:p>
+            <a:r>
+              <a:rPr kumimoji="1" lang="en-US" altLang="zh-CN" dirty="0"/>
+              <a:t>✖️</a:t>
+            </a:r>
+            <a:endParaRPr kumimoji="1" lang="zh-CN" altLang="en-US" dirty="0"/>
+          </a:p>
+        </p:txBody>
+      </p:sp>
+      <p:cxnSp>
+        <p:nvCxnSpPr>
+          <p:cNvPr id="53" name="直线箭头连接符 52"/>
+          <p:cNvCxnSpPr/>
+          <p:nvPr/>
+        </p:nvCxnSpPr>
+        <p:spPr>
+          <a:xfrm flipV="1">
+            <a:off x="5774360" y="1721977"/>
+            <a:ext cx="16789" cy="584841"/>
+          </a:xfrm>
+          <a:prstGeom prst="straightConnector1">
+            <a:avLst/>
+          </a:prstGeom>
+          <a:ln>
+            <a:tailEnd type="triangle"/>
+          </a:ln>
+        </p:spPr>
+        <p:style>
+          <a:lnRef idx="1">
+            <a:schemeClr val="accent1"/>
+          </a:lnRef>
+          <a:fillRef idx="0">
+            <a:schemeClr val="accent1"/>
+          </a:fillRef>
+          <a:effectRef idx="0">
+            <a:schemeClr val="accent1"/>
+          </a:effectRef>
+          <a:fontRef idx="minor">
+            <a:schemeClr val="tx1"/>
+          </a:fontRef>
+        </p:style>
+      </p:cxnSp>
+      <p:cxnSp>
+        <p:nvCxnSpPr>
+          <p:cNvPr id="63" name="直线箭头连接符 62"/>
+          <p:cNvCxnSpPr/>
+          <p:nvPr/>
+        </p:nvCxnSpPr>
+        <p:spPr>
+          <a:xfrm flipH="1">
+            <a:off x="5832808" y="4265640"/>
+            <a:ext cx="8394" cy="543301"/>
+          </a:xfrm>
+          <a:prstGeom prst="straightConnector1">
+            <a:avLst/>
+          </a:prstGeom>
+          <a:ln>
+            <a:tailEnd type="triangle"/>
+          </a:ln>
+        </p:spPr>
+        <p:style>
+          <a:lnRef idx="1">
+            <a:schemeClr val="accent1"/>
+          </a:lnRef>
+          <a:fillRef idx="0">
+            <a:schemeClr val="accent1"/>
+          </a:fillRef>
+          <a:effectRef idx="0">
+            <a:schemeClr val="accent1"/>
+          </a:effectRef>
+          <a:fontRef idx="minor">
+            <a:schemeClr val="tx1"/>
+          </a:fontRef>
+        </p:style>
+      </p:cxnSp>
+      <p:cxnSp>
+        <p:nvCxnSpPr>
+          <p:cNvPr id="65" name="直线箭头连接符 64"/>
+          <p:cNvCxnSpPr>
+            <a:stCxn id="18" idx="0"/>
+            <a:endCxn id="51" idx="2"/>
+          </p:cNvCxnSpPr>
+          <p:nvPr/>
+        </p:nvCxnSpPr>
+        <p:spPr>
+          <a:xfrm flipH="1" flipV="1">
+            <a:off x="5832807" y="5178203"/>
+            <a:ext cx="8255" cy="474980"/>
+          </a:xfrm>
+          <a:prstGeom prst="straightConnector1">
+            <a:avLst/>
+          </a:prstGeom>
+          <a:ln>
+            <a:tailEnd type="triangle"/>
+          </a:ln>
+        </p:spPr>
+        <p:style>
+          <a:lnRef idx="1">
+            <a:schemeClr val="accent1"/>
+          </a:lnRef>
+          <a:fillRef idx="0">
+            <a:schemeClr val="accent1"/>
+          </a:fillRef>
+          <a:effectRef idx="0">
+            <a:schemeClr val="accent1"/>
+          </a:effectRef>
+          <a:fontRef idx="minor">
+            <a:schemeClr val="tx1"/>
+          </a:fontRef>
+        </p:style>
+      </p:cxnSp>
+      <p:cxnSp>
+        <p:nvCxnSpPr>
+          <p:cNvPr id="75" name="直线箭头连接符 74"/>
+          <p:cNvCxnSpPr/>
+          <p:nvPr/>
+        </p:nvCxnSpPr>
+        <p:spPr>
+          <a:xfrm flipH="1">
+            <a:off x="7380978" y="1545645"/>
+            <a:ext cx="1571768" cy="0"/>
+          </a:xfrm>
+          <a:prstGeom prst="straightConnector1">
+            <a:avLst/>
+          </a:prstGeom>
+          <a:ln>
+            <a:tailEnd type="triangle"/>
+          </a:ln>
+        </p:spPr>
+        <p:style>
+          <a:lnRef idx="1">
+            <a:schemeClr val="accent1"/>
+          </a:lnRef>
+          <a:fillRef idx="0">
+            <a:schemeClr val="accent1"/>
+          </a:fillRef>
+          <a:effectRef idx="0">
+            <a:schemeClr val="accent1"/>
+          </a:effectRef>
+          <a:fontRef idx="minor">
+            <a:schemeClr val="tx1"/>
+          </a:fontRef>
+        </p:style>
+      </p:cxnSp>
+      <p:sp>
+        <p:nvSpPr>
+          <p:cNvPr id="81" name="文本框 80"/>
+          <p:cNvSpPr txBox="1"/>
+          <p:nvPr/>
+        </p:nvSpPr>
+        <p:spPr>
+          <a:xfrm>
+            <a:off x="6842740" y="1365193"/>
+            <a:ext cx="618276" cy="369332"/>
+          </a:xfrm>
+          <a:prstGeom prst="rect">
+            <a:avLst/>
+          </a:prstGeom>
+          <a:noFill/>
+        </p:spPr>
+        <p:txBody>
+          <a:bodyPr wrap="square" rtlCol="0">
+            <a:spAutoFit/>
+          </a:bodyPr>
+          <a:lstStyle/>
+          <a:p>
+            <a:r>
+              <a:rPr kumimoji="1" lang="en-US" altLang="zh-CN" dirty="0"/>
+              <a:t>MSE</a:t>
+            </a:r>
+            <a:endParaRPr kumimoji="1" lang="zh-CN" altLang="en-US" dirty="0"/>
+          </a:p>
+        </p:txBody>
+      </p:sp>
+      <p:sp>
+        <p:nvSpPr>
+          <p:cNvPr id="82" name="文本框 81"/>
+          <p:cNvSpPr txBox="1"/>
+          <p:nvPr/>
+        </p:nvSpPr>
+        <p:spPr>
+          <a:xfrm>
+            <a:off x="6860277" y="4821311"/>
+            <a:ext cx="618276" cy="369332"/>
+          </a:xfrm>
+          <a:prstGeom prst="rect">
+            <a:avLst/>
+          </a:prstGeom>
+          <a:noFill/>
+        </p:spPr>
+        <p:txBody>
+          <a:bodyPr wrap="square" rtlCol="0">
+            <a:spAutoFit/>
+          </a:bodyPr>
+          <a:lstStyle/>
+          <a:p>
+            <a:r>
+              <a:rPr kumimoji="1" lang="en-US" altLang="zh-CN" dirty="0"/>
+              <a:t>MSE</a:t>
+            </a:r>
+            <a:endParaRPr kumimoji="1" lang="zh-CN" altLang="en-US" dirty="0"/>
+          </a:p>
+        </p:txBody>
+      </p:sp>
+      <p:cxnSp>
+        <p:nvCxnSpPr>
+          <p:cNvPr id="85" name="直线箭头连接符 84"/>
+          <p:cNvCxnSpPr>
+            <a:stCxn id="26" idx="1"/>
+            <a:endCxn id="21" idx="4"/>
+          </p:cNvCxnSpPr>
+          <p:nvPr/>
+        </p:nvCxnSpPr>
+        <p:spPr>
+          <a:xfrm flipH="1" flipV="1">
+            <a:off x="7462531" y="5005614"/>
+            <a:ext cx="1583055" cy="5715"/>
+          </a:xfrm>
+          <a:prstGeom prst="straightConnector1">
+            <a:avLst/>
+          </a:prstGeom>
+          <a:ln>
+            <a:tailEnd type="triangle"/>
+          </a:ln>
+        </p:spPr>
+        <p:style>
+          <a:lnRef idx="1">
+            <a:schemeClr val="accent1"/>
+          </a:lnRef>
+          <a:fillRef idx="0">
+            <a:schemeClr val="accent1"/>
+          </a:fillRef>
+          <a:effectRef idx="0">
+            <a:schemeClr val="accent1"/>
+          </a:effectRef>
+          <a:fontRef idx="minor">
+            <a:schemeClr val="tx1"/>
+          </a:fontRef>
+        </p:style>
+      </p:cxnSp>
+      <p:cxnSp>
+        <p:nvCxnSpPr>
+          <p:cNvPr id="87" name="直线箭头连接符 86"/>
+          <p:cNvCxnSpPr>
+            <a:stCxn id="51" idx="3"/>
+            <a:endCxn id="82" idx="1"/>
+          </p:cNvCxnSpPr>
+          <p:nvPr/>
+        </p:nvCxnSpPr>
+        <p:spPr>
+          <a:xfrm>
+            <a:off x="6033837" y="4993607"/>
+            <a:ext cx="826440" cy="12370"/>
+          </a:xfrm>
+          <a:prstGeom prst="straightConnector1">
+            <a:avLst/>
+          </a:prstGeom>
+          <a:ln>
+            <a:tailEnd type="triangle"/>
+          </a:ln>
+        </p:spPr>
+        <p:style>
+          <a:lnRef idx="1">
+            <a:schemeClr val="accent1"/>
+          </a:lnRef>
+          <a:fillRef idx="0">
+            <a:schemeClr val="accent1"/>
+          </a:fillRef>
+          <a:effectRef idx="0">
+            <a:schemeClr val="accent1"/>
+          </a:effectRef>
+          <a:fontRef idx="minor">
+            <a:schemeClr val="tx1"/>
+          </a:fontRef>
+        </p:style>
+      </p:cxnSp>
+      <p:cxnSp>
+        <p:nvCxnSpPr>
+          <p:cNvPr id="91" name="直线箭头连接符 90"/>
+          <p:cNvCxnSpPr>
+            <a:stCxn id="50" idx="3"/>
+            <a:endCxn id="81" idx="1"/>
+          </p:cNvCxnSpPr>
+          <p:nvPr/>
+        </p:nvCxnSpPr>
+        <p:spPr>
+          <a:xfrm>
+            <a:off x="5978872" y="1550264"/>
+            <a:ext cx="863600" cy="0"/>
+          </a:xfrm>
+          <a:prstGeom prst="straightConnector1">
+            <a:avLst/>
+          </a:prstGeom>
+          <a:ln>
+            <a:tailEnd type="triangle"/>
+          </a:ln>
+        </p:spPr>
+        <p:style>
+          <a:lnRef idx="1">
+            <a:schemeClr val="accent1"/>
+          </a:lnRef>
+          <a:fillRef idx="0">
+            <a:schemeClr val="accent1"/>
+          </a:fillRef>
+          <a:effectRef idx="0">
+            <a:schemeClr val="accent1"/>
+          </a:effectRef>
+          <a:fontRef idx="minor">
+            <a:schemeClr val="tx1"/>
+          </a:fontRef>
+        </p:style>
+      </p:cxnSp>
+      <p:sp>
+        <p:nvSpPr>
+          <p:cNvPr id="94" name="文本框 93"/>
+          <p:cNvSpPr txBox="1"/>
+          <p:nvPr/>
+        </p:nvSpPr>
+        <p:spPr>
+          <a:xfrm>
+            <a:off x="6942923" y="3089818"/>
+            <a:ext cx="430334" cy="369332"/>
+          </a:xfrm>
+          <a:prstGeom prst="rect">
+            <a:avLst/>
+          </a:prstGeom>
+          <a:noFill/>
+        </p:spPr>
+        <p:txBody>
+          <a:bodyPr wrap="square" rtlCol="0">
+            <a:spAutoFit/>
+          </a:bodyPr>
+          <a:lstStyle/>
+          <a:p>
+            <a:r>
+              <a:rPr kumimoji="1" lang="en-US" altLang="zh-CN" dirty="0"/>
+              <a:t>➕</a:t>
+            </a:r>
+            <a:endParaRPr kumimoji="1" lang="zh-CN" altLang="en-US" dirty="0"/>
+          </a:p>
+        </p:txBody>
+      </p:sp>
+      <p:cxnSp>
+        <p:nvCxnSpPr>
+          <p:cNvPr id="96" name="直线箭头连接符 95"/>
+          <p:cNvCxnSpPr>
+            <a:stCxn id="81" idx="2"/>
+            <a:endCxn id="94" idx="0"/>
+          </p:cNvCxnSpPr>
+          <p:nvPr/>
+        </p:nvCxnSpPr>
+        <p:spPr>
+          <a:xfrm>
+            <a:off x="7151878" y="1734525"/>
+            <a:ext cx="6212" cy="1355293"/>
+          </a:xfrm>
+          <a:prstGeom prst="straightConnector1">
+            <a:avLst/>
+          </a:prstGeom>
+          <a:ln>
+            <a:tailEnd type="triangle"/>
+          </a:ln>
+        </p:spPr>
+        <p:style>
+          <a:lnRef idx="1">
+            <a:schemeClr val="accent1"/>
+          </a:lnRef>
+          <a:fillRef idx="0">
+            <a:schemeClr val="accent1"/>
+          </a:fillRef>
+          <a:effectRef idx="0">
+            <a:schemeClr val="accent1"/>
+          </a:effectRef>
+          <a:fontRef idx="minor">
+            <a:schemeClr val="tx1"/>
+          </a:fontRef>
+        </p:style>
+      </p:cxnSp>
+      <p:cxnSp>
+        <p:nvCxnSpPr>
+          <p:cNvPr id="98" name="直线箭头连接符 97"/>
+          <p:cNvCxnSpPr>
+            <a:stCxn id="82" idx="0"/>
+            <a:endCxn id="94" idx="2"/>
+          </p:cNvCxnSpPr>
+          <p:nvPr/>
+        </p:nvCxnSpPr>
+        <p:spPr>
+          <a:xfrm flipH="1" flipV="1">
+            <a:off x="7158090" y="3459150"/>
+            <a:ext cx="11325" cy="1362161"/>
+          </a:xfrm>
+          <a:prstGeom prst="straightConnector1">
+            <a:avLst/>
+          </a:prstGeom>
+          <a:ln>
+            <a:tailEnd type="triangle"/>
+          </a:ln>
+        </p:spPr>
+        <p:style>
+          <a:lnRef idx="1">
+            <a:schemeClr val="accent1"/>
+          </a:lnRef>
+          <a:fillRef idx="0">
+            <a:schemeClr val="accent1"/>
+          </a:fillRef>
+          <a:effectRef idx="0">
+            <a:schemeClr val="accent1"/>
+          </a:effectRef>
+          <a:fontRef idx="minor">
+            <a:schemeClr val="tx1"/>
+          </a:fontRef>
+        </p:style>
+      </p:cxnSp>
+      <p:sp>
+        <p:nvSpPr>
+          <p:cNvPr id="99" name="文本框 98"/>
+          <p:cNvSpPr txBox="1"/>
+          <p:nvPr/>
+        </p:nvSpPr>
+        <p:spPr>
+          <a:xfrm>
+            <a:off x="8143596" y="3088899"/>
+            <a:ext cx="901910" cy="369332"/>
+          </a:xfrm>
+          <a:prstGeom prst="rect">
+            <a:avLst/>
+          </a:prstGeom>
+          <a:noFill/>
+        </p:spPr>
+        <p:txBody>
+          <a:bodyPr wrap="square" rtlCol="0">
+            <a:spAutoFit/>
+          </a:bodyPr>
+          <a:lstStyle/>
+          <a:p>
+            <a:r>
+              <a:rPr kumimoji="1" lang="en-US" altLang="zh-CN" dirty="0"/>
+              <a:t>Loss</a:t>
+            </a:r>
+            <a:endParaRPr kumimoji="1" lang="zh-CN" altLang="en-US" dirty="0"/>
+          </a:p>
+        </p:txBody>
+      </p:sp>
+      <p:cxnSp>
+        <p:nvCxnSpPr>
+          <p:cNvPr id="101" name="直线箭头连接符 100"/>
+          <p:cNvCxnSpPr>
+            <a:stCxn id="94" idx="3"/>
+            <a:endCxn id="99" idx="1"/>
+          </p:cNvCxnSpPr>
+          <p:nvPr/>
+        </p:nvCxnSpPr>
+        <p:spPr>
+          <a:xfrm flipV="1">
+            <a:off x="7373257" y="3273565"/>
+            <a:ext cx="770339" cy="919"/>
+          </a:xfrm>
+          <a:prstGeom prst="straightConnector1">
+            <a:avLst/>
+          </a:prstGeom>
+          <a:ln>
+            <a:tailEnd type="triangle"/>
+          </a:ln>
+        </p:spPr>
+        <p:style>
+          <a:lnRef idx="1">
+            <a:schemeClr val="accent1"/>
+          </a:lnRef>
+          <a:fillRef idx="0">
+            <a:schemeClr val="accent1"/>
+          </a:fillRef>
+          <a:effectRef idx="0">
+            <a:schemeClr val="accent1"/>
+          </a:effectRef>
+          <a:fontRef idx="minor">
+            <a:schemeClr val="tx1"/>
+          </a:fontRef>
+        </p:style>
+      </p:cxnSp>
+      <p:sp>
+        <p:nvSpPr>
+          <p:cNvPr id="102" name="文本框 101"/>
+          <p:cNvSpPr txBox="1"/>
+          <p:nvPr/>
+        </p:nvSpPr>
+        <p:spPr>
+          <a:xfrm>
+            <a:off x="307975" y="6220460"/>
+            <a:ext cx="8644890" cy="398780"/>
+          </a:xfrm>
+          <a:prstGeom prst="rect">
+            <a:avLst/>
+          </a:prstGeom>
+          <a:noFill/>
+        </p:spPr>
+        <p:txBody>
+          <a:bodyPr wrap="square" rtlCol="0">
+            <a:spAutoFit/>
+          </a:bodyPr>
+          <a:lstStyle/>
+          <a:p>
+            <a:r>
+              <a:rPr kumimoji="1" lang="en-US" altLang="zh-CN" sz="2000" dirty="0"/>
+              <a:t>Loss = MSE( S</a:t>
+            </a:r>
+            <a:r>
+              <a:rPr kumimoji="1" lang="en-US" altLang="zh-CN" sz="2000" baseline="-25000" dirty="0"/>
+              <a:t>1 </a:t>
+            </a:r>
+            <a:r>
+              <a:rPr kumimoji="1" lang="en-US" altLang="zh-CN" sz="2000" dirty="0"/>
+              <a:t>* H</a:t>
+            </a:r>
+            <a:r>
+              <a:rPr kumimoji="1" lang="en-US" altLang="zh-CN" sz="2000" baseline="-25000" dirty="0">
+                <a:sym typeface="+mn-ea"/>
+              </a:rPr>
+              <a:t>1 </a:t>
+            </a:r>
+            <a:r>
+              <a:rPr kumimoji="1" lang="en-US" altLang="zh-CN" sz="2000" dirty="0"/>
+              <a:t>* Output,  MRI ) + MSE( S</a:t>
+            </a:r>
+            <a:r>
+              <a:rPr kumimoji="1" lang="en-US" altLang="zh-CN" sz="2000" baseline="-25000" dirty="0"/>
+              <a:t>2 </a:t>
+            </a:r>
+            <a:r>
+              <a:rPr kumimoji="1" lang="en-US" altLang="zh-CN" sz="2000" dirty="0"/>
+              <a:t>* H</a:t>
+            </a:r>
+            <a:r>
+              <a:rPr kumimoji="1" lang="en-US" altLang="zh-CN" sz="2000" baseline="-25000" dirty="0">
+                <a:sym typeface="+mn-ea"/>
+              </a:rPr>
+              <a:t>2</a:t>
+            </a:r>
+            <a:r>
+              <a:rPr kumimoji="1" lang="en-US" altLang="zh-CN" sz="2000" dirty="0"/>
+              <a:t> * Output, USI )</a:t>
+            </a:r>
+            <a:endParaRPr kumimoji="1" lang="zh-CN" altLang="en-US" sz="2000" dirty="0"/>
+          </a:p>
+        </p:txBody>
+      </p:sp>
+      <p:sp>
+        <p:nvSpPr>
+          <p:cNvPr id="2" name="文本框 1"/>
+          <p:cNvSpPr txBox="1"/>
+          <p:nvPr/>
+        </p:nvSpPr>
+        <p:spPr>
+          <a:xfrm>
+            <a:off x="167005" y="143510"/>
+            <a:ext cx="1428750" cy="368300"/>
+          </a:xfrm>
+          <a:prstGeom prst="rect">
+            <a:avLst/>
+          </a:prstGeom>
+          <a:noFill/>
+        </p:spPr>
+        <p:txBody>
+          <a:bodyPr wrap="square" rtlCol="0">
+            <a:spAutoFit/>
+          </a:bodyPr>
+          <a:p>
+            <a:r>
+              <a:rPr lang="en-US" altLang="zh-CN"/>
+              <a:t>20/05/2021</a:t>
+            </a:r>
+            <a:endParaRPr lang="en-US" altLang="zh-CN"/>
+          </a:p>
+        </p:txBody>
+      </p:sp>
+      <p:cxnSp>
+        <p:nvCxnSpPr>
+          <p:cNvPr id="9" name="直线箭头连接符 62"/>
+          <p:cNvCxnSpPr>
+            <a:endCxn id="50" idx="0"/>
+          </p:cNvCxnSpPr>
+          <p:nvPr/>
+        </p:nvCxnSpPr>
+        <p:spPr>
+          <a:xfrm flipH="1">
+            <a:off x="5790565" y="781050"/>
+            <a:ext cx="8890" cy="584835"/>
+          </a:xfrm>
+          <a:prstGeom prst="straightConnector1">
+            <a:avLst/>
+          </a:prstGeom>
+          <a:ln>
+            <a:tailEnd type="triangle"/>
+          </a:ln>
+        </p:spPr>
+        <p:style>
+          <a:lnRef idx="1">
+            <a:schemeClr val="accent1"/>
+          </a:lnRef>
+          <a:fillRef idx="0">
+            <a:schemeClr val="accent1"/>
+          </a:fillRef>
+          <a:effectRef idx="0">
+            <a:schemeClr val="accent1"/>
+          </a:effectRef>
+          <a:fontRef idx="minor">
+            <a:schemeClr val="tx1"/>
+          </a:fontRef>
+        </p:style>
+      </p:cxnSp>
+    </p:spTree>
   </p:cSld>
   <p:clrMapOvr>
     <a:masterClrMapping/>
@@ -4932,7 +8261,7 @@
     </a:clrScheme>
     <a:fontScheme name="Office">
       <a:majorFont>
-        <a:latin typeface="等线 Light" panose="020F0302020204030204"/>
+        <a:latin typeface="等线 Light"/>
         <a:ea typeface=""/>
         <a:cs typeface=""/>
         <a:font script="Jpan" typeface="游ゴシック Light"/>
@@ -4965,26 +8294,9 @@
         <a:font script="Viet" typeface="Times New Roman"/>
         <a:font script="Uigh" typeface="Microsoft Uighur"/>
         <a:font script="Geor" typeface="Sylfaen"/>
-        <a:font script="Armn" typeface="Arial"/>
-        <a:font script="Bugi" typeface="Leelawadee UI"/>
-        <a:font script="Bopo" typeface="Microsoft JhengHei"/>
-        <a:font script="Java" typeface="Javanese Text"/>
-        <a:font script="Lisu" typeface="Segoe UI"/>
-        <a:font script="Mymr" typeface="Myanmar Text"/>
-        <a:font script="Nkoo" typeface="Ebrima"/>
-        <a:font script="Olck" typeface="Nirmala UI"/>
-        <a:font script="Osma" typeface="Ebrima"/>
-        <a:font script="Phag" typeface="Phagspa"/>
-        <a:font script="Syrn" typeface="Estrangelo Edessa"/>
-        <a:font script="Syrj" typeface="Estrangelo Edessa"/>
-        <a:font script="Syre" typeface="Estrangelo Edessa"/>
-        <a:font script="Sora" typeface="Nirmala UI"/>
-        <a:font script="Tale" typeface="Microsoft Tai Le"/>
-        <a:font script="Talu" typeface="Microsoft New Tai Lue"/>
-        <a:font script="Tfng" typeface="Ebrima"/>
       </a:majorFont>
       <a:minorFont>
-        <a:latin typeface="等线" panose="020F0502020204030204"/>
+        <a:latin typeface="等线"/>
         <a:ea typeface=""/>
         <a:cs typeface=""/>
         <a:font script="Jpan" typeface="游ゴシック"/>
@@ -5017,23 +8329,6 @@
         <a:font script="Viet" typeface="Arial"/>
         <a:font script="Uigh" typeface="Microsoft Uighur"/>
         <a:font script="Geor" typeface="Sylfaen"/>
-        <a:font script="Armn" typeface="Arial"/>
-        <a:font script="Bugi" typeface="Leelawadee UI"/>
-        <a:font script="Bopo" typeface="Microsoft JhengHei"/>
-        <a:font script="Java" typeface="Javanese Text"/>
-        <a:font script="Lisu" typeface="Segoe UI"/>
-        <a:font script="Mymr" typeface="Myanmar Text"/>
-        <a:font script="Nkoo" typeface="Ebrima"/>
-        <a:font script="Olck" typeface="Nirmala UI"/>
-        <a:font script="Osma" typeface="Ebrima"/>
-        <a:font script="Phag" typeface="Phagspa"/>
-        <a:font script="Syrn" typeface="Estrangelo Edessa"/>
-        <a:font script="Syrj" typeface="Estrangelo Edessa"/>
-        <a:font script="Syre" typeface="Estrangelo Edessa"/>
-        <a:font script="Sora" typeface="Nirmala UI"/>
-        <a:font script="Tale" typeface="Microsoft Tai Le"/>
-        <a:font script="Talu" typeface="Microsoft New Tai Lue"/>
-        <a:font script="Tfng" typeface="Ebrima"/>
       </a:minorFont>
     </a:fontScheme>
     <a:fmtScheme name="Office">
@@ -5174,8 +8469,265 @@
       </a:bgFillStyleLst>
     </a:fmtScheme>
   </a:themeElements>
-  <a:objectDefaults/>
-  <a:extraClrSchemeLst/>
+  <a:extLst>
+    <a:ext uri="{05A4C25C-085E-4340-85A3-A5531E510DB2}">
+      <thm15:themeFamily xmlns:thm15="http://schemas.microsoft.com/office/thememl/2012/main" name="Office Theme" id="{62F939B6-93AF-4DB8-9C6B-D6C7DFDC589F}" vid="{4A3C46E8-61CC-4603-A589-7422A47A8E4A}"/>
+    </a:ext>
+  </a:extLst>
+</a:theme>
+</file>
+
+<file path=ppt/theme/theme2.xml><?xml version="1.0" encoding="utf-8"?>
+<a:theme xmlns:a="http://schemas.openxmlformats.org/drawingml/2006/main" name="1_Office 主题​​">
+  <a:themeElements>
+    <a:clrScheme name="Office">
+      <a:dk1>
+        <a:sysClr val="windowText" lastClr="000000"/>
+      </a:dk1>
+      <a:lt1>
+        <a:sysClr val="window" lastClr="FFFFFF"/>
+      </a:lt1>
+      <a:dk2>
+        <a:srgbClr val="44546A"/>
+      </a:dk2>
+      <a:lt2>
+        <a:srgbClr val="E7E6E6"/>
+      </a:lt2>
+      <a:accent1>
+        <a:srgbClr val="4472C4"/>
+      </a:accent1>
+      <a:accent2>
+        <a:srgbClr val="ED7D31"/>
+      </a:accent2>
+      <a:accent3>
+        <a:srgbClr val="A5A5A5"/>
+      </a:accent3>
+      <a:accent4>
+        <a:srgbClr val="FFC000"/>
+      </a:accent4>
+      <a:accent5>
+        <a:srgbClr val="5B9BD5"/>
+      </a:accent5>
+      <a:accent6>
+        <a:srgbClr val="70AD47"/>
+      </a:accent6>
+      <a:hlink>
+        <a:srgbClr val="0563C1"/>
+      </a:hlink>
+      <a:folHlink>
+        <a:srgbClr val="954F72"/>
+      </a:folHlink>
+    </a:clrScheme>
+    <a:fontScheme name="Office">
+      <a:majorFont>
+        <a:latin typeface="等线 Light"/>
+        <a:ea typeface=""/>
+        <a:cs typeface=""/>
+        <a:font script="Jpan" typeface="游ゴシック Light"/>
+        <a:font script="Hang" typeface="맑은 고딕"/>
+        <a:font script="Hans" typeface="等线 Light"/>
+        <a:font script="Hant" typeface="新細明體"/>
+        <a:font script="Arab" typeface="Times New Roman"/>
+        <a:font script="Hebr" typeface="Times New Roman"/>
+        <a:font script="Thai" typeface="Angsana New"/>
+        <a:font script="Ethi" typeface="Nyala"/>
+        <a:font script="Beng" typeface="Vrinda"/>
+        <a:font script="Gujr" typeface="Shruti"/>
+        <a:font script="Khmr" typeface="MoolBoran"/>
+        <a:font script="Knda" typeface="Tunga"/>
+        <a:font script="Guru" typeface="Raavi"/>
+        <a:font script="Cans" typeface="Euphemia"/>
+        <a:font script="Cher" typeface="Plantagenet Cherokee"/>
+        <a:font script="Yiii" typeface="Microsoft Yi Baiti"/>
+        <a:font script="Tibt" typeface="Microsoft Himalaya"/>
+        <a:font script="Thaa" typeface="MV Boli"/>
+        <a:font script="Deva" typeface="Mangal"/>
+        <a:font script="Telu" typeface="Gautami"/>
+        <a:font script="Taml" typeface="Latha"/>
+        <a:font script="Syrc" typeface="Estrangelo Edessa"/>
+        <a:font script="Orya" typeface="Kalinga"/>
+        <a:font script="Mlym" typeface="Kartika"/>
+        <a:font script="Laoo" typeface="DokChampa"/>
+        <a:font script="Sinh" typeface="Iskoola Pota"/>
+        <a:font script="Mong" typeface="Mongolian Baiti"/>
+        <a:font script="Viet" typeface="Times New Roman"/>
+        <a:font script="Uigh" typeface="Microsoft Uighur"/>
+        <a:font script="Geor" typeface="Sylfaen"/>
+      </a:majorFont>
+      <a:minorFont>
+        <a:latin typeface="等线"/>
+        <a:ea typeface=""/>
+        <a:cs typeface=""/>
+        <a:font script="Jpan" typeface="游ゴシック"/>
+        <a:font script="Hang" typeface="맑은 고딕"/>
+        <a:font script="Hans" typeface="等线"/>
+        <a:font script="Hant" typeface="新細明體"/>
+        <a:font script="Arab" typeface="Arial"/>
+        <a:font script="Hebr" typeface="Arial"/>
+        <a:font script="Thai" typeface="Cordia New"/>
+        <a:font script="Ethi" typeface="Nyala"/>
+        <a:font script="Beng" typeface="Vrinda"/>
+        <a:font script="Gujr" typeface="Shruti"/>
+        <a:font script="Khmr" typeface="DaunPenh"/>
+        <a:font script="Knda" typeface="Tunga"/>
+        <a:font script="Guru" typeface="Raavi"/>
+        <a:font script="Cans" typeface="Euphemia"/>
+        <a:font script="Cher" typeface="Plantagenet Cherokee"/>
+        <a:font script="Yiii" typeface="Microsoft Yi Baiti"/>
+        <a:font script="Tibt" typeface="Microsoft Himalaya"/>
+        <a:font script="Thaa" typeface="MV Boli"/>
+        <a:font script="Deva" typeface="Mangal"/>
+        <a:font script="Telu" typeface="Gautami"/>
+        <a:font script="Taml" typeface="Latha"/>
+        <a:font script="Syrc" typeface="Estrangelo Edessa"/>
+        <a:font script="Orya" typeface="Kalinga"/>
+        <a:font script="Mlym" typeface="Kartika"/>
+        <a:font script="Laoo" typeface="DokChampa"/>
+        <a:font script="Sinh" typeface="Iskoola Pota"/>
+        <a:font script="Mong" typeface="Mongolian Baiti"/>
+        <a:font script="Viet" typeface="Arial"/>
+        <a:font script="Uigh" typeface="Microsoft Uighur"/>
+        <a:font script="Geor" typeface="Sylfaen"/>
+      </a:minorFont>
+    </a:fontScheme>
+    <a:fmtScheme name="Office">
+      <a:fillStyleLst>
+        <a:solidFill>
+          <a:schemeClr val="phClr"/>
+        </a:solidFill>
+        <a:gradFill rotWithShape="1">
+          <a:gsLst>
+            <a:gs pos="0">
+              <a:schemeClr val="phClr">
+                <a:lumMod val="110000"/>
+                <a:satMod val="105000"/>
+                <a:tint val="67000"/>
+              </a:schemeClr>
+            </a:gs>
+            <a:gs pos="50000">
+              <a:schemeClr val="phClr">
+                <a:lumMod val="105000"/>
+                <a:satMod val="103000"/>
+                <a:tint val="73000"/>
+              </a:schemeClr>
+            </a:gs>
+            <a:gs pos="100000">
+              <a:schemeClr val="phClr">
+                <a:lumMod val="105000"/>
+                <a:satMod val="109000"/>
+                <a:tint val="81000"/>
+              </a:schemeClr>
+            </a:gs>
+          </a:gsLst>
+          <a:lin ang="5400000" scaled="0"/>
+        </a:gradFill>
+        <a:gradFill rotWithShape="1">
+          <a:gsLst>
+            <a:gs pos="0">
+              <a:schemeClr val="phClr">
+                <a:satMod val="103000"/>
+                <a:lumMod val="102000"/>
+                <a:tint val="94000"/>
+              </a:schemeClr>
+            </a:gs>
+            <a:gs pos="50000">
+              <a:schemeClr val="phClr">
+                <a:satMod val="110000"/>
+                <a:lumMod val="100000"/>
+                <a:shade val="100000"/>
+              </a:schemeClr>
+            </a:gs>
+            <a:gs pos="100000">
+              <a:schemeClr val="phClr">
+                <a:lumMod val="99000"/>
+                <a:satMod val="120000"/>
+                <a:shade val="78000"/>
+              </a:schemeClr>
+            </a:gs>
+          </a:gsLst>
+          <a:lin ang="5400000" scaled="0"/>
+        </a:gradFill>
+      </a:fillStyleLst>
+      <a:lnStyleLst>
+        <a:ln w="6350" cap="flat" cmpd="sng" algn="ctr">
+          <a:solidFill>
+            <a:schemeClr val="phClr"/>
+          </a:solidFill>
+          <a:prstDash val="solid"/>
+          <a:miter lim="800000"/>
+        </a:ln>
+        <a:ln w="12700" cap="flat" cmpd="sng" algn="ctr">
+          <a:solidFill>
+            <a:schemeClr val="phClr"/>
+          </a:solidFill>
+          <a:prstDash val="solid"/>
+          <a:miter lim="800000"/>
+        </a:ln>
+        <a:ln w="19050" cap="flat" cmpd="sng" algn="ctr">
+          <a:solidFill>
+            <a:schemeClr val="phClr"/>
+          </a:solidFill>
+          <a:prstDash val="solid"/>
+          <a:miter lim="800000"/>
+        </a:ln>
+      </a:lnStyleLst>
+      <a:effectStyleLst>
+        <a:effectStyle>
+          <a:effectLst/>
+        </a:effectStyle>
+        <a:effectStyle>
+          <a:effectLst/>
+        </a:effectStyle>
+        <a:effectStyle>
+          <a:effectLst>
+            <a:outerShdw blurRad="57150" dist="19050" dir="5400000" algn="ctr" rotWithShape="0">
+              <a:srgbClr val="000000">
+                <a:alpha val="63000"/>
+              </a:srgbClr>
+            </a:outerShdw>
+          </a:effectLst>
+        </a:effectStyle>
+      </a:effectStyleLst>
+      <a:bgFillStyleLst>
+        <a:solidFill>
+          <a:schemeClr val="phClr"/>
+        </a:solidFill>
+        <a:solidFill>
+          <a:schemeClr val="phClr">
+            <a:tint val="95000"/>
+            <a:satMod val="170000"/>
+          </a:schemeClr>
+        </a:solidFill>
+        <a:gradFill rotWithShape="1">
+          <a:gsLst>
+            <a:gs pos="0">
+              <a:schemeClr val="phClr">
+                <a:tint val="93000"/>
+                <a:satMod val="150000"/>
+                <a:shade val="98000"/>
+                <a:lumMod val="102000"/>
+              </a:schemeClr>
+            </a:gs>
+            <a:gs pos="50000">
+              <a:schemeClr val="phClr">
+                <a:tint val="98000"/>
+                <a:satMod val="130000"/>
+                <a:shade val="90000"/>
+                <a:lumMod val="103000"/>
+              </a:schemeClr>
+            </a:gs>
+            <a:gs pos="100000">
+              <a:schemeClr val="phClr">
+                <a:shade val="63000"/>
+                <a:satMod val="120000"/>
+              </a:schemeClr>
+            </a:gs>
+          </a:gsLst>
+          <a:lin ang="5400000" scaled="0"/>
+        </a:gradFill>
+      </a:bgFillStyleLst>
+    </a:fmtScheme>
+  </a:themeElements>
   <a:extLst>
     <a:ext uri="{05A4C25C-085E-4340-85A3-A5531E510DB2}">
       <thm15:themeFamily xmlns:thm15="http://schemas.microsoft.com/office/thememl/2012/main" name="Office Theme" id="{62F939B6-93AF-4DB8-9C6B-D6C7DFDC589F}" vid="{4A3C46E8-61CC-4603-A589-7422A47A8E4A}"/>
